--- a/slides/figintegrales.pptx
+++ b/slides/figintegrales.pptx
@@ -7,6 +7,10 @@
   <p:sldIdLst>
     <p:sldId id="256" r:id="rId2"/>
     <p:sldId id="258" r:id="rId3"/>
+    <p:sldId id="259" r:id="rId4"/>
+    <p:sldId id="260" r:id="rId5"/>
+    <p:sldId id="261" r:id="rId6"/>
+    <p:sldId id="262" r:id="rId7"/>
   </p:sldIdLst>
   <p:sldSz cx="12192000" cy="6858000"/>
   <p:notesSz cx="6858000" cy="9144000"/>
@@ -105,6 +109,11 @@
       </a:defRPr>
     </a:lvl9pPr>
   </p:defaultTextStyle>
+  <p:extLst>
+    <p:ext uri="{EFAFB233-063F-42B5-8137-9DF3F51BA10A}">
+      <p15:sldGuideLst xmlns:p15="http://schemas.microsoft.com/office/powerpoint/2012/main"/>
+    </p:ext>
+  </p:extLst>
 </p:presentation>
 </file>
 
@@ -255,7 +264,7 @@
           <a:p>
             <a:fld id="{43F80F9F-20C6-4EDA-AFDE-D8794B529315}" type="datetimeFigureOut">
               <a:rPr lang="es-ES" smtClean="0"/>
-              <a:t>24/03/2020</a:t>
+              <a:t>27/03/2020</a:t>
             </a:fld>
             <a:endParaRPr lang="es-ES"/>
           </a:p>
@@ -453,7 +462,7 @@
           <a:p>
             <a:fld id="{43F80F9F-20C6-4EDA-AFDE-D8794B529315}" type="datetimeFigureOut">
               <a:rPr lang="es-ES" smtClean="0"/>
-              <a:t>24/03/2020</a:t>
+              <a:t>27/03/2020</a:t>
             </a:fld>
             <a:endParaRPr lang="es-ES"/>
           </a:p>
@@ -661,7 +670,7 @@
           <a:p>
             <a:fld id="{43F80F9F-20C6-4EDA-AFDE-D8794B529315}" type="datetimeFigureOut">
               <a:rPr lang="es-ES" smtClean="0"/>
-              <a:t>24/03/2020</a:t>
+              <a:t>27/03/2020</a:t>
             </a:fld>
             <a:endParaRPr lang="es-ES"/>
           </a:p>
@@ -859,7 +868,7 @@
           <a:p>
             <a:fld id="{43F80F9F-20C6-4EDA-AFDE-D8794B529315}" type="datetimeFigureOut">
               <a:rPr lang="es-ES" smtClean="0"/>
-              <a:t>24/03/2020</a:t>
+              <a:t>27/03/2020</a:t>
             </a:fld>
             <a:endParaRPr lang="es-ES"/>
           </a:p>
@@ -1134,7 +1143,7 @@
           <a:p>
             <a:fld id="{43F80F9F-20C6-4EDA-AFDE-D8794B529315}" type="datetimeFigureOut">
               <a:rPr lang="es-ES" smtClean="0"/>
-              <a:t>24/03/2020</a:t>
+              <a:t>27/03/2020</a:t>
             </a:fld>
             <a:endParaRPr lang="es-ES"/>
           </a:p>
@@ -1399,7 +1408,7 @@
           <a:p>
             <a:fld id="{43F80F9F-20C6-4EDA-AFDE-D8794B529315}" type="datetimeFigureOut">
               <a:rPr lang="es-ES" smtClean="0"/>
-              <a:t>24/03/2020</a:t>
+              <a:t>27/03/2020</a:t>
             </a:fld>
             <a:endParaRPr lang="es-ES"/>
           </a:p>
@@ -1811,7 +1820,7 @@
           <a:p>
             <a:fld id="{43F80F9F-20C6-4EDA-AFDE-D8794B529315}" type="datetimeFigureOut">
               <a:rPr lang="es-ES" smtClean="0"/>
-              <a:t>24/03/2020</a:t>
+              <a:t>27/03/2020</a:t>
             </a:fld>
             <a:endParaRPr lang="es-ES"/>
           </a:p>
@@ -1952,7 +1961,7 @@
           <a:p>
             <a:fld id="{43F80F9F-20C6-4EDA-AFDE-D8794B529315}" type="datetimeFigureOut">
               <a:rPr lang="es-ES" smtClean="0"/>
-              <a:t>24/03/2020</a:t>
+              <a:t>27/03/2020</a:t>
             </a:fld>
             <a:endParaRPr lang="es-ES"/>
           </a:p>
@@ -2065,7 +2074,7 @@
           <a:p>
             <a:fld id="{43F80F9F-20C6-4EDA-AFDE-D8794B529315}" type="datetimeFigureOut">
               <a:rPr lang="es-ES" smtClean="0"/>
-              <a:t>24/03/2020</a:t>
+              <a:t>27/03/2020</a:t>
             </a:fld>
             <a:endParaRPr lang="es-ES"/>
           </a:p>
@@ -2376,7 +2385,7 @@
           <a:p>
             <a:fld id="{43F80F9F-20C6-4EDA-AFDE-D8794B529315}" type="datetimeFigureOut">
               <a:rPr lang="es-ES" smtClean="0"/>
-              <a:t>24/03/2020</a:t>
+              <a:t>27/03/2020</a:t>
             </a:fld>
             <a:endParaRPr lang="es-ES"/>
           </a:p>
@@ -2664,7 +2673,7 @@
           <a:p>
             <a:fld id="{43F80F9F-20C6-4EDA-AFDE-D8794B529315}" type="datetimeFigureOut">
               <a:rPr lang="es-ES" smtClean="0"/>
-              <a:t>24/03/2020</a:t>
+              <a:t>27/03/2020</a:t>
             </a:fld>
             <a:endParaRPr lang="es-ES"/>
           </a:p>
@@ -2905,7 +2914,7 @@
           <a:p>
             <a:fld id="{43F80F9F-20C6-4EDA-AFDE-D8794B529315}" type="datetimeFigureOut">
               <a:rPr lang="es-ES" smtClean="0"/>
-              <a:t>24/03/2020</a:t>
+              <a:t>27/03/2020</a:t>
             </a:fld>
             <a:endParaRPr lang="es-ES"/>
           </a:p>
@@ -5251,6 +5260,6808 @@
 </p:sld>
 </file>
 
+<file path=ppt/slides/slide3.xml><?xml version="1.0" encoding="utf-8"?>
+<p:sld xmlns:a="http://schemas.openxmlformats.org/drawingml/2006/main" xmlns:r="http://schemas.openxmlformats.org/officeDocument/2006/relationships" xmlns:p="http://schemas.openxmlformats.org/presentationml/2006/main">
+  <p:cSld>
+    <p:spTree>
+      <p:nvGrpSpPr>
+        <p:cNvPr id="1" name=""/>
+        <p:cNvGrpSpPr/>
+        <p:nvPr/>
+      </p:nvGrpSpPr>
+      <p:grpSpPr>
+        <a:xfrm>
+          <a:off x="0" y="0"/>
+          <a:ext cx="0" cy="0"/>
+          <a:chOff x="0" y="0"/>
+          <a:chExt cx="0" cy="0"/>
+        </a:xfrm>
+      </p:grpSpPr>
+      <p:pic>
+        <p:nvPicPr>
+          <p:cNvPr id="16" name="Imagen 15">
+            <a:extLst>
+              <a:ext uri="{FF2B5EF4-FFF2-40B4-BE49-F238E27FC236}">
+                <a16:creationId xmlns:a16="http://schemas.microsoft.com/office/drawing/2014/main" id="{EEDFF46A-2C73-4D5B-BCD0-AA76E7A9573B}"/>
+              </a:ext>
+            </a:extLst>
+          </p:cNvPr>
+          <p:cNvPicPr>
+            <a:picLocks noChangeAspect="1"/>
+          </p:cNvPicPr>
+          <p:nvPr/>
+        </p:nvPicPr>
+        <p:blipFill>
+          <a:blip r:embed="rId2">
+            <a:clrChange>
+              <a:clrFrom>
+                <a:srgbClr val="FFFFFF"/>
+              </a:clrFrom>
+              <a:clrTo>
+                <a:srgbClr val="FFFFFF">
+                  <a:alpha val="0"/>
+                </a:srgbClr>
+              </a:clrTo>
+            </a:clrChange>
+          </a:blip>
+          <a:stretch>
+            <a:fillRect/>
+          </a:stretch>
+        </p:blipFill>
+        <p:spPr>
+          <a:xfrm>
+            <a:off x="6433930" y="1240220"/>
+            <a:ext cx="3952875" cy="3886200"/>
+          </a:xfrm>
+          <a:prstGeom prst="rect">
+            <a:avLst/>
+          </a:prstGeom>
+        </p:spPr>
+      </p:pic>
+      <p:pic>
+        <p:nvPicPr>
+          <p:cNvPr id="17" name="Imagen 16">
+            <a:extLst>
+              <a:ext uri="{FF2B5EF4-FFF2-40B4-BE49-F238E27FC236}">
+                <a16:creationId xmlns:a16="http://schemas.microsoft.com/office/drawing/2014/main" id="{6F3C5D2F-1D93-4717-BFDC-CEE7614E3997}"/>
+              </a:ext>
+            </a:extLst>
+          </p:cNvPr>
+          <p:cNvPicPr>
+            <a:picLocks noChangeAspect="1"/>
+          </p:cNvPicPr>
+          <p:nvPr/>
+        </p:nvPicPr>
+        <p:blipFill>
+          <a:blip r:embed="rId2">
+            <a:clrChange>
+              <a:clrFrom>
+                <a:srgbClr val="FFFFFF"/>
+              </a:clrFrom>
+              <a:clrTo>
+                <a:srgbClr val="FFFFFF">
+                  <a:alpha val="0"/>
+                </a:srgbClr>
+              </a:clrTo>
+            </a:clrChange>
+            <a:duotone>
+              <a:prstClr val="black"/>
+              <a:schemeClr val="accent1">
+                <a:tint val="45000"/>
+                <a:satMod val="400000"/>
+              </a:schemeClr>
+            </a:duotone>
+          </a:blip>
+          <a:stretch>
+            <a:fillRect/>
+          </a:stretch>
+        </p:blipFill>
+        <p:spPr>
+          <a:xfrm flipV="1">
+            <a:off x="6433929" y="1376569"/>
+            <a:ext cx="3952875" cy="3886200"/>
+          </a:xfrm>
+          <a:prstGeom prst="rect">
+            <a:avLst/>
+          </a:prstGeom>
+        </p:spPr>
+      </p:pic>
+      <p:cxnSp>
+        <p:nvCxnSpPr>
+          <p:cNvPr id="19" name="Conector recto 18">
+            <a:extLst>
+              <a:ext uri="{FF2B5EF4-FFF2-40B4-BE49-F238E27FC236}">
+                <a16:creationId xmlns:a16="http://schemas.microsoft.com/office/drawing/2014/main" id="{33EDE7F9-4AB2-4C14-AC21-0CC1DE45D50F}"/>
+              </a:ext>
+            </a:extLst>
+          </p:cNvPr>
+          <p:cNvCxnSpPr/>
+          <p:nvPr/>
+        </p:nvCxnSpPr>
+        <p:spPr>
+          <a:xfrm>
+            <a:off x="5617470" y="3242954"/>
+            <a:ext cx="5585791" cy="0"/>
+          </a:xfrm>
+          <a:prstGeom prst="line">
+            <a:avLst/>
+          </a:prstGeom>
+          <a:ln w="28575">
+            <a:solidFill>
+              <a:schemeClr val="bg2">
+                <a:lumMod val="75000"/>
+              </a:schemeClr>
+            </a:solidFill>
+            <a:prstDash val="dashDot"/>
+          </a:ln>
+        </p:spPr>
+        <p:style>
+          <a:lnRef idx="1">
+            <a:schemeClr val="accent1"/>
+          </a:lnRef>
+          <a:fillRef idx="0">
+            <a:schemeClr val="accent1"/>
+          </a:fillRef>
+          <a:effectRef idx="0">
+            <a:schemeClr val="accent1"/>
+          </a:effectRef>
+          <a:fontRef idx="minor">
+            <a:schemeClr val="tx1"/>
+          </a:fontRef>
+        </p:style>
+      </p:cxnSp>
+      <p:cxnSp>
+        <p:nvCxnSpPr>
+          <p:cNvPr id="20" name="Conector recto 19">
+            <a:extLst>
+              <a:ext uri="{FF2B5EF4-FFF2-40B4-BE49-F238E27FC236}">
+                <a16:creationId xmlns:a16="http://schemas.microsoft.com/office/drawing/2014/main" id="{53972124-57AB-449E-938B-57D981CF018A}"/>
+              </a:ext>
+            </a:extLst>
+          </p:cNvPr>
+          <p:cNvCxnSpPr>
+            <a:cxnSpLocks/>
+          </p:cNvCxnSpPr>
+          <p:nvPr/>
+        </p:nvCxnSpPr>
+        <p:spPr>
+          <a:xfrm flipH="1" flipV="1">
+            <a:off x="8365843" y="1103243"/>
+            <a:ext cx="44522" cy="4442792"/>
+          </a:xfrm>
+          <a:prstGeom prst="line">
+            <a:avLst/>
+          </a:prstGeom>
+          <a:ln w="28575">
+            <a:solidFill>
+              <a:schemeClr val="bg2">
+                <a:lumMod val="75000"/>
+              </a:schemeClr>
+            </a:solidFill>
+            <a:prstDash val="dashDot"/>
+          </a:ln>
+        </p:spPr>
+        <p:style>
+          <a:lnRef idx="1">
+            <a:schemeClr val="accent1"/>
+          </a:lnRef>
+          <a:fillRef idx="0">
+            <a:schemeClr val="accent1"/>
+          </a:fillRef>
+          <a:effectRef idx="0">
+            <a:schemeClr val="accent1"/>
+          </a:effectRef>
+          <a:fontRef idx="minor">
+            <a:schemeClr val="tx1"/>
+          </a:fontRef>
+        </p:style>
+      </p:cxnSp>
+      <p:sp>
+        <p:nvSpPr>
+          <p:cNvPr id="23" name="CuadroTexto 22">
+            <a:extLst>
+              <a:ext uri="{FF2B5EF4-FFF2-40B4-BE49-F238E27FC236}">
+                <a16:creationId xmlns:a16="http://schemas.microsoft.com/office/drawing/2014/main" id="{E3C654D4-0E99-4025-B454-7AFA15E65E60}"/>
+              </a:ext>
+            </a:extLst>
+          </p:cNvPr>
+          <p:cNvSpPr txBox="1"/>
+          <p:nvPr/>
+        </p:nvSpPr>
+        <p:spPr>
+          <a:xfrm>
+            <a:off x="10386804" y="2781289"/>
+            <a:ext cx="338554" cy="461665"/>
+          </a:xfrm>
+          <a:prstGeom prst="rect">
+            <a:avLst/>
+          </a:prstGeom>
+          <a:noFill/>
+        </p:spPr>
+        <p:txBody>
+          <a:bodyPr wrap="none" rtlCol="0">
+            <a:spAutoFit/>
+          </a:bodyPr>
+          <a:lstStyle/>
+          <a:p>
+            <a:r>
+              <a:rPr lang="es-ES" sz="2400" dirty="0">
+                <a:latin typeface="Times New Roman" panose="02020603050405020304" pitchFamily="18" charset="0"/>
+                <a:cs typeface="Times New Roman" panose="02020603050405020304" pitchFamily="18" charset="0"/>
+              </a:rPr>
+              <a:t>x</a:t>
+            </a:r>
+          </a:p>
+        </p:txBody>
+      </p:sp>
+      <p:sp>
+        <p:nvSpPr>
+          <p:cNvPr id="24" name="CuadroTexto 23">
+            <a:extLst>
+              <a:ext uri="{FF2B5EF4-FFF2-40B4-BE49-F238E27FC236}">
+                <a16:creationId xmlns:a16="http://schemas.microsoft.com/office/drawing/2014/main" id="{0ABFF7E6-9DA4-4696-9C2F-E52806FA369D}"/>
+              </a:ext>
+            </a:extLst>
+          </p:cNvPr>
+          <p:cNvSpPr txBox="1"/>
+          <p:nvPr/>
+        </p:nvSpPr>
+        <p:spPr>
+          <a:xfrm>
+            <a:off x="7943328" y="914904"/>
+            <a:ext cx="338554" cy="461665"/>
+          </a:xfrm>
+          <a:prstGeom prst="rect">
+            <a:avLst/>
+          </a:prstGeom>
+          <a:noFill/>
+        </p:spPr>
+        <p:txBody>
+          <a:bodyPr wrap="none" rtlCol="0">
+            <a:spAutoFit/>
+          </a:bodyPr>
+          <a:lstStyle/>
+          <a:p>
+            <a:r>
+              <a:rPr lang="es-ES" sz="2400" dirty="0">
+                <a:latin typeface="Times New Roman" panose="02020603050405020304" pitchFamily="18" charset="0"/>
+                <a:cs typeface="Times New Roman" panose="02020603050405020304" pitchFamily="18" charset="0"/>
+              </a:rPr>
+              <a:t>y</a:t>
+            </a:r>
+          </a:p>
+        </p:txBody>
+      </p:sp>
+      <mc:AlternateContent xmlns:mc="http://schemas.openxmlformats.org/markup-compatibility/2006">
+        <mc:Choice xmlns:a14="http://schemas.microsoft.com/office/drawing/2010/main" Requires="a14">
+          <p:sp>
+            <p:nvSpPr>
+              <p:cNvPr id="25" name="CuadroTexto 24">
+                <a:extLst>
+                  <a:ext uri="{FF2B5EF4-FFF2-40B4-BE49-F238E27FC236}">
+                    <a16:creationId xmlns:a16="http://schemas.microsoft.com/office/drawing/2014/main" id="{E48437E6-A95E-4208-A6BB-BE5E3C8F0913}"/>
+                  </a:ext>
+                </a:extLst>
+              </p:cNvPr>
+              <p:cNvSpPr txBox="1"/>
+              <p:nvPr/>
+            </p:nvSpPr>
+            <p:spPr>
+              <a:xfrm flipH="1">
+                <a:off x="9502161" y="1342173"/>
+                <a:ext cx="1853248" cy="437749"/>
+              </a:xfrm>
+              <a:prstGeom prst="rect">
+                <a:avLst/>
+              </a:prstGeom>
+              <a:noFill/>
+            </p:spPr>
+            <p:txBody>
+              <a:bodyPr wrap="square" rtlCol="0">
+                <a:spAutoFit/>
+              </a:bodyPr>
+              <a:lstStyle/>
+              <a:p>
+                <a14:m>
+                  <m:oMathPara xmlns:m="http://schemas.openxmlformats.org/officeDocument/2006/math">
+                    <m:oMathParaPr>
+                      <m:jc m:val="centerGroup"/>
+                    </m:oMathParaPr>
+                    <m:oMath xmlns:m="http://schemas.openxmlformats.org/officeDocument/2006/math">
+                      <m:r>
+                        <a:rPr lang="es-ES" b="1" i="1" smtClean="0">
+                          <a:latin typeface="Cambria Math" panose="02040503050406030204" pitchFamily="18" charset="0"/>
+                        </a:rPr>
+                        <m:t>𝒉</m:t>
+                      </m:r>
+                      <m:d>
+                        <m:dPr>
+                          <m:ctrlPr>
+                            <a:rPr lang="es-ES" b="1" i="1" smtClean="0">
+                              <a:latin typeface="Cambria Math" panose="02040503050406030204" pitchFamily="18" charset="0"/>
+                            </a:rPr>
+                          </m:ctrlPr>
+                        </m:dPr>
+                        <m:e>
+                          <m:r>
+                            <a:rPr lang="es-ES" b="1" i="1" smtClean="0">
+                              <a:latin typeface="Cambria Math" panose="02040503050406030204" pitchFamily="18" charset="0"/>
+                            </a:rPr>
+                            <m:t>𝒙</m:t>
+                          </m:r>
+                        </m:e>
+                      </m:d>
+                      <m:r>
+                        <a:rPr lang="es-ES" b="1" i="1" smtClean="0">
+                          <a:latin typeface="Cambria Math" panose="02040503050406030204" pitchFamily="18" charset="0"/>
+                        </a:rPr>
+                        <m:t>=</m:t>
+                      </m:r>
+                      <m:rad>
+                        <m:radPr>
+                          <m:degHide m:val="on"/>
+                          <m:ctrlPr>
+                            <a:rPr lang="es-ES" b="1" i="1" smtClean="0">
+                              <a:latin typeface="Cambria Math" panose="02040503050406030204" pitchFamily="18" charset="0"/>
+                            </a:rPr>
+                          </m:ctrlPr>
+                        </m:radPr>
+                        <m:deg/>
+                        <m:e>
+                          <m:sSup>
+                            <m:sSupPr>
+                              <m:ctrlPr>
+                                <a:rPr lang="es-ES" b="1" i="1" smtClean="0">
+                                  <a:latin typeface="Cambria Math" panose="02040503050406030204" pitchFamily="18" charset="0"/>
+                                </a:rPr>
+                              </m:ctrlPr>
+                            </m:sSupPr>
+                            <m:e>
+                              <m:r>
+                                <a:rPr lang="es-ES" b="1" i="1" smtClean="0">
+                                  <a:latin typeface="Cambria Math" panose="02040503050406030204" pitchFamily="18" charset="0"/>
+                                </a:rPr>
+                                <m:t>𝟏</m:t>
+                              </m:r>
+                              <m:r>
+                                <a:rPr lang="es-ES" b="1" i="1" smtClean="0">
+                                  <a:latin typeface="Cambria Math" panose="02040503050406030204" pitchFamily="18" charset="0"/>
+                                </a:rPr>
+                                <m:t>−</m:t>
+                              </m:r>
+                              <m:r>
+                                <a:rPr lang="es-ES" b="1" i="1" smtClean="0">
+                                  <a:latin typeface="Cambria Math" panose="02040503050406030204" pitchFamily="18" charset="0"/>
+                                </a:rPr>
+                                <m:t>𝒙</m:t>
+                              </m:r>
+                            </m:e>
+                            <m:sup>
+                              <m:r>
+                                <a:rPr lang="es-ES" b="1" i="1" smtClean="0">
+                                  <a:latin typeface="Cambria Math" panose="02040503050406030204" pitchFamily="18" charset="0"/>
+                                </a:rPr>
+                                <m:t>𝟐</m:t>
+                              </m:r>
+                            </m:sup>
+                          </m:sSup>
+                        </m:e>
+                      </m:rad>
+                    </m:oMath>
+                  </m:oMathPara>
+                </a14:m>
+                <a:endParaRPr lang="es-ES" b="1" dirty="0"/>
+              </a:p>
+            </p:txBody>
+          </p:sp>
+        </mc:Choice>
+        <mc:Fallback>
+          <p:sp>
+            <p:nvSpPr>
+              <p:cNvPr id="25" name="CuadroTexto 24">
+                <a:extLst>
+                  <a:ext uri="{FF2B5EF4-FFF2-40B4-BE49-F238E27FC236}">
+                    <a16:creationId xmlns:a16="http://schemas.microsoft.com/office/drawing/2014/main" id="{E48437E6-A95E-4208-A6BB-BE5E3C8F0913}"/>
+                  </a:ext>
+                </a:extLst>
+              </p:cNvPr>
+              <p:cNvSpPr txBox="1">
+                <a:spLocks noRot="1" noChangeAspect="1" noMove="1" noResize="1" noEditPoints="1" noAdjustHandles="1" noChangeArrowheads="1" noChangeShapeType="1" noTextEdit="1"/>
+              </p:cNvSpPr>
+              <p:nvPr/>
+            </p:nvSpPr>
+            <p:spPr>
+              <a:xfrm flipH="1">
+                <a:off x="9502161" y="1342173"/>
+                <a:ext cx="1853248" cy="437749"/>
+              </a:xfrm>
+              <a:prstGeom prst="rect">
+                <a:avLst/>
+              </a:prstGeom>
+              <a:blipFill>
+                <a:blip r:embed="rId3"/>
+                <a:stretch>
+                  <a:fillRect/>
+                </a:stretch>
+              </a:blipFill>
+            </p:spPr>
+            <p:txBody>
+              <a:bodyPr/>
+              <a:lstStyle/>
+              <a:p>
+                <a:r>
+                  <a:rPr lang="es-ES">
+                    <a:noFill/>
+                  </a:rPr>
+                  <a:t> </a:t>
+                </a:r>
+              </a:p>
+            </p:txBody>
+          </p:sp>
+        </mc:Fallback>
+      </mc:AlternateContent>
+      <mc:AlternateContent xmlns:mc="http://schemas.openxmlformats.org/markup-compatibility/2006">
+        <mc:Choice xmlns:a14="http://schemas.microsoft.com/office/drawing/2010/main" Requires="a14">
+          <p:sp>
+            <p:nvSpPr>
+              <p:cNvPr id="26" name="CuadroTexto 25">
+                <a:extLst>
+                  <a:ext uri="{FF2B5EF4-FFF2-40B4-BE49-F238E27FC236}">
+                    <a16:creationId xmlns:a16="http://schemas.microsoft.com/office/drawing/2014/main" id="{5A2F93B5-4E3B-45AD-9A5C-D68E99445402}"/>
+                  </a:ext>
+                </a:extLst>
+              </p:cNvPr>
+              <p:cNvSpPr txBox="1"/>
+              <p:nvPr/>
+            </p:nvSpPr>
+            <p:spPr>
+              <a:xfrm flipH="1">
+                <a:off x="9375473" y="4671590"/>
+                <a:ext cx="2153917" cy="441275"/>
+              </a:xfrm>
+              <a:prstGeom prst="rect">
+                <a:avLst/>
+              </a:prstGeom>
+              <a:noFill/>
+            </p:spPr>
+            <p:txBody>
+              <a:bodyPr wrap="square" rtlCol="0">
+                <a:spAutoFit/>
+              </a:bodyPr>
+              <a:lstStyle/>
+              <a:p>
+                <a14:m>
+                  <m:oMathPara xmlns:m="http://schemas.openxmlformats.org/officeDocument/2006/math">
+                    <m:oMathParaPr>
+                      <m:jc m:val="centerGroup"/>
+                    </m:oMathParaPr>
+                    <m:oMath xmlns:m="http://schemas.openxmlformats.org/officeDocument/2006/math">
+                      <m:r>
+                        <a:rPr lang="es-ES" b="1" i="1" smtClean="0">
+                          <a:solidFill>
+                            <a:srgbClr val="FF0000"/>
+                          </a:solidFill>
+                          <a:latin typeface="Cambria Math" panose="02040503050406030204" pitchFamily="18" charset="0"/>
+                        </a:rPr>
+                        <m:t>𝒈</m:t>
+                      </m:r>
+                      <m:d>
+                        <m:dPr>
+                          <m:ctrlPr>
+                            <a:rPr lang="es-ES" b="1" i="1" smtClean="0">
+                              <a:solidFill>
+                                <a:srgbClr val="FF0000"/>
+                              </a:solidFill>
+                              <a:latin typeface="Cambria Math" panose="02040503050406030204" pitchFamily="18" charset="0"/>
+                            </a:rPr>
+                          </m:ctrlPr>
+                        </m:dPr>
+                        <m:e>
+                          <m:r>
+                            <a:rPr lang="es-ES" b="1" i="1" smtClean="0">
+                              <a:solidFill>
+                                <a:srgbClr val="FF0000"/>
+                              </a:solidFill>
+                              <a:latin typeface="Cambria Math" panose="02040503050406030204" pitchFamily="18" charset="0"/>
+                            </a:rPr>
+                            <m:t>𝒙</m:t>
+                          </m:r>
+                        </m:e>
+                      </m:d>
+                      <m:r>
+                        <a:rPr lang="es-ES" b="1" i="1" smtClean="0">
+                          <a:solidFill>
+                            <a:srgbClr val="FF0000"/>
+                          </a:solidFill>
+                          <a:latin typeface="Cambria Math" panose="02040503050406030204" pitchFamily="18" charset="0"/>
+                        </a:rPr>
+                        <m:t>=−</m:t>
+                      </m:r>
+                      <m:rad>
+                        <m:radPr>
+                          <m:degHide m:val="on"/>
+                          <m:ctrlPr>
+                            <a:rPr lang="es-ES" b="1" i="1" smtClean="0">
+                              <a:solidFill>
+                                <a:srgbClr val="FF0000"/>
+                              </a:solidFill>
+                              <a:latin typeface="Cambria Math" panose="02040503050406030204" pitchFamily="18" charset="0"/>
+                            </a:rPr>
+                          </m:ctrlPr>
+                        </m:radPr>
+                        <m:deg/>
+                        <m:e>
+                          <m:sSup>
+                            <m:sSupPr>
+                              <m:ctrlPr>
+                                <a:rPr lang="es-ES" b="1" i="1" smtClean="0">
+                                  <a:solidFill>
+                                    <a:srgbClr val="FF0000"/>
+                                  </a:solidFill>
+                                  <a:latin typeface="Cambria Math" panose="02040503050406030204" pitchFamily="18" charset="0"/>
+                                </a:rPr>
+                              </m:ctrlPr>
+                            </m:sSupPr>
+                            <m:e>
+                              <m:r>
+                                <a:rPr lang="es-ES" b="1" i="1" smtClean="0">
+                                  <a:solidFill>
+                                    <a:srgbClr val="FF0000"/>
+                                  </a:solidFill>
+                                  <a:latin typeface="Cambria Math" panose="02040503050406030204" pitchFamily="18" charset="0"/>
+                                </a:rPr>
+                                <m:t>𝟏</m:t>
+                              </m:r>
+                              <m:r>
+                                <a:rPr lang="es-ES" b="1" i="1" smtClean="0">
+                                  <a:solidFill>
+                                    <a:srgbClr val="FF0000"/>
+                                  </a:solidFill>
+                                  <a:latin typeface="Cambria Math" panose="02040503050406030204" pitchFamily="18" charset="0"/>
+                                </a:rPr>
+                                <m:t>−</m:t>
+                              </m:r>
+                              <m:r>
+                                <a:rPr lang="es-ES" b="1" i="1" smtClean="0">
+                                  <a:solidFill>
+                                    <a:srgbClr val="FF0000"/>
+                                  </a:solidFill>
+                                  <a:latin typeface="Cambria Math" panose="02040503050406030204" pitchFamily="18" charset="0"/>
+                                </a:rPr>
+                                <m:t>𝒙</m:t>
+                              </m:r>
+                            </m:e>
+                            <m:sup>
+                              <m:r>
+                                <a:rPr lang="es-ES" b="1" i="1" smtClean="0">
+                                  <a:solidFill>
+                                    <a:srgbClr val="FF0000"/>
+                                  </a:solidFill>
+                                  <a:latin typeface="Cambria Math" panose="02040503050406030204" pitchFamily="18" charset="0"/>
+                                </a:rPr>
+                                <m:t>𝟐</m:t>
+                              </m:r>
+                            </m:sup>
+                          </m:sSup>
+                        </m:e>
+                      </m:rad>
+                    </m:oMath>
+                  </m:oMathPara>
+                </a14:m>
+                <a:endParaRPr lang="es-ES" b="1" dirty="0">
+                  <a:solidFill>
+                    <a:srgbClr val="FF0000"/>
+                  </a:solidFill>
+                </a:endParaRPr>
+              </a:p>
+            </p:txBody>
+          </p:sp>
+        </mc:Choice>
+        <mc:Fallback>
+          <p:sp>
+            <p:nvSpPr>
+              <p:cNvPr id="26" name="CuadroTexto 25">
+                <a:extLst>
+                  <a:ext uri="{FF2B5EF4-FFF2-40B4-BE49-F238E27FC236}">
+                    <a16:creationId xmlns:a16="http://schemas.microsoft.com/office/drawing/2014/main" id="{5A2F93B5-4E3B-45AD-9A5C-D68E99445402}"/>
+                  </a:ext>
+                </a:extLst>
+              </p:cNvPr>
+              <p:cNvSpPr txBox="1">
+                <a:spLocks noRot="1" noChangeAspect="1" noMove="1" noResize="1" noEditPoints="1" noAdjustHandles="1" noChangeArrowheads="1" noChangeShapeType="1" noTextEdit="1"/>
+              </p:cNvSpPr>
+              <p:nvPr/>
+            </p:nvSpPr>
+            <p:spPr>
+              <a:xfrm flipH="1">
+                <a:off x="9375473" y="4671590"/>
+                <a:ext cx="2153917" cy="441275"/>
+              </a:xfrm>
+              <a:prstGeom prst="rect">
+                <a:avLst/>
+              </a:prstGeom>
+              <a:blipFill>
+                <a:blip r:embed="rId4"/>
+                <a:stretch>
+                  <a:fillRect b="-5479"/>
+                </a:stretch>
+              </a:blipFill>
+            </p:spPr>
+            <p:txBody>
+              <a:bodyPr/>
+              <a:lstStyle/>
+              <a:p>
+                <a:r>
+                  <a:rPr lang="es-ES">
+                    <a:noFill/>
+                  </a:rPr>
+                  <a:t> </a:t>
+                </a:r>
+              </a:p>
+            </p:txBody>
+          </p:sp>
+        </mc:Fallback>
+      </mc:AlternateContent>
+      <p:sp>
+        <p:nvSpPr>
+          <p:cNvPr id="27" name="CuadroTexto 26">
+            <a:extLst>
+              <a:ext uri="{FF2B5EF4-FFF2-40B4-BE49-F238E27FC236}">
+                <a16:creationId xmlns:a16="http://schemas.microsoft.com/office/drawing/2014/main" id="{E0C4F513-79AE-4A89-A7F6-EFA179E875DD}"/>
+              </a:ext>
+            </a:extLst>
+          </p:cNvPr>
+          <p:cNvSpPr txBox="1"/>
+          <p:nvPr/>
+        </p:nvSpPr>
+        <p:spPr>
+          <a:xfrm>
+            <a:off x="8359576" y="990157"/>
+            <a:ext cx="914400" cy="369332"/>
+          </a:xfrm>
+          <a:prstGeom prst="rect">
+            <a:avLst/>
+          </a:prstGeom>
+          <a:noFill/>
+        </p:spPr>
+        <p:txBody>
+          <a:bodyPr wrap="square" rtlCol="0">
+            <a:spAutoFit/>
+          </a:bodyPr>
+          <a:lstStyle/>
+          <a:p>
+            <a:r>
+              <a:rPr lang="es-ES" dirty="0"/>
+              <a:t>(1,0)</a:t>
+            </a:r>
+          </a:p>
+        </p:txBody>
+      </p:sp>
+    </p:spTree>
+    <p:extLst>
+      <p:ext uri="{BB962C8B-B14F-4D97-AF65-F5344CB8AC3E}">
+        <p14:creationId xmlns:p14="http://schemas.microsoft.com/office/powerpoint/2010/main" val="3064369661"/>
+      </p:ext>
+    </p:extLst>
+  </p:cSld>
+  <p:clrMapOvr>
+    <a:masterClrMapping/>
+  </p:clrMapOvr>
+</p:sld>
+</file>
+
+<file path=ppt/slides/slide4.xml><?xml version="1.0" encoding="utf-8"?>
+<p:sld xmlns:a="http://schemas.openxmlformats.org/drawingml/2006/main" xmlns:r="http://schemas.openxmlformats.org/officeDocument/2006/relationships" xmlns:p="http://schemas.openxmlformats.org/presentationml/2006/main">
+  <p:cSld>
+    <p:spTree>
+      <p:nvGrpSpPr>
+        <p:cNvPr id="1" name=""/>
+        <p:cNvGrpSpPr/>
+        <p:nvPr/>
+      </p:nvGrpSpPr>
+      <p:grpSpPr>
+        <a:xfrm>
+          <a:off x="0" y="0"/>
+          <a:ext cx="0" cy="0"/>
+          <a:chOff x="0" y="0"/>
+          <a:chExt cx="0" cy="0"/>
+        </a:xfrm>
+      </p:grpSpPr>
+      <p:sp>
+        <p:nvSpPr>
+          <p:cNvPr id="4" name="Elipse 3">
+            <a:extLst>
+              <a:ext uri="{FF2B5EF4-FFF2-40B4-BE49-F238E27FC236}">
+                <a16:creationId xmlns:a16="http://schemas.microsoft.com/office/drawing/2014/main" id="{8C955D94-8B39-410A-A874-B708000B55A4}"/>
+              </a:ext>
+            </a:extLst>
+          </p:cNvPr>
+          <p:cNvSpPr/>
+          <p:nvPr/>
+        </p:nvSpPr>
+        <p:spPr>
+          <a:xfrm>
+            <a:off x="4605107" y="2792588"/>
+            <a:ext cx="1665656" cy="343465"/>
+          </a:xfrm>
+          <a:custGeom>
+            <a:avLst/>
+            <a:gdLst>
+              <a:gd name="connsiteX0" fmla="*/ 0 w 1665656"/>
+              <a:gd name="connsiteY0" fmla="*/ 171733 h 343465"/>
+              <a:gd name="connsiteX1" fmla="*/ 832828 w 1665656"/>
+              <a:gd name="connsiteY1" fmla="*/ 0 h 343465"/>
+              <a:gd name="connsiteX2" fmla="*/ 1665656 w 1665656"/>
+              <a:gd name="connsiteY2" fmla="*/ 171733 h 343465"/>
+              <a:gd name="connsiteX3" fmla="*/ 832828 w 1665656"/>
+              <a:gd name="connsiteY3" fmla="*/ 343466 h 343465"/>
+              <a:gd name="connsiteX4" fmla="*/ 0 w 1665656"/>
+              <a:gd name="connsiteY4" fmla="*/ 171733 h 343465"/>
+            </a:gdLst>
+            <a:ahLst/>
+            <a:cxnLst>
+              <a:cxn ang="0">
+                <a:pos x="connsiteX0" y="connsiteY0"/>
+              </a:cxn>
+              <a:cxn ang="0">
+                <a:pos x="connsiteX1" y="connsiteY1"/>
+              </a:cxn>
+              <a:cxn ang="0">
+                <a:pos x="connsiteX2" y="connsiteY2"/>
+              </a:cxn>
+              <a:cxn ang="0">
+                <a:pos x="connsiteX3" y="connsiteY3"/>
+              </a:cxn>
+              <a:cxn ang="0">
+                <a:pos x="connsiteX4" y="connsiteY4"/>
+              </a:cxn>
+            </a:cxnLst>
+            <a:rect l="l" t="t" r="r" b="b"/>
+            <a:pathLst>
+              <a:path w="1665656" h="343465" extrusionOk="0">
+                <a:moveTo>
+                  <a:pt x="0" y="171733"/>
+                </a:moveTo>
+                <a:cubicBezTo>
+                  <a:pt x="-84960" y="24482"/>
+                  <a:pt x="299929" y="27376"/>
+                  <a:pt x="832828" y="0"/>
+                </a:cubicBezTo>
+                <a:cubicBezTo>
+                  <a:pt x="1309789" y="3580"/>
+                  <a:pt x="1654400" y="77245"/>
+                  <a:pt x="1665656" y="171733"/>
+                </a:cubicBezTo>
+                <a:cubicBezTo>
+                  <a:pt x="1597918" y="332728"/>
+                  <a:pt x="1281958" y="403313"/>
+                  <a:pt x="832828" y="343466"/>
+                </a:cubicBezTo>
+                <a:cubicBezTo>
+                  <a:pt x="358597" y="335657"/>
+                  <a:pt x="6213" y="269548"/>
+                  <a:pt x="0" y="171733"/>
+                </a:cubicBezTo>
+                <a:close/>
+              </a:path>
+            </a:pathLst>
+          </a:custGeom>
+          <a:noFill/>
+          <a:ln>
+            <a:prstDash val="sysDot"/>
+            <a:extLst>
+              <a:ext uri="{C807C97D-BFC1-408E-A445-0C87EB9F89A2}">
+                <ask:lineSketchStyleProps xmlns:ask="http://schemas.microsoft.com/office/drawing/2018/sketchyshapes" sd="1219033472">
+                  <a:prstGeom prst="ellipse">
+                    <a:avLst/>
+                  </a:prstGeom>
+                  <ask:type>
+                    <ask:lineSketchScribble/>
+                  </ask:type>
+                </ask:lineSketchStyleProps>
+              </a:ext>
+            </a:extLst>
+          </a:ln>
+        </p:spPr>
+        <p:style>
+          <a:lnRef idx="2">
+            <a:schemeClr val="accent1">
+              <a:shade val="50000"/>
+            </a:schemeClr>
+          </a:lnRef>
+          <a:fillRef idx="1">
+            <a:schemeClr val="accent1"/>
+          </a:fillRef>
+          <a:effectRef idx="0">
+            <a:schemeClr val="accent1"/>
+          </a:effectRef>
+          <a:fontRef idx="minor">
+            <a:schemeClr val="lt1"/>
+          </a:fontRef>
+        </p:style>
+        <p:txBody>
+          <a:bodyPr rtlCol="0" anchor="ctr"/>
+          <a:lstStyle/>
+          <a:p>
+            <a:pPr algn="ctr"/>
+            <a:endParaRPr lang="es-ES"/>
+          </a:p>
+        </p:txBody>
+      </p:sp>
+      <p:sp>
+        <p:nvSpPr>
+          <p:cNvPr id="5" name="Elipse 4">
+            <a:extLst>
+              <a:ext uri="{FF2B5EF4-FFF2-40B4-BE49-F238E27FC236}">
+                <a16:creationId xmlns:a16="http://schemas.microsoft.com/office/drawing/2014/main" id="{B909CF12-C7A0-46BB-9E24-14724F08FF0E}"/>
+              </a:ext>
+            </a:extLst>
+          </p:cNvPr>
+          <p:cNvSpPr/>
+          <p:nvPr/>
+        </p:nvSpPr>
+        <p:spPr>
+          <a:xfrm>
+            <a:off x="4488972" y="1890777"/>
+            <a:ext cx="1897927" cy="557981"/>
+          </a:xfrm>
+          <a:custGeom>
+            <a:avLst/>
+            <a:gdLst>
+              <a:gd name="connsiteX0" fmla="*/ 0 w 1897927"/>
+              <a:gd name="connsiteY0" fmla="*/ 278991 h 557981"/>
+              <a:gd name="connsiteX1" fmla="*/ 948964 w 1897927"/>
+              <a:gd name="connsiteY1" fmla="*/ 0 h 557981"/>
+              <a:gd name="connsiteX2" fmla="*/ 1897928 w 1897927"/>
+              <a:gd name="connsiteY2" fmla="*/ 278991 h 557981"/>
+              <a:gd name="connsiteX3" fmla="*/ 948964 w 1897927"/>
+              <a:gd name="connsiteY3" fmla="*/ 557982 h 557981"/>
+              <a:gd name="connsiteX4" fmla="*/ 0 w 1897927"/>
+              <a:gd name="connsiteY4" fmla="*/ 278991 h 557981"/>
+            </a:gdLst>
+            <a:ahLst/>
+            <a:cxnLst>
+              <a:cxn ang="0">
+                <a:pos x="connsiteX0" y="connsiteY0"/>
+              </a:cxn>
+              <a:cxn ang="0">
+                <a:pos x="connsiteX1" y="connsiteY1"/>
+              </a:cxn>
+              <a:cxn ang="0">
+                <a:pos x="connsiteX2" y="connsiteY2"/>
+              </a:cxn>
+              <a:cxn ang="0">
+                <a:pos x="connsiteX3" y="connsiteY3"/>
+              </a:cxn>
+              <a:cxn ang="0">
+                <a:pos x="connsiteX4" y="connsiteY4"/>
+              </a:cxn>
+            </a:cxnLst>
+            <a:rect l="l" t="t" r="r" b="b"/>
+            <a:pathLst>
+              <a:path w="1897927" h="557981" extrusionOk="0">
+                <a:moveTo>
+                  <a:pt x="0" y="278991"/>
+                </a:moveTo>
+                <a:cubicBezTo>
+                  <a:pt x="-85917" y="71914"/>
+                  <a:pt x="381687" y="16206"/>
+                  <a:pt x="948964" y="0"/>
+                </a:cubicBezTo>
+                <a:cubicBezTo>
+                  <a:pt x="1476980" y="825"/>
+                  <a:pt x="1880303" y="125469"/>
+                  <a:pt x="1897928" y="278991"/>
+                </a:cubicBezTo>
+                <a:cubicBezTo>
+                  <a:pt x="1885292" y="445413"/>
+                  <a:pt x="1465392" y="600375"/>
+                  <a:pt x="948964" y="557982"/>
+                </a:cubicBezTo>
+                <a:cubicBezTo>
+                  <a:pt x="388372" y="538015"/>
+                  <a:pt x="6685" y="436267"/>
+                  <a:pt x="0" y="278991"/>
+                </a:cubicBezTo>
+                <a:close/>
+              </a:path>
+            </a:pathLst>
+          </a:custGeom>
+          <a:noFill/>
+          <a:ln>
+            <a:prstDash val="sysDot"/>
+            <a:extLst>
+              <a:ext uri="{C807C97D-BFC1-408E-A445-0C87EB9F89A2}">
+                <ask:lineSketchStyleProps xmlns:ask="http://schemas.microsoft.com/office/drawing/2018/sketchyshapes" sd="1219033472">
+                  <a:prstGeom prst="ellipse">
+                    <a:avLst/>
+                  </a:prstGeom>
+                  <ask:type>
+                    <ask:lineSketchScribble/>
+                  </ask:type>
+                </ask:lineSketchStyleProps>
+              </a:ext>
+            </a:extLst>
+          </a:ln>
+        </p:spPr>
+        <p:style>
+          <a:lnRef idx="2">
+            <a:schemeClr val="accent1">
+              <a:shade val="50000"/>
+            </a:schemeClr>
+          </a:lnRef>
+          <a:fillRef idx="1">
+            <a:schemeClr val="accent1"/>
+          </a:fillRef>
+          <a:effectRef idx="0">
+            <a:schemeClr val="accent1"/>
+          </a:effectRef>
+          <a:fontRef idx="minor">
+            <a:schemeClr val="lt1"/>
+          </a:fontRef>
+        </p:style>
+        <p:txBody>
+          <a:bodyPr rtlCol="0" anchor="ctr"/>
+          <a:lstStyle/>
+          <a:p>
+            <a:pPr algn="ctr"/>
+            <a:endParaRPr lang="es-ES"/>
+          </a:p>
+        </p:txBody>
+      </p:sp>
+      <p:grpSp>
+        <p:nvGrpSpPr>
+          <p:cNvPr id="13" name="Grupo 12">
+            <a:extLst>
+              <a:ext uri="{FF2B5EF4-FFF2-40B4-BE49-F238E27FC236}">
+                <a16:creationId xmlns:a16="http://schemas.microsoft.com/office/drawing/2014/main" id="{A6F97A6E-ED7D-4AC3-B5AD-3EA12F8D7953}"/>
+              </a:ext>
+            </a:extLst>
+          </p:cNvPr>
+          <p:cNvGrpSpPr/>
+          <p:nvPr/>
+        </p:nvGrpSpPr>
+        <p:grpSpPr>
+          <a:xfrm>
+            <a:off x="4419484" y="-56361"/>
+            <a:ext cx="2023356" cy="4086499"/>
+            <a:chOff x="4419484" y="-56361"/>
+            <a:chExt cx="2023356" cy="4086499"/>
+          </a:xfrm>
+        </p:grpSpPr>
+        <p:sp>
+          <p:nvSpPr>
+            <p:cNvPr id="7" name="Arco 6">
+              <a:extLst>
+                <a:ext uri="{FF2B5EF4-FFF2-40B4-BE49-F238E27FC236}">
+                  <a16:creationId xmlns:a16="http://schemas.microsoft.com/office/drawing/2014/main" id="{728780AF-F89B-4CF7-9C00-3E31BCB1F69D}"/>
+                </a:ext>
+              </a:extLst>
+            </p:cNvPr>
+            <p:cNvSpPr/>
+            <p:nvPr/>
+          </p:nvSpPr>
+          <p:spPr>
+            <a:xfrm rot="5400000">
+              <a:off x="3356556" y="1006568"/>
+              <a:ext cx="4086498" cy="1960641"/>
+            </a:xfrm>
+            <a:custGeom>
+              <a:avLst/>
+              <a:gdLst>
+                <a:gd name="connsiteX0" fmla="*/ 2197092 w 4086498"/>
+                <a:gd name="connsiteY0" fmla="*/ 2783 h 1960641"/>
+                <a:gd name="connsiteX1" fmla="*/ 4085294 w 4086498"/>
+                <a:gd name="connsiteY1" fmla="*/ 946672 h 1960641"/>
+                <a:gd name="connsiteX2" fmla="*/ 2043249 w 4086498"/>
+                <a:gd name="connsiteY2" fmla="*/ 980321 h 1960641"/>
+                <a:gd name="connsiteX3" fmla="*/ 2197092 w 4086498"/>
+                <a:gd name="connsiteY3" fmla="*/ 2783 h 1960641"/>
+                <a:gd name="connsiteX0" fmla="*/ 2197092 w 4086498"/>
+                <a:gd name="connsiteY0" fmla="*/ 2783 h 1960641"/>
+                <a:gd name="connsiteX1" fmla="*/ 4085294 w 4086498"/>
+                <a:gd name="connsiteY1" fmla="*/ 946672 h 1960641"/>
+              </a:gdLst>
+              <a:ahLst/>
+              <a:cxnLst>
+                <a:cxn ang="0">
+                  <a:pos x="connsiteX0" y="connsiteY0"/>
+                </a:cxn>
+                <a:cxn ang="0">
+                  <a:pos x="connsiteX1" y="connsiteY1"/>
+                </a:cxn>
+              </a:cxnLst>
+              <a:rect l="l" t="t" r="r" b="b"/>
+              <a:pathLst>
+                <a:path w="4086498" h="1960641" stroke="0" extrusionOk="0">
+                  <a:moveTo>
+                    <a:pt x="2197092" y="2783"/>
+                  </a:moveTo>
+                  <a:cubicBezTo>
+                    <a:pt x="3192220" y="13403"/>
+                    <a:pt x="4016514" y="459477"/>
+                    <a:pt x="4085294" y="946672"/>
+                  </a:cubicBezTo>
+                  <a:cubicBezTo>
+                    <a:pt x="3464600" y="824000"/>
+                    <a:pt x="2933442" y="1050615"/>
+                    <a:pt x="2043249" y="980321"/>
+                  </a:cubicBezTo>
+                  <a:cubicBezTo>
+                    <a:pt x="2098783" y="751508"/>
+                    <a:pt x="2096971" y="151902"/>
+                    <a:pt x="2197092" y="2783"/>
+                  </a:cubicBezTo>
+                  <a:close/>
+                </a:path>
+                <a:path w="4086498" h="1960641" fill="none" extrusionOk="0">
+                  <a:moveTo>
+                    <a:pt x="2197092" y="2783"/>
+                  </a:moveTo>
+                  <a:cubicBezTo>
+                    <a:pt x="3174445" y="6731"/>
+                    <a:pt x="4057701" y="450989"/>
+                    <a:pt x="4085294" y="946672"/>
+                  </a:cubicBezTo>
+                </a:path>
+              </a:pathLst>
+            </a:custGeom>
+            <a:ln w="28575">
+              <a:solidFill>
+                <a:schemeClr val="accent2">
+                  <a:lumMod val="75000"/>
+                </a:schemeClr>
+              </a:solidFill>
+              <a:extLst>
+                <a:ext uri="{C807C97D-BFC1-408E-A445-0C87EB9F89A2}">
+                  <ask:lineSketchStyleProps xmlns:ask="http://schemas.microsoft.com/office/drawing/2018/sketchyshapes" sd="1219033472">
+                    <a:prstGeom prst="arc">
+                      <a:avLst>
+                        <a:gd name="adj1" fmla="val 16736624"/>
+                        <a:gd name="adj2" fmla="val 21543357"/>
+                      </a:avLst>
+                    </a:prstGeom>
+                    <ask:type>
+                      <ask:lineSketchCurved/>
+                    </ask:type>
+                  </ask:lineSketchStyleProps>
+                </a:ext>
+              </a:extLst>
+            </a:ln>
+          </p:spPr>
+          <p:style>
+            <a:lnRef idx="1">
+              <a:schemeClr val="accent1"/>
+            </a:lnRef>
+            <a:fillRef idx="0">
+              <a:schemeClr val="accent1"/>
+            </a:fillRef>
+            <a:effectRef idx="0">
+              <a:schemeClr val="accent1"/>
+            </a:effectRef>
+            <a:fontRef idx="minor">
+              <a:schemeClr val="tx1"/>
+            </a:fontRef>
+          </p:style>
+          <p:txBody>
+            <a:bodyPr rtlCol="0" anchor="ctr"/>
+            <a:lstStyle/>
+            <a:p>
+              <a:pPr algn="ctr"/>
+              <a:endParaRPr lang="es-ES"/>
+            </a:p>
+          </p:txBody>
+        </p:sp>
+        <p:sp>
+          <p:nvSpPr>
+            <p:cNvPr id="8" name="Arco 7">
+              <a:extLst>
+                <a:ext uri="{FF2B5EF4-FFF2-40B4-BE49-F238E27FC236}">
+                  <a16:creationId xmlns:a16="http://schemas.microsoft.com/office/drawing/2014/main" id="{EE4D2042-E35E-492F-9480-30B84D6831AC}"/>
+                </a:ext>
+              </a:extLst>
+            </p:cNvPr>
+            <p:cNvSpPr/>
+            <p:nvPr/>
+          </p:nvSpPr>
+          <p:spPr>
+            <a:xfrm rot="16200000" flipH="1">
+              <a:off x="3419271" y="1006568"/>
+              <a:ext cx="4086497" cy="1960640"/>
+            </a:xfrm>
+            <a:custGeom>
+              <a:avLst/>
+              <a:gdLst>
+                <a:gd name="connsiteX0" fmla="*/ 2197091 w 4086497"/>
+                <a:gd name="connsiteY0" fmla="*/ 2783 h 1960640"/>
+                <a:gd name="connsiteX1" fmla="*/ 4085293 w 4086497"/>
+                <a:gd name="connsiteY1" fmla="*/ 946671 h 1960640"/>
+                <a:gd name="connsiteX2" fmla="*/ 2043249 w 4086497"/>
+                <a:gd name="connsiteY2" fmla="*/ 980320 h 1960640"/>
+                <a:gd name="connsiteX3" fmla="*/ 2197091 w 4086497"/>
+                <a:gd name="connsiteY3" fmla="*/ 2783 h 1960640"/>
+                <a:gd name="connsiteX0" fmla="*/ 2197091 w 4086497"/>
+                <a:gd name="connsiteY0" fmla="*/ 2783 h 1960640"/>
+                <a:gd name="connsiteX1" fmla="*/ 4085293 w 4086497"/>
+                <a:gd name="connsiteY1" fmla="*/ 946671 h 1960640"/>
+              </a:gdLst>
+              <a:ahLst/>
+              <a:cxnLst>
+                <a:cxn ang="0">
+                  <a:pos x="connsiteX0" y="connsiteY0"/>
+                </a:cxn>
+                <a:cxn ang="0">
+                  <a:pos x="connsiteX1" y="connsiteY1"/>
+                </a:cxn>
+              </a:cxnLst>
+              <a:rect l="l" t="t" r="r" b="b"/>
+              <a:pathLst>
+                <a:path w="4086497" h="1960640" stroke="0" extrusionOk="0">
+                  <a:moveTo>
+                    <a:pt x="2197091" y="2783"/>
+                  </a:moveTo>
+                  <a:cubicBezTo>
+                    <a:pt x="3192160" y="13367"/>
+                    <a:pt x="4016317" y="459550"/>
+                    <a:pt x="4085293" y="946671"/>
+                  </a:cubicBezTo>
+                  <a:cubicBezTo>
+                    <a:pt x="3463294" y="824020"/>
+                    <a:pt x="2931875" y="1050640"/>
+                    <a:pt x="2043249" y="980320"/>
+                  </a:cubicBezTo>
+                  <a:cubicBezTo>
+                    <a:pt x="2100910" y="749367"/>
+                    <a:pt x="2098711" y="148206"/>
+                    <a:pt x="2197091" y="2783"/>
+                  </a:cubicBezTo>
+                  <a:close/>
+                </a:path>
+                <a:path w="4086497" h="1960640" fill="none" extrusionOk="0">
+                  <a:moveTo>
+                    <a:pt x="2197091" y="2783"/>
+                  </a:moveTo>
+                  <a:cubicBezTo>
+                    <a:pt x="3174265" y="6633"/>
+                    <a:pt x="4057973" y="451118"/>
+                    <a:pt x="4085293" y="946671"/>
+                  </a:cubicBezTo>
+                </a:path>
+              </a:pathLst>
+            </a:custGeom>
+            <a:ln w="28575">
+              <a:solidFill>
+                <a:schemeClr val="accent2">
+                  <a:lumMod val="75000"/>
+                </a:schemeClr>
+              </a:solidFill>
+              <a:extLst>
+                <a:ext uri="{C807C97D-BFC1-408E-A445-0C87EB9F89A2}">
+                  <ask:lineSketchStyleProps xmlns:ask="http://schemas.microsoft.com/office/drawing/2018/sketchyshapes" sd="1219033472">
+                    <a:prstGeom prst="arc">
+                      <a:avLst>
+                        <a:gd name="adj1" fmla="val 16736624"/>
+                        <a:gd name="adj2" fmla="val 21543357"/>
+                      </a:avLst>
+                    </a:prstGeom>
+                    <ask:type>
+                      <ask:lineSketchCurved/>
+                    </ask:type>
+                  </ask:lineSketchStyleProps>
+                </a:ext>
+              </a:extLst>
+            </a:ln>
+          </p:spPr>
+          <p:style>
+            <a:lnRef idx="1">
+              <a:schemeClr val="accent1"/>
+            </a:lnRef>
+            <a:fillRef idx="0">
+              <a:schemeClr val="accent1"/>
+            </a:fillRef>
+            <a:effectRef idx="0">
+              <a:schemeClr val="accent1"/>
+            </a:effectRef>
+            <a:fontRef idx="minor">
+              <a:schemeClr val="tx1"/>
+            </a:fontRef>
+          </p:style>
+          <p:txBody>
+            <a:bodyPr rtlCol="0" anchor="ctr"/>
+            <a:lstStyle/>
+            <a:p>
+              <a:pPr algn="ctr"/>
+              <a:endParaRPr lang="es-ES" dirty="0"/>
+            </a:p>
+          </p:txBody>
+        </p:sp>
+      </p:grpSp>
+      <p:sp>
+        <p:nvSpPr>
+          <p:cNvPr id="17" name="Rombo 16">
+            <a:extLst>
+              <a:ext uri="{FF2B5EF4-FFF2-40B4-BE49-F238E27FC236}">
+                <a16:creationId xmlns:a16="http://schemas.microsoft.com/office/drawing/2014/main" id="{D1F79DD8-ABDC-4D3E-814B-C14643562905}"/>
+              </a:ext>
+            </a:extLst>
+          </p:cNvPr>
+          <p:cNvSpPr/>
+          <p:nvPr/>
+        </p:nvSpPr>
+        <p:spPr>
+          <a:xfrm>
+            <a:off x="3608258" y="3070865"/>
+            <a:ext cx="3583092" cy="1677242"/>
+          </a:xfrm>
+          <a:custGeom>
+            <a:avLst/>
+            <a:gdLst>
+              <a:gd name="connsiteX0" fmla="*/ 0 w 3583092"/>
+              <a:gd name="connsiteY0" fmla="*/ 838621 h 1677242"/>
+              <a:gd name="connsiteX1" fmla="*/ 429971 w 3583092"/>
+              <a:gd name="connsiteY1" fmla="*/ 637352 h 1677242"/>
+              <a:gd name="connsiteX2" fmla="*/ 824111 w 3583092"/>
+              <a:gd name="connsiteY2" fmla="*/ 452855 h 1677242"/>
+              <a:gd name="connsiteX3" fmla="*/ 1307829 w 3583092"/>
+              <a:gd name="connsiteY3" fmla="*/ 226428 h 1677242"/>
+              <a:gd name="connsiteX4" fmla="*/ 1791546 w 3583092"/>
+              <a:gd name="connsiteY4" fmla="*/ 0 h 1677242"/>
+              <a:gd name="connsiteX5" fmla="*/ 2221517 w 3583092"/>
+              <a:gd name="connsiteY5" fmla="*/ 201269 h 1677242"/>
+              <a:gd name="connsiteX6" fmla="*/ 2633573 w 3583092"/>
+              <a:gd name="connsiteY6" fmla="*/ 394152 h 1677242"/>
+              <a:gd name="connsiteX7" fmla="*/ 3081459 w 3583092"/>
+              <a:gd name="connsiteY7" fmla="*/ 603807 h 1677242"/>
+              <a:gd name="connsiteX8" fmla="*/ 3583092 w 3583092"/>
+              <a:gd name="connsiteY8" fmla="*/ 838621 h 1677242"/>
+              <a:gd name="connsiteX9" fmla="*/ 3171036 w 3583092"/>
+              <a:gd name="connsiteY9" fmla="*/ 1031504 h 1677242"/>
+              <a:gd name="connsiteX10" fmla="*/ 2723150 w 3583092"/>
+              <a:gd name="connsiteY10" fmla="*/ 1241159 h 1677242"/>
+              <a:gd name="connsiteX11" fmla="*/ 2275263 w 3583092"/>
+              <a:gd name="connsiteY11" fmla="*/ 1450814 h 1677242"/>
+              <a:gd name="connsiteX12" fmla="*/ 1791546 w 3583092"/>
+              <a:gd name="connsiteY12" fmla="*/ 1677242 h 1677242"/>
+              <a:gd name="connsiteX13" fmla="*/ 1307829 w 3583092"/>
+              <a:gd name="connsiteY13" fmla="*/ 1450814 h 1677242"/>
+              <a:gd name="connsiteX14" fmla="*/ 824111 w 3583092"/>
+              <a:gd name="connsiteY14" fmla="*/ 1224387 h 1677242"/>
+              <a:gd name="connsiteX15" fmla="*/ 0 w 3583092"/>
+              <a:gd name="connsiteY15" fmla="*/ 838621 h 1677242"/>
+            </a:gdLst>
+            <a:ahLst/>
+            <a:cxnLst>
+              <a:cxn ang="0">
+                <a:pos x="connsiteX0" y="connsiteY0"/>
+              </a:cxn>
+              <a:cxn ang="0">
+                <a:pos x="connsiteX1" y="connsiteY1"/>
+              </a:cxn>
+              <a:cxn ang="0">
+                <a:pos x="connsiteX2" y="connsiteY2"/>
+              </a:cxn>
+              <a:cxn ang="0">
+                <a:pos x="connsiteX3" y="connsiteY3"/>
+              </a:cxn>
+              <a:cxn ang="0">
+                <a:pos x="connsiteX4" y="connsiteY4"/>
+              </a:cxn>
+              <a:cxn ang="0">
+                <a:pos x="connsiteX5" y="connsiteY5"/>
+              </a:cxn>
+              <a:cxn ang="0">
+                <a:pos x="connsiteX6" y="connsiteY6"/>
+              </a:cxn>
+              <a:cxn ang="0">
+                <a:pos x="connsiteX7" y="connsiteY7"/>
+              </a:cxn>
+              <a:cxn ang="0">
+                <a:pos x="connsiteX8" y="connsiteY8"/>
+              </a:cxn>
+              <a:cxn ang="0">
+                <a:pos x="connsiteX9" y="connsiteY9"/>
+              </a:cxn>
+              <a:cxn ang="0">
+                <a:pos x="connsiteX10" y="connsiteY10"/>
+              </a:cxn>
+              <a:cxn ang="0">
+                <a:pos x="connsiteX11" y="connsiteY11"/>
+              </a:cxn>
+              <a:cxn ang="0">
+                <a:pos x="connsiteX12" y="connsiteY12"/>
+              </a:cxn>
+              <a:cxn ang="0">
+                <a:pos x="connsiteX13" y="connsiteY13"/>
+              </a:cxn>
+              <a:cxn ang="0">
+                <a:pos x="connsiteX14" y="connsiteY14"/>
+              </a:cxn>
+              <a:cxn ang="0">
+                <a:pos x="connsiteX15" y="connsiteY15"/>
+              </a:cxn>
+            </a:cxnLst>
+            <a:rect l="l" t="t" r="r" b="b"/>
+            <a:pathLst>
+              <a:path w="3583092" h="1677242" extrusionOk="0">
+                <a:moveTo>
+                  <a:pt x="0" y="838621"/>
+                </a:moveTo>
+                <a:cubicBezTo>
+                  <a:pt x="180192" y="749586"/>
+                  <a:pt x="323540" y="701900"/>
+                  <a:pt x="429971" y="637352"/>
+                </a:cubicBezTo>
+                <a:cubicBezTo>
+                  <a:pt x="536401" y="572804"/>
+                  <a:pt x="643140" y="546304"/>
+                  <a:pt x="824111" y="452855"/>
+                </a:cubicBezTo>
+                <a:cubicBezTo>
+                  <a:pt x="1005083" y="359407"/>
+                  <a:pt x="1119900" y="320681"/>
+                  <a:pt x="1307829" y="226428"/>
+                </a:cubicBezTo>
+                <a:cubicBezTo>
+                  <a:pt x="1495758" y="132174"/>
+                  <a:pt x="1608343" y="141789"/>
+                  <a:pt x="1791546" y="0"/>
+                </a:cubicBezTo>
+                <a:cubicBezTo>
+                  <a:pt x="1924547" y="53362"/>
+                  <a:pt x="2066329" y="186827"/>
+                  <a:pt x="2221517" y="201269"/>
+                </a:cubicBezTo>
+                <a:cubicBezTo>
+                  <a:pt x="2376705" y="215711"/>
+                  <a:pt x="2435954" y="312649"/>
+                  <a:pt x="2633573" y="394152"/>
+                </a:cubicBezTo>
+                <a:cubicBezTo>
+                  <a:pt x="2831192" y="475655"/>
+                  <a:pt x="2975072" y="579360"/>
+                  <a:pt x="3081459" y="603807"/>
+                </a:cubicBezTo>
+                <a:cubicBezTo>
+                  <a:pt x="3187846" y="628254"/>
+                  <a:pt x="3327948" y="733409"/>
+                  <a:pt x="3583092" y="838621"/>
+                </a:cubicBezTo>
+                <a:cubicBezTo>
+                  <a:pt x="3409593" y="973269"/>
+                  <a:pt x="3314076" y="940232"/>
+                  <a:pt x="3171036" y="1031504"/>
+                </a:cubicBezTo>
+                <a:cubicBezTo>
+                  <a:pt x="3027996" y="1122776"/>
+                  <a:pt x="2811548" y="1171397"/>
+                  <a:pt x="2723150" y="1241159"/>
+                </a:cubicBezTo>
+                <a:cubicBezTo>
+                  <a:pt x="2634752" y="1310921"/>
+                  <a:pt x="2426019" y="1339527"/>
+                  <a:pt x="2275263" y="1450814"/>
+                </a:cubicBezTo>
+                <a:cubicBezTo>
+                  <a:pt x="2124507" y="1562101"/>
+                  <a:pt x="1992722" y="1540029"/>
+                  <a:pt x="1791546" y="1677242"/>
+                </a:cubicBezTo>
+                <a:cubicBezTo>
+                  <a:pt x="1608116" y="1641917"/>
+                  <a:pt x="1472753" y="1517645"/>
+                  <a:pt x="1307829" y="1450814"/>
+                </a:cubicBezTo>
+                <a:cubicBezTo>
+                  <a:pt x="1142905" y="1383983"/>
+                  <a:pt x="941964" y="1231114"/>
+                  <a:pt x="824111" y="1224387"/>
+                </a:cubicBezTo>
+                <a:cubicBezTo>
+                  <a:pt x="706258" y="1217660"/>
+                  <a:pt x="262727" y="943846"/>
+                  <a:pt x="0" y="838621"/>
+                </a:cubicBezTo>
+                <a:close/>
+              </a:path>
+            </a:pathLst>
+          </a:custGeom>
+          <a:noFill/>
+          <a:ln>
+            <a:solidFill>
+              <a:schemeClr val="tx2">
+                <a:lumMod val="20000"/>
+                <a:lumOff val="80000"/>
+              </a:schemeClr>
+            </a:solidFill>
+            <a:prstDash val="sysDot"/>
+            <a:extLst>
+              <a:ext uri="{C807C97D-BFC1-408E-A445-0C87EB9F89A2}">
+                <ask:lineSketchStyleProps xmlns:ask="http://schemas.microsoft.com/office/drawing/2018/sketchyshapes" sd="1219033472">
+                  <a:prstGeom prst="diamond">
+                    <a:avLst/>
+                  </a:prstGeom>
+                  <ask:type>
+                    <ask:lineSketchScribble/>
+                  </ask:type>
+                </ask:lineSketchStyleProps>
+              </a:ext>
+            </a:extLst>
+          </a:ln>
+        </p:spPr>
+        <p:style>
+          <a:lnRef idx="2">
+            <a:schemeClr val="accent1">
+              <a:shade val="50000"/>
+            </a:schemeClr>
+          </a:lnRef>
+          <a:fillRef idx="1">
+            <a:schemeClr val="accent1"/>
+          </a:fillRef>
+          <a:effectRef idx="0">
+            <a:schemeClr val="accent1"/>
+          </a:effectRef>
+          <a:fontRef idx="minor">
+            <a:schemeClr val="lt1"/>
+          </a:fontRef>
+        </p:style>
+        <p:txBody>
+          <a:bodyPr rtlCol="0" anchor="ctr"/>
+          <a:lstStyle/>
+          <a:p>
+            <a:pPr algn="ctr"/>
+            <a:endParaRPr lang="es-ES"/>
+          </a:p>
+        </p:txBody>
+      </p:sp>
+      <p:sp>
+        <p:nvSpPr>
+          <p:cNvPr id="18" name="Elipse 17">
+            <a:extLst>
+              <a:ext uri="{FF2B5EF4-FFF2-40B4-BE49-F238E27FC236}">
+                <a16:creationId xmlns:a16="http://schemas.microsoft.com/office/drawing/2014/main" id="{005D27F3-2808-4836-B4B6-515F3BC93E49}"/>
+              </a:ext>
+            </a:extLst>
+          </p:cNvPr>
+          <p:cNvSpPr/>
+          <p:nvPr/>
+        </p:nvSpPr>
+        <p:spPr>
+          <a:xfrm>
+            <a:off x="4450841" y="3514767"/>
+            <a:ext cx="1897927" cy="665979"/>
+          </a:xfrm>
+          <a:custGeom>
+            <a:avLst/>
+            <a:gdLst>
+              <a:gd name="connsiteX0" fmla="*/ 0 w 1897927"/>
+              <a:gd name="connsiteY0" fmla="*/ 332990 h 665979"/>
+              <a:gd name="connsiteX1" fmla="*/ 948964 w 1897927"/>
+              <a:gd name="connsiteY1" fmla="*/ 0 h 665979"/>
+              <a:gd name="connsiteX2" fmla="*/ 1897928 w 1897927"/>
+              <a:gd name="connsiteY2" fmla="*/ 332990 h 665979"/>
+              <a:gd name="connsiteX3" fmla="*/ 948964 w 1897927"/>
+              <a:gd name="connsiteY3" fmla="*/ 665980 h 665979"/>
+              <a:gd name="connsiteX4" fmla="*/ 0 w 1897927"/>
+              <a:gd name="connsiteY4" fmla="*/ 332990 h 665979"/>
+            </a:gdLst>
+            <a:ahLst/>
+            <a:cxnLst>
+              <a:cxn ang="0">
+                <a:pos x="connsiteX0" y="connsiteY0"/>
+              </a:cxn>
+              <a:cxn ang="0">
+                <a:pos x="connsiteX1" y="connsiteY1"/>
+              </a:cxn>
+              <a:cxn ang="0">
+                <a:pos x="connsiteX2" y="connsiteY2"/>
+              </a:cxn>
+              <a:cxn ang="0">
+                <a:pos x="connsiteX3" y="connsiteY3"/>
+              </a:cxn>
+              <a:cxn ang="0">
+                <a:pos x="connsiteX4" y="connsiteY4"/>
+              </a:cxn>
+            </a:cxnLst>
+            <a:rect l="l" t="t" r="r" b="b"/>
+            <a:pathLst>
+              <a:path w="1897927" h="665979" extrusionOk="0">
+                <a:moveTo>
+                  <a:pt x="0" y="332990"/>
+                </a:moveTo>
+                <a:cubicBezTo>
+                  <a:pt x="-76096" y="102147"/>
+                  <a:pt x="399776" y="9417"/>
+                  <a:pt x="948964" y="0"/>
+                </a:cubicBezTo>
+                <a:cubicBezTo>
+                  <a:pt x="1490705" y="3714"/>
+                  <a:pt x="1877466" y="149736"/>
+                  <a:pt x="1897928" y="332990"/>
+                </a:cubicBezTo>
+                <a:cubicBezTo>
+                  <a:pt x="1811860" y="600945"/>
+                  <a:pt x="1456530" y="757357"/>
+                  <a:pt x="948964" y="665980"/>
+                </a:cubicBezTo>
+                <a:cubicBezTo>
+                  <a:pt x="406293" y="655818"/>
+                  <a:pt x="5664" y="519602"/>
+                  <a:pt x="0" y="332990"/>
+                </a:cubicBezTo>
+                <a:close/>
+              </a:path>
+            </a:pathLst>
+          </a:custGeom>
+          <a:noFill/>
+          <a:ln>
+            <a:solidFill>
+              <a:schemeClr val="bg2">
+                <a:lumMod val="90000"/>
+              </a:schemeClr>
+            </a:solidFill>
+            <a:prstDash val="sysDot"/>
+            <a:extLst>
+              <a:ext uri="{C807C97D-BFC1-408E-A445-0C87EB9F89A2}">
+                <ask:lineSketchStyleProps xmlns:ask="http://schemas.microsoft.com/office/drawing/2018/sketchyshapes" sd="1219033472">
+                  <a:prstGeom prst="ellipse">
+                    <a:avLst/>
+                  </a:prstGeom>
+                  <ask:type>
+                    <ask:lineSketchScribble/>
+                  </ask:type>
+                </ask:lineSketchStyleProps>
+              </a:ext>
+            </a:extLst>
+          </a:ln>
+        </p:spPr>
+        <p:style>
+          <a:lnRef idx="2">
+            <a:schemeClr val="accent1">
+              <a:shade val="50000"/>
+            </a:schemeClr>
+          </a:lnRef>
+          <a:fillRef idx="1">
+            <a:schemeClr val="accent1"/>
+          </a:fillRef>
+          <a:effectRef idx="0">
+            <a:schemeClr val="accent1"/>
+          </a:effectRef>
+          <a:fontRef idx="minor">
+            <a:schemeClr val="lt1"/>
+          </a:fontRef>
+        </p:style>
+        <p:txBody>
+          <a:bodyPr rtlCol="0" anchor="ctr"/>
+          <a:lstStyle/>
+          <a:p>
+            <a:pPr algn="ctr"/>
+            <a:endParaRPr lang="es-ES"/>
+          </a:p>
+        </p:txBody>
+      </p:sp>
+      <mc:AlternateContent xmlns:mc="http://schemas.openxmlformats.org/markup-compatibility/2006">
+        <mc:Choice xmlns:a14="http://schemas.microsoft.com/office/drawing/2010/main" Requires="a14">
+          <p:sp>
+            <p:nvSpPr>
+              <p:cNvPr id="21" name="CuadroTexto 20">
+                <a:extLst>
+                  <a:ext uri="{FF2B5EF4-FFF2-40B4-BE49-F238E27FC236}">
+                    <a16:creationId xmlns:a16="http://schemas.microsoft.com/office/drawing/2014/main" id="{8D300126-9127-4A65-9728-64262B753385}"/>
+                  </a:ext>
+                </a:extLst>
+              </p:cNvPr>
+              <p:cNvSpPr txBox="1"/>
+              <p:nvPr/>
+            </p:nvSpPr>
+            <p:spPr>
+              <a:xfrm flipH="1">
+                <a:off x="5959708" y="2352895"/>
+                <a:ext cx="1853248" cy="316946"/>
+              </a:xfrm>
+              <a:prstGeom prst="rect">
+                <a:avLst/>
+              </a:prstGeom>
+              <a:noFill/>
+            </p:spPr>
+            <p:txBody>
+              <a:bodyPr wrap="square" rtlCol="0">
+                <a:spAutoFit/>
+              </a:bodyPr>
+              <a:lstStyle/>
+              <a:p>
+                <a14:m>
+                  <m:oMathPara xmlns:m="http://schemas.openxmlformats.org/officeDocument/2006/math">
+                    <m:oMathParaPr>
+                      <m:jc m:val="centerGroup"/>
+                    </m:oMathParaPr>
+                    <m:oMath xmlns:m="http://schemas.openxmlformats.org/officeDocument/2006/math">
+                      <m:sSup>
+                        <m:sSupPr>
+                          <m:ctrlPr>
+                            <a:rPr lang="es-ES" sz="1200" b="1" i="1" smtClean="0">
+                              <a:solidFill>
+                                <a:srgbClr val="C00000"/>
+                              </a:solidFill>
+                              <a:latin typeface="Cambria Math" panose="02040503050406030204" pitchFamily="18" charset="0"/>
+                            </a:rPr>
+                          </m:ctrlPr>
+                        </m:sSupPr>
+                        <m:e>
+                          <m:r>
+                            <a:rPr lang="es-ES" sz="1200" b="1" i="1" smtClean="0">
+                              <a:solidFill>
+                                <a:srgbClr val="C00000"/>
+                              </a:solidFill>
+                              <a:latin typeface="Cambria Math" panose="02040503050406030204" pitchFamily="18" charset="0"/>
+                            </a:rPr>
+                            <m:t>𝒆</m:t>
+                          </m:r>
+                        </m:e>
+                        <m:sup>
+                          <m:r>
+                            <a:rPr lang="es-ES" sz="1200" b="1" i="1" smtClean="0">
+                              <a:solidFill>
+                                <a:srgbClr val="C00000"/>
+                              </a:solidFill>
+                              <a:latin typeface="Cambria Math" panose="02040503050406030204" pitchFamily="18" charset="0"/>
+                            </a:rPr>
+                            <m:t>𝒓</m:t>
+                          </m:r>
+                        </m:sup>
+                      </m:sSup>
+                      <m:r>
+                        <a:rPr lang="es-ES" sz="1200" b="1" i="1" smtClean="0">
+                          <a:solidFill>
+                            <a:srgbClr val="C00000"/>
+                          </a:solidFill>
+                          <a:latin typeface="Cambria Math" panose="02040503050406030204" pitchFamily="18" charset="0"/>
+                        </a:rPr>
+                        <m:t>, </m:t>
+                      </m:r>
+                      <m:r>
+                        <a:rPr lang="es-ES" sz="1200" b="1" i="1" smtClean="0">
+                          <a:solidFill>
+                            <a:srgbClr val="C00000"/>
+                          </a:solidFill>
+                          <a:latin typeface="Cambria Math" panose="02040503050406030204" pitchFamily="18" charset="0"/>
+                        </a:rPr>
+                        <m:t>𝒓</m:t>
+                      </m:r>
+                      <m:r>
+                        <a:rPr lang="es-ES" sz="1200" b="1" i="1" smtClean="0">
+                          <a:solidFill>
+                            <a:srgbClr val="C00000"/>
+                          </a:solidFill>
+                          <a:latin typeface="Cambria Math" panose="02040503050406030204" pitchFamily="18" charset="0"/>
+                        </a:rPr>
+                        <m:t>=</m:t>
+                      </m:r>
+                      <m:rad>
+                        <m:radPr>
+                          <m:degHide m:val="on"/>
+                          <m:ctrlPr>
+                            <a:rPr lang="es-ES" sz="1200" b="1" i="1" smtClean="0">
+                              <a:solidFill>
+                                <a:srgbClr val="C00000"/>
+                              </a:solidFill>
+                              <a:latin typeface="Cambria Math" panose="02040503050406030204" pitchFamily="18" charset="0"/>
+                            </a:rPr>
+                          </m:ctrlPr>
+                        </m:radPr>
+                        <m:deg/>
+                        <m:e>
+                          <m:sSup>
+                            <m:sSupPr>
+                              <m:ctrlPr>
+                                <a:rPr lang="es-ES" sz="1200" b="1" i="1" smtClean="0">
+                                  <a:solidFill>
+                                    <a:srgbClr val="C00000"/>
+                                  </a:solidFill>
+                                  <a:latin typeface="Cambria Math" panose="02040503050406030204" pitchFamily="18" charset="0"/>
+                                </a:rPr>
+                              </m:ctrlPr>
+                            </m:sSupPr>
+                            <m:e>
+                              <m:sSup>
+                                <m:sSupPr>
+                                  <m:ctrlPr>
+                                    <a:rPr lang="es-ES" sz="1200" b="1" i="1" smtClean="0">
+                                      <a:solidFill>
+                                        <a:srgbClr val="C00000"/>
+                                      </a:solidFill>
+                                      <a:latin typeface="Cambria Math" panose="02040503050406030204" pitchFamily="18" charset="0"/>
+                                    </a:rPr>
+                                  </m:ctrlPr>
+                                </m:sSupPr>
+                                <m:e>
+                                  <m:r>
+                                    <a:rPr lang="es-ES" sz="1200" b="1" i="1" smtClean="0">
+                                      <a:solidFill>
+                                        <a:srgbClr val="C00000"/>
+                                      </a:solidFill>
+                                      <a:latin typeface="Cambria Math" panose="02040503050406030204" pitchFamily="18" charset="0"/>
+                                    </a:rPr>
+                                    <m:t>𝒙</m:t>
+                                  </m:r>
+                                </m:e>
+                                <m:sup>
+                                  <m:r>
+                                    <a:rPr lang="es-ES" sz="1200" b="1" i="1" smtClean="0">
+                                      <a:solidFill>
+                                        <a:srgbClr val="C00000"/>
+                                      </a:solidFill>
+                                      <a:latin typeface="Cambria Math" panose="02040503050406030204" pitchFamily="18" charset="0"/>
+                                    </a:rPr>
+                                    <m:t>𝟐</m:t>
+                                  </m:r>
+                                  <m:r>
+                                    <a:rPr lang="es-ES" sz="1200" b="1" i="1" smtClean="0">
+                                      <a:solidFill>
+                                        <a:srgbClr val="C00000"/>
+                                      </a:solidFill>
+                                      <a:latin typeface="Cambria Math" panose="02040503050406030204" pitchFamily="18" charset="0"/>
+                                    </a:rPr>
+                                    <m:t>+</m:t>
+                                  </m:r>
+                                </m:sup>
+                              </m:sSup>
+                              <m:r>
+                                <a:rPr lang="es-ES" sz="1200" b="1" i="1" smtClean="0">
+                                  <a:solidFill>
+                                    <a:srgbClr val="C00000"/>
+                                  </a:solidFill>
+                                  <a:latin typeface="Cambria Math" panose="02040503050406030204" pitchFamily="18" charset="0"/>
+                                </a:rPr>
+                                <m:t>𝒚</m:t>
+                              </m:r>
+                            </m:e>
+                            <m:sup>
+                              <m:r>
+                                <a:rPr lang="es-ES" sz="1200" b="1" i="1" smtClean="0">
+                                  <a:solidFill>
+                                    <a:srgbClr val="C00000"/>
+                                  </a:solidFill>
+                                  <a:latin typeface="Cambria Math" panose="02040503050406030204" pitchFamily="18" charset="0"/>
+                                </a:rPr>
+                                <m:t>𝟐</m:t>
+                              </m:r>
+                            </m:sup>
+                          </m:sSup>
+                        </m:e>
+                      </m:rad>
+                    </m:oMath>
+                  </m:oMathPara>
+                </a14:m>
+                <a:endParaRPr lang="es-ES" sz="1200" b="1" dirty="0">
+                  <a:solidFill>
+                    <a:srgbClr val="C00000"/>
+                  </a:solidFill>
+                </a:endParaRPr>
+              </a:p>
+            </p:txBody>
+          </p:sp>
+        </mc:Choice>
+        <mc:Fallback>
+          <p:sp>
+            <p:nvSpPr>
+              <p:cNvPr id="21" name="CuadroTexto 20">
+                <a:extLst>
+                  <a:ext uri="{FF2B5EF4-FFF2-40B4-BE49-F238E27FC236}">
+                    <a16:creationId xmlns:a16="http://schemas.microsoft.com/office/drawing/2014/main" id="{8D300126-9127-4A65-9728-64262B753385}"/>
+                  </a:ext>
+                </a:extLst>
+              </p:cNvPr>
+              <p:cNvSpPr txBox="1">
+                <a:spLocks noRot="1" noChangeAspect="1" noMove="1" noResize="1" noEditPoints="1" noAdjustHandles="1" noChangeArrowheads="1" noChangeShapeType="1" noTextEdit="1"/>
+              </p:cNvSpPr>
+              <p:nvPr/>
+            </p:nvSpPr>
+            <p:spPr>
+              <a:xfrm flipH="1">
+                <a:off x="5959708" y="2352895"/>
+                <a:ext cx="1853248" cy="316946"/>
+              </a:xfrm>
+              <a:prstGeom prst="rect">
+                <a:avLst/>
+              </a:prstGeom>
+              <a:blipFill>
+                <a:blip r:embed="rId2"/>
+                <a:stretch>
+                  <a:fillRect/>
+                </a:stretch>
+              </a:blipFill>
+            </p:spPr>
+            <p:txBody>
+              <a:bodyPr/>
+              <a:lstStyle/>
+              <a:p>
+                <a:r>
+                  <a:rPr lang="es-ES">
+                    <a:noFill/>
+                  </a:rPr>
+                  <a:t> </a:t>
+                </a:r>
+              </a:p>
+            </p:txBody>
+          </p:sp>
+        </mc:Fallback>
+      </mc:AlternateContent>
+      <mc:AlternateContent xmlns:mc="http://schemas.openxmlformats.org/markup-compatibility/2006">
+        <mc:Choice xmlns:a14="http://schemas.microsoft.com/office/drawing/2010/main" Requires="a14">
+          <p:sp>
+            <p:nvSpPr>
+              <p:cNvPr id="22" name="CuadroTexto 21">
+                <a:extLst>
+                  <a:ext uri="{FF2B5EF4-FFF2-40B4-BE49-F238E27FC236}">
+                    <a16:creationId xmlns:a16="http://schemas.microsoft.com/office/drawing/2014/main" id="{1CEFC89C-66CF-4FDD-8266-0104EB3BB069}"/>
+                  </a:ext>
+                </a:extLst>
+              </p:cNvPr>
+              <p:cNvSpPr txBox="1"/>
+              <p:nvPr/>
+            </p:nvSpPr>
+            <p:spPr>
+              <a:xfrm flipH="1">
+                <a:off x="4417515" y="4159363"/>
+                <a:ext cx="1853248" cy="281167"/>
+              </a:xfrm>
+              <a:prstGeom prst="rect">
+                <a:avLst/>
+              </a:prstGeom>
+              <a:noFill/>
+            </p:spPr>
+            <p:txBody>
+              <a:bodyPr wrap="square" rtlCol="0">
+                <a:spAutoFit/>
+              </a:bodyPr>
+              <a:lstStyle/>
+              <a:p>
+                <a14:m>
+                  <m:oMathPara xmlns:m="http://schemas.openxmlformats.org/officeDocument/2006/math">
+                    <m:oMathParaPr>
+                      <m:jc m:val="centerGroup"/>
+                    </m:oMathParaPr>
+                    <m:oMath xmlns:m="http://schemas.openxmlformats.org/officeDocument/2006/math">
+                      <m:sSup>
+                        <m:sSupPr>
+                          <m:ctrlPr>
+                            <a:rPr lang="es-ES" sz="1200" b="1" i="1" smtClean="0">
+                              <a:solidFill>
+                                <a:schemeClr val="tx1">
+                                  <a:lumMod val="65000"/>
+                                  <a:lumOff val="35000"/>
+                                </a:schemeClr>
+                              </a:solidFill>
+                              <a:latin typeface="Cambria Math" panose="02040503050406030204" pitchFamily="18" charset="0"/>
+                            </a:rPr>
+                          </m:ctrlPr>
+                        </m:sSupPr>
+                        <m:e>
+                          <m:r>
+                            <a:rPr lang="es-ES" sz="1200" b="1" i="1" smtClean="0">
+                              <a:solidFill>
+                                <a:schemeClr val="tx1">
+                                  <a:lumMod val="65000"/>
+                                  <a:lumOff val="35000"/>
+                                </a:schemeClr>
+                              </a:solidFill>
+                              <a:latin typeface="Cambria Math" panose="02040503050406030204" pitchFamily="18" charset="0"/>
+                            </a:rPr>
+                            <m:t>𝒚</m:t>
+                          </m:r>
+                        </m:e>
+                        <m:sup>
+                          <m:r>
+                            <a:rPr lang="es-ES" sz="1200" b="1" i="1" smtClean="0">
+                              <a:solidFill>
+                                <a:schemeClr val="tx1">
+                                  <a:lumMod val="65000"/>
+                                  <a:lumOff val="35000"/>
+                                </a:schemeClr>
+                              </a:solidFill>
+                              <a:latin typeface="Cambria Math" panose="02040503050406030204" pitchFamily="18" charset="0"/>
+                            </a:rPr>
+                            <m:t>𝟐</m:t>
+                          </m:r>
+                        </m:sup>
+                      </m:sSup>
+                      <m:r>
+                        <a:rPr lang="es-ES" sz="1200" b="1" i="1" smtClean="0">
+                          <a:solidFill>
+                            <a:schemeClr val="tx1">
+                              <a:lumMod val="65000"/>
+                              <a:lumOff val="35000"/>
+                            </a:schemeClr>
+                          </a:solidFill>
+                          <a:latin typeface="Cambria Math" panose="02040503050406030204" pitchFamily="18" charset="0"/>
+                        </a:rPr>
+                        <m:t>+</m:t>
+                      </m:r>
+                      <m:sSup>
+                        <m:sSupPr>
+                          <m:ctrlPr>
+                            <a:rPr lang="es-ES" sz="1200" b="1" i="1" smtClean="0">
+                              <a:solidFill>
+                                <a:schemeClr val="tx1">
+                                  <a:lumMod val="65000"/>
+                                  <a:lumOff val="35000"/>
+                                </a:schemeClr>
+                              </a:solidFill>
+                              <a:latin typeface="Cambria Math" panose="02040503050406030204" pitchFamily="18" charset="0"/>
+                            </a:rPr>
+                          </m:ctrlPr>
+                        </m:sSupPr>
+                        <m:e>
+                          <m:r>
+                            <a:rPr lang="es-ES" sz="1200" b="1" i="1" smtClean="0">
+                              <a:solidFill>
+                                <a:schemeClr val="tx1">
+                                  <a:lumMod val="65000"/>
+                                  <a:lumOff val="35000"/>
+                                </a:schemeClr>
+                              </a:solidFill>
+                              <a:latin typeface="Cambria Math" panose="02040503050406030204" pitchFamily="18" charset="0"/>
+                            </a:rPr>
+                            <m:t>𝒙</m:t>
+                          </m:r>
+                        </m:e>
+                        <m:sup>
+                          <m:r>
+                            <a:rPr lang="es-ES" sz="1200" b="1" i="1" smtClean="0">
+                              <a:solidFill>
+                                <a:schemeClr val="tx1">
+                                  <a:lumMod val="65000"/>
+                                  <a:lumOff val="35000"/>
+                                </a:schemeClr>
+                              </a:solidFill>
+                              <a:latin typeface="Cambria Math" panose="02040503050406030204" pitchFamily="18" charset="0"/>
+                            </a:rPr>
+                            <m:t>𝟐</m:t>
+                          </m:r>
+                        </m:sup>
+                      </m:sSup>
+                      <m:r>
+                        <a:rPr lang="es-ES" sz="1200" b="1" i="1" smtClean="0">
+                          <a:solidFill>
+                            <a:schemeClr val="tx1">
+                              <a:lumMod val="65000"/>
+                              <a:lumOff val="35000"/>
+                            </a:schemeClr>
+                          </a:solidFill>
+                          <a:latin typeface="Cambria Math" panose="02040503050406030204" pitchFamily="18" charset="0"/>
+                        </a:rPr>
+                        <m:t>=</m:t>
+                      </m:r>
+                      <m:r>
+                        <a:rPr lang="es-ES" sz="1200" b="1" i="1" smtClean="0">
+                          <a:solidFill>
+                            <a:schemeClr val="tx1">
+                              <a:lumMod val="65000"/>
+                              <a:lumOff val="35000"/>
+                            </a:schemeClr>
+                          </a:solidFill>
+                          <a:latin typeface="Cambria Math" panose="02040503050406030204" pitchFamily="18" charset="0"/>
+                        </a:rPr>
+                        <m:t>𝟏</m:t>
+                      </m:r>
+                    </m:oMath>
+                  </m:oMathPara>
+                </a14:m>
+                <a:endParaRPr lang="es-ES" sz="1200" b="1" dirty="0">
+                  <a:solidFill>
+                    <a:schemeClr val="tx1">
+                      <a:lumMod val="65000"/>
+                      <a:lumOff val="35000"/>
+                    </a:schemeClr>
+                  </a:solidFill>
+                </a:endParaRPr>
+              </a:p>
+            </p:txBody>
+          </p:sp>
+        </mc:Choice>
+        <mc:Fallback>
+          <p:sp>
+            <p:nvSpPr>
+              <p:cNvPr id="22" name="CuadroTexto 21">
+                <a:extLst>
+                  <a:ext uri="{FF2B5EF4-FFF2-40B4-BE49-F238E27FC236}">
+                    <a16:creationId xmlns:a16="http://schemas.microsoft.com/office/drawing/2014/main" id="{1CEFC89C-66CF-4FDD-8266-0104EB3BB069}"/>
+                  </a:ext>
+                </a:extLst>
+              </p:cNvPr>
+              <p:cNvSpPr txBox="1">
+                <a:spLocks noRot="1" noChangeAspect="1" noMove="1" noResize="1" noEditPoints="1" noAdjustHandles="1" noChangeArrowheads="1" noChangeShapeType="1" noTextEdit="1"/>
+              </p:cNvSpPr>
+              <p:nvPr/>
+            </p:nvSpPr>
+            <p:spPr>
+              <a:xfrm flipH="1">
+                <a:off x="4417515" y="4159363"/>
+                <a:ext cx="1853248" cy="281167"/>
+              </a:xfrm>
+              <a:prstGeom prst="rect">
+                <a:avLst/>
+              </a:prstGeom>
+              <a:blipFill>
+                <a:blip r:embed="rId3"/>
+                <a:stretch>
+                  <a:fillRect/>
+                </a:stretch>
+              </a:blipFill>
+            </p:spPr>
+            <p:txBody>
+              <a:bodyPr/>
+              <a:lstStyle/>
+              <a:p>
+                <a:r>
+                  <a:rPr lang="es-ES">
+                    <a:noFill/>
+                  </a:rPr>
+                  <a:t> </a:t>
+                </a:r>
+              </a:p>
+            </p:txBody>
+          </p:sp>
+        </mc:Fallback>
+      </mc:AlternateContent>
+      <p:sp>
+        <p:nvSpPr>
+          <p:cNvPr id="23" name="CuadroTexto 22">
+            <a:extLst>
+              <a:ext uri="{FF2B5EF4-FFF2-40B4-BE49-F238E27FC236}">
+                <a16:creationId xmlns:a16="http://schemas.microsoft.com/office/drawing/2014/main" id="{B418D041-04AD-46CD-83E4-ACF4E6FAF7CF}"/>
+              </a:ext>
+            </a:extLst>
+          </p:cNvPr>
+          <p:cNvSpPr txBox="1"/>
+          <p:nvPr/>
+        </p:nvSpPr>
+        <p:spPr>
+          <a:xfrm>
+            <a:off x="3010811" y="1975809"/>
+            <a:ext cx="744114" cy="369332"/>
+          </a:xfrm>
+          <a:prstGeom prst="rect">
+            <a:avLst/>
+          </a:prstGeom>
+          <a:noFill/>
+        </p:spPr>
+        <p:txBody>
+          <a:bodyPr wrap="none" rtlCol="0">
+            <a:spAutoFit/>
+          </a:bodyPr>
+          <a:lstStyle/>
+          <a:p>
+            <a:r>
+              <a:rPr lang="es-ES" dirty="0">
+                <a:solidFill>
+                  <a:schemeClr val="bg1">
+                    <a:lumMod val="75000"/>
+                  </a:schemeClr>
+                </a:solidFill>
+              </a:rPr>
+              <a:t>(</a:t>
+            </a:r>
+            <a:r>
+              <a:rPr lang="es-ES" sz="1400" dirty="0">
+                <a:solidFill>
+                  <a:schemeClr val="bg1">
+                    <a:lumMod val="75000"/>
+                  </a:schemeClr>
+                </a:solidFill>
+              </a:rPr>
+              <a:t>-1,0,e</a:t>
+            </a:r>
+            <a:r>
+              <a:rPr lang="es-ES" dirty="0">
+                <a:solidFill>
+                  <a:schemeClr val="bg1">
+                    <a:lumMod val="75000"/>
+                  </a:schemeClr>
+                </a:solidFill>
+              </a:rPr>
+              <a:t>)</a:t>
+            </a:r>
+          </a:p>
+        </p:txBody>
+      </p:sp>
+      <p:sp>
+        <p:nvSpPr>
+          <p:cNvPr id="24" name="Rombo 23">
+            <a:extLst>
+              <a:ext uri="{FF2B5EF4-FFF2-40B4-BE49-F238E27FC236}">
+                <a16:creationId xmlns:a16="http://schemas.microsoft.com/office/drawing/2014/main" id="{F4152B1C-B37C-4F3A-B883-88542CE36EA1}"/>
+              </a:ext>
+            </a:extLst>
+          </p:cNvPr>
+          <p:cNvSpPr/>
+          <p:nvPr/>
+        </p:nvSpPr>
+        <p:spPr>
+          <a:xfrm>
+            <a:off x="3670973" y="1332250"/>
+            <a:ext cx="3583092" cy="1677242"/>
+          </a:xfrm>
+          <a:custGeom>
+            <a:avLst/>
+            <a:gdLst>
+              <a:gd name="connsiteX0" fmla="*/ 0 w 3583092"/>
+              <a:gd name="connsiteY0" fmla="*/ 838621 h 1677242"/>
+              <a:gd name="connsiteX1" fmla="*/ 429971 w 3583092"/>
+              <a:gd name="connsiteY1" fmla="*/ 637352 h 1677242"/>
+              <a:gd name="connsiteX2" fmla="*/ 824111 w 3583092"/>
+              <a:gd name="connsiteY2" fmla="*/ 452855 h 1677242"/>
+              <a:gd name="connsiteX3" fmla="*/ 1307829 w 3583092"/>
+              <a:gd name="connsiteY3" fmla="*/ 226428 h 1677242"/>
+              <a:gd name="connsiteX4" fmla="*/ 1791546 w 3583092"/>
+              <a:gd name="connsiteY4" fmla="*/ 0 h 1677242"/>
+              <a:gd name="connsiteX5" fmla="*/ 2221517 w 3583092"/>
+              <a:gd name="connsiteY5" fmla="*/ 201269 h 1677242"/>
+              <a:gd name="connsiteX6" fmla="*/ 2633573 w 3583092"/>
+              <a:gd name="connsiteY6" fmla="*/ 394152 h 1677242"/>
+              <a:gd name="connsiteX7" fmla="*/ 3081459 w 3583092"/>
+              <a:gd name="connsiteY7" fmla="*/ 603807 h 1677242"/>
+              <a:gd name="connsiteX8" fmla="*/ 3583092 w 3583092"/>
+              <a:gd name="connsiteY8" fmla="*/ 838621 h 1677242"/>
+              <a:gd name="connsiteX9" fmla="*/ 3171036 w 3583092"/>
+              <a:gd name="connsiteY9" fmla="*/ 1031504 h 1677242"/>
+              <a:gd name="connsiteX10" fmla="*/ 2723150 w 3583092"/>
+              <a:gd name="connsiteY10" fmla="*/ 1241159 h 1677242"/>
+              <a:gd name="connsiteX11" fmla="*/ 2275263 w 3583092"/>
+              <a:gd name="connsiteY11" fmla="*/ 1450814 h 1677242"/>
+              <a:gd name="connsiteX12" fmla="*/ 1791546 w 3583092"/>
+              <a:gd name="connsiteY12" fmla="*/ 1677242 h 1677242"/>
+              <a:gd name="connsiteX13" fmla="*/ 1307829 w 3583092"/>
+              <a:gd name="connsiteY13" fmla="*/ 1450814 h 1677242"/>
+              <a:gd name="connsiteX14" fmla="*/ 824111 w 3583092"/>
+              <a:gd name="connsiteY14" fmla="*/ 1224387 h 1677242"/>
+              <a:gd name="connsiteX15" fmla="*/ 0 w 3583092"/>
+              <a:gd name="connsiteY15" fmla="*/ 838621 h 1677242"/>
+            </a:gdLst>
+            <a:ahLst/>
+            <a:cxnLst>
+              <a:cxn ang="0">
+                <a:pos x="connsiteX0" y="connsiteY0"/>
+              </a:cxn>
+              <a:cxn ang="0">
+                <a:pos x="connsiteX1" y="connsiteY1"/>
+              </a:cxn>
+              <a:cxn ang="0">
+                <a:pos x="connsiteX2" y="connsiteY2"/>
+              </a:cxn>
+              <a:cxn ang="0">
+                <a:pos x="connsiteX3" y="connsiteY3"/>
+              </a:cxn>
+              <a:cxn ang="0">
+                <a:pos x="connsiteX4" y="connsiteY4"/>
+              </a:cxn>
+              <a:cxn ang="0">
+                <a:pos x="connsiteX5" y="connsiteY5"/>
+              </a:cxn>
+              <a:cxn ang="0">
+                <a:pos x="connsiteX6" y="connsiteY6"/>
+              </a:cxn>
+              <a:cxn ang="0">
+                <a:pos x="connsiteX7" y="connsiteY7"/>
+              </a:cxn>
+              <a:cxn ang="0">
+                <a:pos x="connsiteX8" y="connsiteY8"/>
+              </a:cxn>
+              <a:cxn ang="0">
+                <a:pos x="connsiteX9" y="connsiteY9"/>
+              </a:cxn>
+              <a:cxn ang="0">
+                <a:pos x="connsiteX10" y="connsiteY10"/>
+              </a:cxn>
+              <a:cxn ang="0">
+                <a:pos x="connsiteX11" y="connsiteY11"/>
+              </a:cxn>
+              <a:cxn ang="0">
+                <a:pos x="connsiteX12" y="connsiteY12"/>
+              </a:cxn>
+              <a:cxn ang="0">
+                <a:pos x="connsiteX13" y="connsiteY13"/>
+              </a:cxn>
+              <a:cxn ang="0">
+                <a:pos x="connsiteX14" y="connsiteY14"/>
+              </a:cxn>
+              <a:cxn ang="0">
+                <a:pos x="connsiteX15" y="connsiteY15"/>
+              </a:cxn>
+            </a:cxnLst>
+            <a:rect l="l" t="t" r="r" b="b"/>
+            <a:pathLst>
+              <a:path w="3583092" h="1677242" extrusionOk="0">
+                <a:moveTo>
+                  <a:pt x="0" y="838621"/>
+                </a:moveTo>
+                <a:cubicBezTo>
+                  <a:pt x="180192" y="749586"/>
+                  <a:pt x="323540" y="701900"/>
+                  <a:pt x="429971" y="637352"/>
+                </a:cubicBezTo>
+                <a:cubicBezTo>
+                  <a:pt x="536401" y="572804"/>
+                  <a:pt x="643140" y="546304"/>
+                  <a:pt x="824111" y="452855"/>
+                </a:cubicBezTo>
+                <a:cubicBezTo>
+                  <a:pt x="1005083" y="359407"/>
+                  <a:pt x="1119900" y="320681"/>
+                  <a:pt x="1307829" y="226428"/>
+                </a:cubicBezTo>
+                <a:cubicBezTo>
+                  <a:pt x="1495758" y="132174"/>
+                  <a:pt x="1608343" y="141789"/>
+                  <a:pt x="1791546" y="0"/>
+                </a:cubicBezTo>
+                <a:cubicBezTo>
+                  <a:pt x="1924547" y="53362"/>
+                  <a:pt x="2066329" y="186827"/>
+                  <a:pt x="2221517" y="201269"/>
+                </a:cubicBezTo>
+                <a:cubicBezTo>
+                  <a:pt x="2376705" y="215711"/>
+                  <a:pt x="2435954" y="312649"/>
+                  <a:pt x="2633573" y="394152"/>
+                </a:cubicBezTo>
+                <a:cubicBezTo>
+                  <a:pt x="2831192" y="475655"/>
+                  <a:pt x="2975072" y="579360"/>
+                  <a:pt x="3081459" y="603807"/>
+                </a:cubicBezTo>
+                <a:cubicBezTo>
+                  <a:pt x="3187846" y="628254"/>
+                  <a:pt x="3327948" y="733409"/>
+                  <a:pt x="3583092" y="838621"/>
+                </a:cubicBezTo>
+                <a:cubicBezTo>
+                  <a:pt x="3409593" y="973269"/>
+                  <a:pt x="3314076" y="940232"/>
+                  <a:pt x="3171036" y="1031504"/>
+                </a:cubicBezTo>
+                <a:cubicBezTo>
+                  <a:pt x="3027996" y="1122776"/>
+                  <a:pt x="2811548" y="1171397"/>
+                  <a:pt x="2723150" y="1241159"/>
+                </a:cubicBezTo>
+                <a:cubicBezTo>
+                  <a:pt x="2634752" y="1310921"/>
+                  <a:pt x="2426019" y="1339527"/>
+                  <a:pt x="2275263" y="1450814"/>
+                </a:cubicBezTo>
+                <a:cubicBezTo>
+                  <a:pt x="2124507" y="1562101"/>
+                  <a:pt x="1992722" y="1540029"/>
+                  <a:pt x="1791546" y="1677242"/>
+                </a:cubicBezTo>
+                <a:cubicBezTo>
+                  <a:pt x="1608116" y="1641917"/>
+                  <a:pt x="1472753" y="1517645"/>
+                  <a:pt x="1307829" y="1450814"/>
+                </a:cubicBezTo>
+                <a:cubicBezTo>
+                  <a:pt x="1142905" y="1383983"/>
+                  <a:pt x="941964" y="1231114"/>
+                  <a:pt x="824111" y="1224387"/>
+                </a:cubicBezTo>
+                <a:cubicBezTo>
+                  <a:pt x="706258" y="1217660"/>
+                  <a:pt x="262727" y="943846"/>
+                  <a:pt x="0" y="838621"/>
+                </a:cubicBezTo>
+                <a:close/>
+              </a:path>
+            </a:pathLst>
+          </a:custGeom>
+          <a:noFill/>
+          <a:ln>
+            <a:solidFill>
+              <a:schemeClr val="tx2">
+                <a:lumMod val="20000"/>
+                <a:lumOff val="80000"/>
+              </a:schemeClr>
+            </a:solidFill>
+            <a:prstDash val="sysDot"/>
+            <a:extLst>
+              <a:ext uri="{C807C97D-BFC1-408E-A445-0C87EB9F89A2}">
+                <ask:lineSketchStyleProps xmlns:ask="http://schemas.microsoft.com/office/drawing/2018/sketchyshapes" sd="1219033472">
+                  <a:prstGeom prst="diamond">
+                    <a:avLst/>
+                  </a:prstGeom>
+                  <ask:type>
+                    <ask:lineSketchScribble/>
+                  </ask:type>
+                </ask:lineSketchStyleProps>
+              </a:ext>
+            </a:extLst>
+          </a:ln>
+        </p:spPr>
+        <p:style>
+          <a:lnRef idx="2">
+            <a:schemeClr val="accent1">
+              <a:shade val="50000"/>
+            </a:schemeClr>
+          </a:lnRef>
+          <a:fillRef idx="1">
+            <a:schemeClr val="accent1"/>
+          </a:fillRef>
+          <a:effectRef idx="0">
+            <a:schemeClr val="accent1"/>
+          </a:effectRef>
+          <a:fontRef idx="minor">
+            <a:schemeClr val="lt1"/>
+          </a:fontRef>
+        </p:style>
+        <p:txBody>
+          <a:bodyPr rtlCol="0" anchor="ctr"/>
+          <a:lstStyle/>
+          <a:p>
+            <a:pPr algn="ctr"/>
+            <a:endParaRPr lang="es-ES"/>
+          </a:p>
+        </p:txBody>
+      </p:sp>
+      <p:sp>
+        <p:nvSpPr>
+          <p:cNvPr id="25" name="CuadroTexto 24">
+            <a:extLst>
+              <a:ext uri="{FF2B5EF4-FFF2-40B4-BE49-F238E27FC236}">
+                <a16:creationId xmlns:a16="http://schemas.microsoft.com/office/drawing/2014/main" id="{63A1767E-EBD1-4B3C-B6B0-55DBB977BEE2}"/>
+              </a:ext>
+            </a:extLst>
+          </p:cNvPr>
+          <p:cNvSpPr txBox="1"/>
+          <p:nvPr/>
+        </p:nvSpPr>
+        <p:spPr>
+          <a:xfrm>
+            <a:off x="7213317" y="3690486"/>
+            <a:ext cx="689612" cy="369332"/>
+          </a:xfrm>
+          <a:prstGeom prst="rect">
+            <a:avLst/>
+          </a:prstGeom>
+          <a:noFill/>
+        </p:spPr>
+        <p:txBody>
+          <a:bodyPr wrap="none" rtlCol="0">
+            <a:spAutoFit/>
+          </a:bodyPr>
+          <a:lstStyle/>
+          <a:p>
+            <a:r>
+              <a:rPr lang="es-ES" dirty="0">
+                <a:solidFill>
+                  <a:schemeClr val="bg1">
+                    <a:lumMod val="75000"/>
+                  </a:schemeClr>
+                </a:solidFill>
+              </a:rPr>
+              <a:t>(</a:t>
+            </a:r>
+            <a:r>
+              <a:rPr lang="es-ES" sz="1400" dirty="0">
+                <a:solidFill>
+                  <a:schemeClr val="bg1">
+                    <a:lumMod val="75000"/>
+                  </a:schemeClr>
+                </a:solidFill>
+              </a:rPr>
+              <a:t>1,0,0</a:t>
+            </a:r>
+            <a:r>
+              <a:rPr lang="es-ES" dirty="0">
+                <a:solidFill>
+                  <a:schemeClr val="bg1">
+                    <a:lumMod val="75000"/>
+                  </a:schemeClr>
+                </a:solidFill>
+              </a:rPr>
+              <a:t>)</a:t>
+            </a:r>
+          </a:p>
+        </p:txBody>
+      </p:sp>
+    </p:spTree>
+    <p:extLst>
+      <p:ext uri="{BB962C8B-B14F-4D97-AF65-F5344CB8AC3E}">
+        <p14:creationId xmlns:p14="http://schemas.microsoft.com/office/powerpoint/2010/main" val="4133973777"/>
+      </p:ext>
+    </p:extLst>
+  </p:cSld>
+  <p:clrMapOvr>
+    <a:masterClrMapping/>
+  </p:clrMapOvr>
+</p:sld>
+</file>
+
+<file path=ppt/slides/slide5.xml><?xml version="1.0" encoding="utf-8"?>
+<p:sld xmlns:a="http://schemas.openxmlformats.org/drawingml/2006/main" xmlns:r="http://schemas.openxmlformats.org/officeDocument/2006/relationships" xmlns:p="http://schemas.openxmlformats.org/presentationml/2006/main">
+  <p:cSld>
+    <p:spTree>
+      <p:nvGrpSpPr>
+        <p:cNvPr id="1" name=""/>
+        <p:cNvGrpSpPr/>
+        <p:nvPr/>
+      </p:nvGrpSpPr>
+      <p:grpSpPr>
+        <a:xfrm>
+          <a:off x="0" y="0"/>
+          <a:ext cx="0" cy="0"/>
+          <a:chOff x="0" y="0"/>
+          <a:chExt cx="0" cy="0"/>
+        </a:xfrm>
+      </p:grpSpPr>
+      <p:sp>
+        <p:nvSpPr>
+          <p:cNvPr id="24" name="Rombo 23">
+            <a:extLst>
+              <a:ext uri="{FF2B5EF4-FFF2-40B4-BE49-F238E27FC236}">
+                <a16:creationId xmlns:a16="http://schemas.microsoft.com/office/drawing/2014/main" id="{F4152B1C-B37C-4F3A-B883-88542CE36EA1}"/>
+              </a:ext>
+            </a:extLst>
+          </p:cNvPr>
+          <p:cNvSpPr/>
+          <p:nvPr/>
+        </p:nvSpPr>
+        <p:spPr>
+          <a:xfrm>
+            <a:off x="3664200" y="1344397"/>
+            <a:ext cx="3583092" cy="1677242"/>
+          </a:xfrm>
+          <a:custGeom>
+            <a:avLst/>
+            <a:gdLst>
+              <a:gd name="connsiteX0" fmla="*/ 0 w 3583092"/>
+              <a:gd name="connsiteY0" fmla="*/ 838621 h 1677242"/>
+              <a:gd name="connsiteX1" fmla="*/ 429971 w 3583092"/>
+              <a:gd name="connsiteY1" fmla="*/ 637352 h 1677242"/>
+              <a:gd name="connsiteX2" fmla="*/ 824111 w 3583092"/>
+              <a:gd name="connsiteY2" fmla="*/ 452855 h 1677242"/>
+              <a:gd name="connsiteX3" fmla="*/ 1307829 w 3583092"/>
+              <a:gd name="connsiteY3" fmla="*/ 226428 h 1677242"/>
+              <a:gd name="connsiteX4" fmla="*/ 1791546 w 3583092"/>
+              <a:gd name="connsiteY4" fmla="*/ 0 h 1677242"/>
+              <a:gd name="connsiteX5" fmla="*/ 2221517 w 3583092"/>
+              <a:gd name="connsiteY5" fmla="*/ 201269 h 1677242"/>
+              <a:gd name="connsiteX6" fmla="*/ 2633573 w 3583092"/>
+              <a:gd name="connsiteY6" fmla="*/ 394152 h 1677242"/>
+              <a:gd name="connsiteX7" fmla="*/ 3081459 w 3583092"/>
+              <a:gd name="connsiteY7" fmla="*/ 603807 h 1677242"/>
+              <a:gd name="connsiteX8" fmla="*/ 3583092 w 3583092"/>
+              <a:gd name="connsiteY8" fmla="*/ 838621 h 1677242"/>
+              <a:gd name="connsiteX9" fmla="*/ 3171036 w 3583092"/>
+              <a:gd name="connsiteY9" fmla="*/ 1031504 h 1677242"/>
+              <a:gd name="connsiteX10" fmla="*/ 2723150 w 3583092"/>
+              <a:gd name="connsiteY10" fmla="*/ 1241159 h 1677242"/>
+              <a:gd name="connsiteX11" fmla="*/ 2275263 w 3583092"/>
+              <a:gd name="connsiteY11" fmla="*/ 1450814 h 1677242"/>
+              <a:gd name="connsiteX12" fmla="*/ 1791546 w 3583092"/>
+              <a:gd name="connsiteY12" fmla="*/ 1677242 h 1677242"/>
+              <a:gd name="connsiteX13" fmla="*/ 1307829 w 3583092"/>
+              <a:gd name="connsiteY13" fmla="*/ 1450814 h 1677242"/>
+              <a:gd name="connsiteX14" fmla="*/ 824111 w 3583092"/>
+              <a:gd name="connsiteY14" fmla="*/ 1224387 h 1677242"/>
+              <a:gd name="connsiteX15" fmla="*/ 0 w 3583092"/>
+              <a:gd name="connsiteY15" fmla="*/ 838621 h 1677242"/>
+            </a:gdLst>
+            <a:ahLst/>
+            <a:cxnLst>
+              <a:cxn ang="0">
+                <a:pos x="connsiteX0" y="connsiteY0"/>
+              </a:cxn>
+              <a:cxn ang="0">
+                <a:pos x="connsiteX1" y="connsiteY1"/>
+              </a:cxn>
+              <a:cxn ang="0">
+                <a:pos x="connsiteX2" y="connsiteY2"/>
+              </a:cxn>
+              <a:cxn ang="0">
+                <a:pos x="connsiteX3" y="connsiteY3"/>
+              </a:cxn>
+              <a:cxn ang="0">
+                <a:pos x="connsiteX4" y="connsiteY4"/>
+              </a:cxn>
+              <a:cxn ang="0">
+                <a:pos x="connsiteX5" y="connsiteY5"/>
+              </a:cxn>
+              <a:cxn ang="0">
+                <a:pos x="connsiteX6" y="connsiteY6"/>
+              </a:cxn>
+              <a:cxn ang="0">
+                <a:pos x="connsiteX7" y="connsiteY7"/>
+              </a:cxn>
+              <a:cxn ang="0">
+                <a:pos x="connsiteX8" y="connsiteY8"/>
+              </a:cxn>
+              <a:cxn ang="0">
+                <a:pos x="connsiteX9" y="connsiteY9"/>
+              </a:cxn>
+              <a:cxn ang="0">
+                <a:pos x="connsiteX10" y="connsiteY10"/>
+              </a:cxn>
+              <a:cxn ang="0">
+                <a:pos x="connsiteX11" y="connsiteY11"/>
+              </a:cxn>
+              <a:cxn ang="0">
+                <a:pos x="connsiteX12" y="connsiteY12"/>
+              </a:cxn>
+              <a:cxn ang="0">
+                <a:pos x="connsiteX13" y="connsiteY13"/>
+              </a:cxn>
+              <a:cxn ang="0">
+                <a:pos x="connsiteX14" y="connsiteY14"/>
+              </a:cxn>
+              <a:cxn ang="0">
+                <a:pos x="connsiteX15" y="connsiteY15"/>
+              </a:cxn>
+            </a:cxnLst>
+            <a:rect l="l" t="t" r="r" b="b"/>
+            <a:pathLst>
+              <a:path w="3583092" h="1677242" extrusionOk="0">
+                <a:moveTo>
+                  <a:pt x="0" y="838621"/>
+                </a:moveTo>
+                <a:cubicBezTo>
+                  <a:pt x="180192" y="749586"/>
+                  <a:pt x="323540" y="701900"/>
+                  <a:pt x="429971" y="637352"/>
+                </a:cubicBezTo>
+                <a:cubicBezTo>
+                  <a:pt x="536401" y="572804"/>
+                  <a:pt x="643140" y="546304"/>
+                  <a:pt x="824111" y="452855"/>
+                </a:cubicBezTo>
+                <a:cubicBezTo>
+                  <a:pt x="1005083" y="359407"/>
+                  <a:pt x="1119900" y="320681"/>
+                  <a:pt x="1307829" y="226428"/>
+                </a:cubicBezTo>
+                <a:cubicBezTo>
+                  <a:pt x="1495758" y="132174"/>
+                  <a:pt x="1608343" y="141789"/>
+                  <a:pt x="1791546" y="0"/>
+                </a:cubicBezTo>
+                <a:cubicBezTo>
+                  <a:pt x="1924547" y="53362"/>
+                  <a:pt x="2066329" y="186827"/>
+                  <a:pt x="2221517" y="201269"/>
+                </a:cubicBezTo>
+                <a:cubicBezTo>
+                  <a:pt x="2376705" y="215711"/>
+                  <a:pt x="2435954" y="312649"/>
+                  <a:pt x="2633573" y="394152"/>
+                </a:cubicBezTo>
+                <a:cubicBezTo>
+                  <a:pt x="2831192" y="475655"/>
+                  <a:pt x="2975072" y="579360"/>
+                  <a:pt x="3081459" y="603807"/>
+                </a:cubicBezTo>
+                <a:cubicBezTo>
+                  <a:pt x="3187846" y="628254"/>
+                  <a:pt x="3327948" y="733409"/>
+                  <a:pt x="3583092" y="838621"/>
+                </a:cubicBezTo>
+                <a:cubicBezTo>
+                  <a:pt x="3409593" y="973269"/>
+                  <a:pt x="3314076" y="940232"/>
+                  <a:pt x="3171036" y="1031504"/>
+                </a:cubicBezTo>
+                <a:cubicBezTo>
+                  <a:pt x="3027996" y="1122776"/>
+                  <a:pt x="2811548" y="1171397"/>
+                  <a:pt x="2723150" y="1241159"/>
+                </a:cubicBezTo>
+                <a:cubicBezTo>
+                  <a:pt x="2634752" y="1310921"/>
+                  <a:pt x="2426019" y="1339527"/>
+                  <a:pt x="2275263" y="1450814"/>
+                </a:cubicBezTo>
+                <a:cubicBezTo>
+                  <a:pt x="2124507" y="1562101"/>
+                  <a:pt x="1992722" y="1540029"/>
+                  <a:pt x="1791546" y="1677242"/>
+                </a:cubicBezTo>
+                <a:cubicBezTo>
+                  <a:pt x="1608116" y="1641917"/>
+                  <a:pt x="1472753" y="1517645"/>
+                  <a:pt x="1307829" y="1450814"/>
+                </a:cubicBezTo>
+                <a:cubicBezTo>
+                  <a:pt x="1142905" y="1383983"/>
+                  <a:pt x="941964" y="1231114"/>
+                  <a:pt x="824111" y="1224387"/>
+                </a:cubicBezTo>
+                <a:cubicBezTo>
+                  <a:pt x="706258" y="1217660"/>
+                  <a:pt x="262727" y="943846"/>
+                  <a:pt x="0" y="838621"/>
+                </a:cubicBezTo>
+                <a:close/>
+              </a:path>
+            </a:pathLst>
+          </a:custGeom>
+          <a:solidFill>
+            <a:srgbClr val="FFCCFF">
+              <a:alpha val="52000"/>
+            </a:srgbClr>
+          </a:solidFill>
+          <a:ln>
+            <a:solidFill>
+              <a:schemeClr val="tx2">
+                <a:lumMod val="20000"/>
+                <a:lumOff val="80000"/>
+              </a:schemeClr>
+            </a:solidFill>
+            <a:prstDash val="sysDot"/>
+            <a:extLst>
+              <a:ext uri="{C807C97D-BFC1-408E-A445-0C87EB9F89A2}">
+                <ask:lineSketchStyleProps xmlns:ask="http://schemas.microsoft.com/office/drawing/2018/sketchyshapes" sd="1219033472">
+                  <a:prstGeom prst="diamond">
+                    <a:avLst/>
+                  </a:prstGeom>
+                  <ask:type>
+                    <ask:lineSketchScribble/>
+                  </ask:type>
+                </ask:lineSketchStyleProps>
+              </a:ext>
+            </a:extLst>
+          </a:ln>
+        </p:spPr>
+        <p:style>
+          <a:lnRef idx="2">
+            <a:schemeClr val="accent1">
+              <a:shade val="50000"/>
+            </a:schemeClr>
+          </a:lnRef>
+          <a:fillRef idx="1">
+            <a:schemeClr val="accent1"/>
+          </a:fillRef>
+          <a:effectRef idx="0">
+            <a:schemeClr val="accent1"/>
+          </a:effectRef>
+          <a:fontRef idx="minor">
+            <a:schemeClr val="lt1"/>
+          </a:fontRef>
+        </p:style>
+        <p:txBody>
+          <a:bodyPr rtlCol="0" anchor="ctr"/>
+          <a:lstStyle/>
+          <a:p>
+            <a:pPr algn="ctr"/>
+            <a:endParaRPr lang="es-ES" dirty="0"/>
+          </a:p>
+        </p:txBody>
+      </p:sp>
+      <p:sp>
+        <p:nvSpPr>
+          <p:cNvPr id="4" name="Elipse 3">
+            <a:extLst>
+              <a:ext uri="{FF2B5EF4-FFF2-40B4-BE49-F238E27FC236}">
+                <a16:creationId xmlns:a16="http://schemas.microsoft.com/office/drawing/2014/main" id="{8C955D94-8B39-410A-A874-B708000B55A4}"/>
+              </a:ext>
+            </a:extLst>
+          </p:cNvPr>
+          <p:cNvSpPr/>
+          <p:nvPr/>
+        </p:nvSpPr>
+        <p:spPr>
+          <a:xfrm>
+            <a:off x="4605107" y="2792588"/>
+            <a:ext cx="1665656" cy="343465"/>
+          </a:xfrm>
+          <a:custGeom>
+            <a:avLst/>
+            <a:gdLst>
+              <a:gd name="connsiteX0" fmla="*/ 0 w 1665656"/>
+              <a:gd name="connsiteY0" fmla="*/ 171733 h 343465"/>
+              <a:gd name="connsiteX1" fmla="*/ 832828 w 1665656"/>
+              <a:gd name="connsiteY1" fmla="*/ 0 h 343465"/>
+              <a:gd name="connsiteX2" fmla="*/ 1665656 w 1665656"/>
+              <a:gd name="connsiteY2" fmla="*/ 171733 h 343465"/>
+              <a:gd name="connsiteX3" fmla="*/ 832828 w 1665656"/>
+              <a:gd name="connsiteY3" fmla="*/ 343466 h 343465"/>
+              <a:gd name="connsiteX4" fmla="*/ 0 w 1665656"/>
+              <a:gd name="connsiteY4" fmla="*/ 171733 h 343465"/>
+            </a:gdLst>
+            <a:ahLst/>
+            <a:cxnLst>
+              <a:cxn ang="0">
+                <a:pos x="connsiteX0" y="connsiteY0"/>
+              </a:cxn>
+              <a:cxn ang="0">
+                <a:pos x="connsiteX1" y="connsiteY1"/>
+              </a:cxn>
+              <a:cxn ang="0">
+                <a:pos x="connsiteX2" y="connsiteY2"/>
+              </a:cxn>
+              <a:cxn ang="0">
+                <a:pos x="connsiteX3" y="connsiteY3"/>
+              </a:cxn>
+              <a:cxn ang="0">
+                <a:pos x="connsiteX4" y="connsiteY4"/>
+              </a:cxn>
+            </a:cxnLst>
+            <a:rect l="l" t="t" r="r" b="b"/>
+            <a:pathLst>
+              <a:path w="1665656" h="343465" extrusionOk="0">
+                <a:moveTo>
+                  <a:pt x="0" y="171733"/>
+                </a:moveTo>
+                <a:cubicBezTo>
+                  <a:pt x="-84960" y="24482"/>
+                  <a:pt x="299929" y="27376"/>
+                  <a:pt x="832828" y="0"/>
+                </a:cubicBezTo>
+                <a:cubicBezTo>
+                  <a:pt x="1309789" y="3580"/>
+                  <a:pt x="1654400" y="77245"/>
+                  <a:pt x="1665656" y="171733"/>
+                </a:cubicBezTo>
+                <a:cubicBezTo>
+                  <a:pt x="1597918" y="332728"/>
+                  <a:pt x="1281958" y="403313"/>
+                  <a:pt x="832828" y="343466"/>
+                </a:cubicBezTo>
+                <a:cubicBezTo>
+                  <a:pt x="358597" y="335657"/>
+                  <a:pt x="6213" y="269548"/>
+                  <a:pt x="0" y="171733"/>
+                </a:cubicBezTo>
+                <a:close/>
+              </a:path>
+            </a:pathLst>
+          </a:custGeom>
+          <a:noFill/>
+          <a:ln>
+            <a:prstDash val="sysDot"/>
+            <a:extLst>
+              <a:ext uri="{C807C97D-BFC1-408E-A445-0C87EB9F89A2}">
+                <ask:lineSketchStyleProps xmlns:ask="http://schemas.microsoft.com/office/drawing/2018/sketchyshapes" sd="1219033472">
+                  <a:prstGeom prst="ellipse">
+                    <a:avLst/>
+                  </a:prstGeom>
+                  <ask:type>
+                    <ask:lineSketchScribble/>
+                  </ask:type>
+                </ask:lineSketchStyleProps>
+              </a:ext>
+            </a:extLst>
+          </a:ln>
+        </p:spPr>
+        <p:style>
+          <a:lnRef idx="2">
+            <a:schemeClr val="accent1">
+              <a:shade val="50000"/>
+            </a:schemeClr>
+          </a:lnRef>
+          <a:fillRef idx="1">
+            <a:schemeClr val="accent1"/>
+          </a:fillRef>
+          <a:effectRef idx="0">
+            <a:schemeClr val="accent1"/>
+          </a:effectRef>
+          <a:fontRef idx="minor">
+            <a:schemeClr val="lt1"/>
+          </a:fontRef>
+        </p:style>
+        <p:txBody>
+          <a:bodyPr rtlCol="0" anchor="ctr"/>
+          <a:lstStyle/>
+          <a:p>
+            <a:pPr algn="ctr"/>
+            <a:endParaRPr lang="es-ES"/>
+          </a:p>
+        </p:txBody>
+      </p:sp>
+      <p:grpSp>
+        <p:nvGrpSpPr>
+          <p:cNvPr id="13" name="Grupo 12">
+            <a:extLst>
+              <a:ext uri="{FF2B5EF4-FFF2-40B4-BE49-F238E27FC236}">
+                <a16:creationId xmlns:a16="http://schemas.microsoft.com/office/drawing/2014/main" id="{A6F97A6E-ED7D-4AC3-B5AD-3EA12F8D7953}"/>
+              </a:ext>
+            </a:extLst>
+          </p:cNvPr>
+          <p:cNvGrpSpPr/>
+          <p:nvPr/>
+        </p:nvGrpSpPr>
+        <p:grpSpPr>
+          <a:xfrm>
+            <a:off x="4419484" y="-56361"/>
+            <a:ext cx="2023356" cy="4086499"/>
+            <a:chOff x="4419484" y="-56361"/>
+            <a:chExt cx="2023356" cy="4086499"/>
+          </a:xfrm>
+        </p:grpSpPr>
+        <p:sp>
+          <p:nvSpPr>
+            <p:cNvPr id="7" name="Arco 6">
+              <a:extLst>
+                <a:ext uri="{FF2B5EF4-FFF2-40B4-BE49-F238E27FC236}">
+                  <a16:creationId xmlns:a16="http://schemas.microsoft.com/office/drawing/2014/main" id="{728780AF-F89B-4CF7-9C00-3E31BCB1F69D}"/>
+                </a:ext>
+              </a:extLst>
+            </p:cNvPr>
+            <p:cNvSpPr/>
+            <p:nvPr/>
+          </p:nvSpPr>
+          <p:spPr>
+            <a:xfrm rot="5400000">
+              <a:off x="3356556" y="1006568"/>
+              <a:ext cx="4086498" cy="1960641"/>
+            </a:xfrm>
+            <a:custGeom>
+              <a:avLst/>
+              <a:gdLst>
+                <a:gd name="connsiteX0" fmla="*/ 2197092 w 4086498"/>
+                <a:gd name="connsiteY0" fmla="*/ 2783 h 1960641"/>
+                <a:gd name="connsiteX1" fmla="*/ 4085294 w 4086498"/>
+                <a:gd name="connsiteY1" fmla="*/ 946672 h 1960641"/>
+                <a:gd name="connsiteX2" fmla="*/ 2043249 w 4086498"/>
+                <a:gd name="connsiteY2" fmla="*/ 980321 h 1960641"/>
+                <a:gd name="connsiteX3" fmla="*/ 2197092 w 4086498"/>
+                <a:gd name="connsiteY3" fmla="*/ 2783 h 1960641"/>
+                <a:gd name="connsiteX0" fmla="*/ 2197092 w 4086498"/>
+                <a:gd name="connsiteY0" fmla="*/ 2783 h 1960641"/>
+                <a:gd name="connsiteX1" fmla="*/ 4085294 w 4086498"/>
+                <a:gd name="connsiteY1" fmla="*/ 946672 h 1960641"/>
+              </a:gdLst>
+              <a:ahLst/>
+              <a:cxnLst>
+                <a:cxn ang="0">
+                  <a:pos x="connsiteX0" y="connsiteY0"/>
+                </a:cxn>
+                <a:cxn ang="0">
+                  <a:pos x="connsiteX1" y="connsiteY1"/>
+                </a:cxn>
+              </a:cxnLst>
+              <a:rect l="l" t="t" r="r" b="b"/>
+              <a:pathLst>
+                <a:path w="4086498" h="1960641" stroke="0" extrusionOk="0">
+                  <a:moveTo>
+                    <a:pt x="2197092" y="2783"/>
+                  </a:moveTo>
+                  <a:cubicBezTo>
+                    <a:pt x="3192220" y="13403"/>
+                    <a:pt x="4016514" y="459477"/>
+                    <a:pt x="4085294" y="946672"/>
+                  </a:cubicBezTo>
+                  <a:cubicBezTo>
+                    <a:pt x="3464600" y="824000"/>
+                    <a:pt x="2933442" y="1050615"/>
+                    <a:pt x="2043249" y="980321"/>
+                  </a:cubicBezTo>
+                  <a:cubicBezTo>
+                    <a:pt x="2098783" y="751508"/>
+                    <a:pt x="2096971" y="151902"/>
+                    <a:pt x="2197092" y="2783"/>
+                  </a:cubicBezTo>
+                  <a:close/>
+                </a:path>
+                <a:path w="4086498" h="1960641" fill="none" extrusionOk="0">
+                  <a:moveTo>
+                    <a:pt x="2197092" y="2783"/>
+                  </a:moveTo>
+                  <a:cubicBezTo>
+                    <a:pt x="3174445" y="6731"/>
+                    <a:pt x="4057701" y="450989"/>
+                    <a:pt x="4085294" y="946672"/>
+                  </a:cubicBezTo>
+                </a:path>
+              </a:pathLst>
+            </a:custGeom>
+            <a:solidFill>
+              <a:schemeClr val="bg1"/>
+            </a:solidFill>
+            <a:ln w="28575">
+              <a:solidFill>
+                <a:schemeClr val="accent2">
+                  <a:lumMod val="75000"/>
+                </a:schemeClr>
+              </a:solidFill>
+              <a:extLst>
+                <a:ext uri="{C807C97D-BFC1-408E-A445-0C87EB9F89A2}">
+                  <ask:lineSketchStyleProps xmlns:ask="http://schemas.microsoft.com/office/drawing/2018/sketchyshapes" sd="1219033472">
+                    <a:prstGeom prst="arc">
+                      <a:avLst>
+                        <a:gd name="adj1" fmla="val 16736624"/>
+                        <a:gd name="adj2" fmla="val 21543357"/>
+                      </a:avLst>
+                    </a:prstGeom>
+                    <ask:type>
+                      <ask:lineSketchCurved/>
+                    </ask:type>
+                  </ask:lineSketchStyleProps>
+                </a:ext>
+              </a:extLst>
+            </a:ln>
+          </p:spPr>
+          <p:style>
+            <a:lnRef idx="1">
+              <a:schemeClr val="accent1"/>
+            </a:lnRef>
+            <a:fillRef idx="0">
+              <a:schemeClr val="accent1"/>
+            </a:fillRef>
+            <a:effectRef idx="0">
+              <a:schemeClr val="accent1"/>
+            </a:effectRef>
+            <a:fontRef idx="minor">
+              <a:schemeClr val="tx1"/>
+            </a:fontRef>
+          </p:style>
+          <p:txBody>
+            <a:bodyPr rtlCol="0" anchor="ctr"/>
+            <a:lstStyle/>
+            <a:p>
+              <a:pPr algn="ctr"/>
+              <a:endParaRPr lang="es-ES"/>
+            </a:p>
+          </p:txBody>
+        </p:sp>
+        <p:sp>
+          <p:nvSpPr>
+            <p:cNvPr id="8" name="Arco 7">
+              <a:extLst>
+                <a:ext uri="{FF2B5EF4-FFF2-40B4-BE49-F238E27FC236}">
+                  <a16:creationId xmlns:a16="http://schemas.microsoft.com/office/drawing/2014/main" id="{EE4D2042-E35E-492F-9480-30B84D6831AC}"/>
+                </a:ext>
+              </a:extLst>
+            </p:cNvPr>
+            <p:cNvSpPr/>
+            <p:nvPr/>
+          </p:nvSpPr>
+          <p:spPr>
+            <a:xfrm rot="16200000" flipH="1">
+              <a:off x="3419271" y="1006568"/>
+              <a:ext cx="4086497" cy="1960640"/>
+            </a:xfrm>
+            <a:custGeom>
+              <a:avLst/>
+              <a:gdLst>
+                <a:gd name="connsiteX0" fmla="*/ 2197091 w 4086497"/>
+                <a:gd name="connsiteY0" fmla="*/ 2783 h 1960640"/>
+                <a:gd name="connsiteX1" fmla="*/ 4085293 w 4086497"/>
+                <a:gd name="connsiteY1" fmla="*/ 946671 h 1960640"/>
+                <a:gd name="connsiteX2" fmla="*/ 2043249 w 4086497"/>
+                <a:gd name="connsiteY2" fmla="*/ 980320 h 1960640"/>
+                <a:gd name="connsiteX3" fmla="*/ 2197091 w 4086497"/>
+                <a:gd name="connsiteY3" fmla="*/ 2783 h 1960640"/>
+                <a:gd name="connsiteX0" fmla="*/ 2197091 w 4086497"/>
+                <a:gd name="connsiteY0" fmla="*/ 2783 h 1960640"/>
+                <a:gd name="connsiteX1" fmla="*/ 4085293 w 4086497"/>
+                <a:gd name="connsiteY1" fmla="*/ 946671 h 1960640"/>
+              </a:gdLst>
+              <a:ahLst/>
+              <a:cxnLst>
+                <a:cxn ang="0">
+                  <a:pos x="connsiteX0" y="connsiteY0"/>
+                </a:cxn>
+                <a:cxn ang="0">
+                  <a:pos x="connsiteX1" y="connsiteY1"/>
+                </a:cxn>
+              </a:cxnLst>
+              <a:rect l="l" t="t" r="r" b="b"/>
+              <a:pathLst>
+                <a:path w="4086497" h="1960640" stroke="0" extrusionOk="0">
+                  <a:moveTo>
+                    <a:pt x="2197091" y="2783"/>
+                  </a:moveTo>
+                  <a:cubicBezTo>
+                    <a:pt x="3192160" y="13367"/>
+                    <a:pt x="4016317" y="459550"/>
+                    <a:pt x="4085293" y="946671"/>
+                  </a:cubicBezTo>
+                  <a:cubicBezTo>
+                    <a:pt x="3463294" y="824020"/>
+                    <a:pt x="2931875" y="1050640"/>
+                    <a:pt x="2043249" y="980320"/>
+                  </a:cubicBezTo>
+                  <a:cubicBezTo>
+                    <a:pt x="2100910" y="749367"/>
+                    <a:pt x="2098711" y="148206"/>
+                    <a:pt x="2197091" y="2783"/>
+                  </a:cubicBezTo>
+                  <a:close/>
+                </a:path>
+                <a:path w="4086497" h="1960640" fill="none" extrusionOk="0">
+                  <a:moveTo>
+                    <a:pt x="2197091" y="2783"/>
+                  </a:moveTo>
+                  <a:cubicBezTo>
+                    <a:pt x="3174265" y="6633"/>
+                    <a:pt x="4057973" y="451118"/>
+                    <a:pt x="4085293" y="946671"/>
+                  </a:cubicBezTo>
+                </a:path>
+              </a:pathLst>
+            </a:custGeom>
+            <a:solidFill>
+              <a:schemeClr val="bg1"/>
+            </a:solidFill>
+            <a:ln w="28575">
+              <a:solidFill>
+                <a:schemeClr val="accent2">
+                  <a:lumMod val="75000"/>
+                </a:schemeClr>
+              </a:solidFill>
+              <a:extLst>
+                <a:ext uri="{C807C97D-BFC1-408E-A445-0C87EB9F89A2}">
+                  <ask:lineSketchStyleProps xmlns:ask="http://schemas.microsoft.com/office/drawing/2018/sketchyshapes" sd="1219033472">
+                    <a:prstGeom prst="arc">
+                      <a:avLst>
+                        <a:gd name="adj1" fmla="val 16736624"/>
+                        <a:gd name="adj2" fmla="val 21543357"/>
+                      </a:avLst>
+                    </a:prstGeom>
+                    <ask:type>
+                      <ask:lineSketchCurved/>
+                    </ask:type>
+                  </ask:lineSketchStyleProps>
+                </a:ext>
+              </a:extLst>
+            </a:ln>
+          </p:spPr>
+          <p:style>
+            <a:lnRef idx="1">
+              <a:schemeClr val="accent1"/>
+            </a:lnRef>
+            <a:fillRef idx="0">
+              <a:schemeClr val="accent1"/>
+            </a:fillRef>
+            <a:effectRef idx="0">
+              <a:schemeClr val="accent1"/>
+            </a:effectRef>
+            <a:fontRef idx="minor">
+              <a:schemeClr val="tx1"/>
+            </a:fontRef>
+          </p:style>
+          <p:txBody>
+            <a:bodyPr rtlCol="0" anchor="ctr"/>
+            <a:lstStyle/>
+            <a:p>
+              <a:pPr algn="ctr"/>
+              <a:endParaRPr lang="es-ES" dirty="0"/>
+            </a:p>
+          </p:txBody>
+        </p:sp>
+      </p:grpSp>
+      <p:sp>
+        <p:nvSpPr>
+          <p:cNvPr id="17" name="Rombo 16">
+            <a:extLst>
+              <a:ext uri="{FF2B5EF4-FFF2-40B4-BE49-F238E27FC236}">
+                <a16:creationId xmlns:a16="http://schemas.microsoft.com/office/drawing/2014/main" id="{D1F79DD8-ABDC-4D3E-814B-C14643562905}"/>
+              </a:ext>
+            </a:extLst>
+          </p:cNvPr>
+          <p:cNvSpPr/>
+          <p:nvPr/>
+        </p:nvSpPr>
+        <p:spPr>
+          <a:xfrm>
+            <a:off x="3603450" y="3073543"/>
+            <a:ext cx="3583092" cy="1677242"/>
+          </a:xfrm>
+          <a:custGeom>
+            <a:avLst/>
+            <a:gdLst>
+              <a:gd name="connsiteX0" fmla="*/ 0 w 3583092"/>
+              <a:gd name="connsiteY0" fmla="*/ 838621 h 1677242"/>
+              <a:gd name="connsiteX1" fmla="*/ 429971 w 3583092"/>
+              <a:gd name="connsiteY1" fmla="*/ 637352 h 1677242"/>
+              <a:gd name="connsiteX2" fmla="*/ 824111 w 3583092"/>
+              <a:gd name="connsiteY2" fmla="*/ 452855 h 1677242"/>
+              <a:gd name="connsiteX3" fmla="*/ 1307829 w 3583092"/>
+              <a:gd name="connsiteY3" fmla="*/ 226428 h 1677242"/>
+              <a:gd name="connsiteX4" fmla="*/ 1791546 w 3583092"/>
+              <a:gd name="connsiteY4" fmla="*/ 0 h 1677242"/>
+              <a:gd name="connsiteX5" fmla="*/ 2221517 w 3583092"/>
+              <a:gd name="connsiteY5" fmla="*/ 201269 h 1677242"/>
+              <a:gd name="connsiteX6" fmla="*/ 2633573 w 3583092"/>
+              <a:gd name="connsiteY6" fmla="*/ 394152 h 1677242"/>
+              <a:gd name="connsiteX7" fmla="*/ 3081459 w 3583092"/>
+              <a:gd name="connsiteY7" fmla="*/ 603807 h 1677242"/>
+              <a:gd name="connsiteX8" fmla="*/ 3583092 w 3583092"/>
+              <a:gd name="connsiteY8" fmla="*/ 838621 h 1677242"/>
+              <a:gd name="connsiteX9" fmla="*/ 3171036 w 3583092"/>
+              <a:gd name="connsiteY9" fmla="*/ 1031504 h 1677242"/>
+              <a:gd name="connsiteX10" fmla="*/ 2723150 w 3583092"/>
+              <a:gd name="connsiteY10" fmla="*/ 1241159 h 1677242"/>
+              <a:gd name="connsiteX11" fmla="*/ 2275263 w 3583092"/>
+              <a:gd name="connsiteY11" fmla="*/ 1450814 h 1677242"/>
+              <a:gd name="connsiteX12" fmla="*/ 1791546 w 3583092"/>
+              <a:gd name="connsiteY12" fmla="*/ 1677242 h 1677242"/>
+              <a:gd name="connsiteX13" fmla="*/ 1307829 w 3583092"/>
+              <a:gd name="connsiteY13" fmla="*/ 1450814 h 1677242"/>
+              <a:gd name="connsiteX14" fmla="*/ 824111 w 3583092"/>
+              <a:gd name="connsiteY14" fmla="*/ 1224387 h 1677242"/>
+              <a:gd name="connsiteX15" fmla="*/ 0 w 3583092"/>
+              <a:gd name="connsiteY15" fmla="*/ 838621 h 1677242"/>
+            </a:gdLst>
+            <a:ahLst/>
+            <a:cxnLst>
+              <a:cxn ang="0">
+                <a:pos x="connsiteX0" y="connsiteY0"/>
+              </a:cxn>
+              <a:cxn ang="0">
+                <a:pos x="connsiteX1" y="connsiteY1"/>
+              </a:cxn>
+              <a:cxn ang="0">
+                <a:pos x="connsiteX2" y="connsiteY2"/>
+              </a:cxn>
+              <a:cxn ang="0">
+                <a:pos x="connsiteX3" y="connsiteY3"/>
+              </a:cxn>
+              <a:cxn ang="0">
+                <a:pos x="connsiteX4" y="connsiteY4"/>
+              </a:cxn>
+              <a:cxn ang="0">
+                <a:pos x="connsiteX5" y="connsiteY5"/>
+              </a:cxn>
+              <a:cxn ang="0">
+                <a:pos x="connsiteX6" y="connsiteY6"/>
+              </a:cxn>
+              <a:cxn ang="0">
+                <a:pos x="connsiteX7" y="connsiteY7"/>
+              </a:cxn>
+              <a:cxn ang="0">
+                <a:pos x="connsiteX8" y="connsiteY8"/>
+              </a:cxn>
+              <a:cxn ang="0">
+                <a:pos x="connsiteX9" y="connsiteY9"/>
+              </a:cxn>
+              <a:cxn ang="0">
+                <a:pos x="connsiteX10" y="connsiteY10"/>
+              </a:cxn>
+              <a:cxn ang="0">
+                <a:pos x="connsiteX11" y="connsiteY11"/>
+              </a:cxn>
+              <a:cxn ang="0">
+                <a:pos x="connsiteX12" y="connsiteY12"/>
+              </a:cxn>
+              <a:cxn ang="0">
+                <a:pos x="connsiteX13" y="connsiteY13"/>
+              </a:cxn>
+              <a:cxn ang="0">
+                <a:pos x="connsiteX14" y="connsiteY14"/>
+              </a:cxn>
+              <a:cxn ang="0">
+                <a:pos x="connsiteX15" y="connsiteY15"/>
+              </a:cxn>
+            </a:cxnLst>
+            <a:rect l="l" t="t" r="r" b="b"/>
+            <a:pathLst>
+              <a:path w="3583092" h="1677242" extrusionOk="0">
+                <a:moveTo>
+                  <a:pt x="0" y="838621"/>
+                </a:moveTo>
+                <a:cubicBezTo>
+                  <a:pt x="180192" y="749586"/>
+                  <a:pt x="323540" y="701900"/>
+                  <a:pt x="429971" y="637352"/>
+                </a:cubicBezTo>
+                <a:cubicBezTo>
+                  <a:pt x="536401" y="572804"/>
+                  <a:pt x="643140" y="546304"/>
+                  <a:pt x="824111" y="452855"/>
+                </a:cubicBezTo>
+                <a:cubicBezTo>
+                  <a:pt x="1005083" y="359407"/>
+                  <a:pt x="1119900" y="320681"/>
+                  <a:pt x="1307829" y="226428"/>
+                </a:cubicBezTo>
+                <a:cubicBezTo>
+                  <a:pt x="1495758" y="132174"/>
+                  <a:pt x="1608343" y="141789"/>
+                  <a:pt x="1791546" y="0"/>
+                </a:cubicBezTo>
+                <a:cubicBezTo>
+                  <a:pt x="1924547" y="53362"/>
+                  <a:pt x="2066329" y="186827"/>
+                  <a:pt x="2221517" y="201269"/>
+                </a:cubicBezTo>
+                <a:cubicBezTo>
+                  <a:pt x="2376705" y="215711"/>
+                  <a:pt x="2435954" y="312649"/>
+                  <a:pt x="2633573" y="394152"/>
+                </a:cubicBezTo>
+                <a:cubicBezTo>
+                  <a:pt x="2831192" y="475655"/>
+                  <a:pt x="2975072" y="579360"/>
+                  <a:pt x="3081459" y="603807"/>
+                </a:cubicBezTo>
+                <a:cubicBezTo>
+                  <a:pt x="3187846" y="628254"/>
+                  <a:pt x="3327948" y="733409"/>
+                  <a:pt x="3583092" y="838621"/>
+                </a:cubicBezTo>
+                <a:cubicBezTo>
+                  <a:pt x="3409593" y="973269"/>
+                  <a:pt x="3314076" y="940232"/>
+                  <a:pt x="3171036" y="1031504"/>
+                </a:cubicBezTo>
+                <a:cubicBezTo>
+                  <a:pt x="3027996" y="1122776"/>
+                  <a:pt x="2811548" y="1171397"/>
+                  <a:pt x="2723150" y="1241159"/>
+                </a:cubicBezTo>
+                <a:cubicBezTo>
+                  <a:pt x="2634752" y="1310921"/>
+                  <a:pt x="2426019" y="1339527"/>
+                  <a:pt x="2275263" y="1450814"/>
+                </a:cubicBezTo>
+                <a:cubicBezTo>
+                  <a:pt x="2124507" y="1562101"/>
+                  <a:pt x="1992722" y="1540029"/>
+                  <a:pt x="1791546" y="1677242"/>
+                </a:cubicBezTo>
+                <a:cubicBezTo>
+                  <a:pt x="1608116" y="1641917"/>
+                  <a:pt x="1472753" y="1517645"/>
+                  <a:pt x="1307829" y="1450814"/>
+                </a:cubicBezTo>
+                <a:cubicBezTo>
+                  <a:pt x="1142905" y="1383983"/>
+                  <a:pt x="941964" y="1231114"/>
+                  <a:pt x="824111" y="1224387"/>
+                </a:cubicBezTo>
+                <a:cubicBezTo>
+                  <a:pt x="706258" y="1217660"/>
+                  <a:pt x="262727" y="943846"/>
+                  <a:pt x="0" y="838621"/>
+                </a:cubicBezTo>
+                <a:close/>
+              </a:path>
+            </a:pathLst>
+          </a:custGeom>
+          <a:noFill/>
+          <a:ln>
+            <a:solidFill>
+              <a:schemeClr val="tx2">
+                <a:lumMod val="20000"/>
+                <a:lumOff val="80000"/>
+              </a:schemeClr>
+            </a:solidFill>
+            <a:prstDash val="sysDot"/>
+            <a:extLst>
+              <a:ext uri="{C807C97D-BFC1-408E-A445-0C87EB9F89A2}">
+                <ask:lineSketchStyleProps xmlns:ask="http://schemas.microsoft.com/office/drawing/2018/sketchyshapes" sd="1219033472">
+                  <a:prstGeom prst="diamond">
+                    <a:avLst/>
+                  </a:prstGeom>
+                  <ask:type>
+                    <ask:lineSketchScribble/>
+                  </ask:type>
+                </ask:lineSketchStyleProps>
+              </a:ext>
+            </a:extLst>
+          </a:ln>
+        </p:spPr>
+        <p:style>
+          <a:lnRef idx="2">
+            <a:schemeClr val="accent1">
+              <a:shade val="50000"/>
+            </a:schemeClr>
+          </a:lnRef>
+          <a:fillRef idx="1">
+            <a:schemeClr val="accent1"/>
+          </a:fillRef>
+          <a:effectRef idx="0">
+            <a:schemeClr val="accent1"/>
+          </a:effectRef>
+          <a:fontRef idx="minor">
+            <a:schemeClr val="lt1"/>
+          </a:fontRef>
+        </p:style>
+        <p:txBody>
+          <a:bodyPr rtlCol="0" anchor="ctr"/>
+          <a:lstStyle/>
+          <a:p>
+            <a:pPr algn="ctr"/>
+            <a:endParaRPr lang="es-ES"/>
+          </a:p>
+        </p:txBody>
+      </p:sp>
+      <p:sp>
+        <p:nvSpPr>
+          <p:cNvPr id="18" name="Elipse 17">
+            <a:extLst>
+              <a:ext uri="{FF2B5EF4-FFF2-40B4-BE49-F238E27FC236}">
+                <a16:creationId xmlns:a16="http://schemas.microsoft.com/office/drawing/2014/main" id="{005D27F3-2808-4836-B4B6-515F3BC93E49}"/>
+              </a:ext>
+            </a:extLst>
+          </p:cNvPr>
+          <p:cNvSpPr/>
+          <p:nvPr/>
+        </p:nvSpPr>
+        <p:spPr>
+          <a:xfrm>
+            <a:off x="4450841" y="3514767"/>
+            <a:ext cx="1897927" cy="665979"/>
+          </a:xfrm>
+          <a:custGeom>
+            <a:avLst/>
+            <a:gdLst>
+              <a:gd name="connsiteX0" fmla="*/ 0 w 1897927"/>
+              <a:gd name="connsiteY0" fmla="*/ 332990 h 665979"/>
+              <a:gd name="connsiteX1" fmla="*/ 948964 w 1897927"/>
+              <a:gd name="connsiteY1" fmla="*/ 0 h 665979"/>
+              <a:gd name="connsiteX2" fmla="*/ 1897928 w 1897927"/>
+              <a:gd name="connsiteY2" fmla="*/ 332990 h 665979"/>
+              <a:gd name="connsiteX3" fmla="*/ 948964 w 1897927"/>
+              <a:gd name="connsiteY3" fmla="*/ 665980 h 665979"/>
+              <a:gd name="connsiteX4" fmla="*/ 0 w 1897927"/>
+              <a:gd name="connsiteY4" fmla="*/ 332990 h 665979"/>
+            </a:gdLst>
+            <a:ahLst/>
+            <a:cxnLst>
+              <a:cxn ang="0">
+                <a:pos x="connsiteX0" y="connsiteY0"/>
+              </a:cxn>
+              <a:cxn ang="0">
+                <a:pos x="connsiteX1" y="connsiteY1"/>
+              </a:cxn>
+              <a:cxn ang="0">
+                <a:pos x="connsiteX2" y="connsiteY2"/>
+              </a:cxn>
+              <a:cxn ang="0">
+                <a:pos x="connsiteX3" y="connsiteY3"/>
+              </a:cxn>
+              <a:cxn ang="0">
+                <a:pos x="connsiteX4" y="connsiteY4"/>
+              </a:cxn>
+            </a:cxnLst>
+            <a:rect l="l" t="t" r="r" b="b"/>
+            <a:pathLst>
+              <a:path w="1897927" h="665979" extrusionOk="0">
+                <a:moveTo>
+                  <a:pt x="0" y="332990"/>
+                </a:moveTo>
+                <a:cubicBezTo>
+                  <a:pt x="-76096" y="102147"/>
+                  <a:pt x="399776" y="9417"/>
+                  <a:pt x="948964" y="0"/>
+                </a:cubicBezTo>
+                <a:cubicBezTo>
+                  <a:pt x="1490705" y="3714"/>
+                  <a:pt x="1877466" y="149736"/>
+                  <a:pt x="1897928" y="332990"/>
+                </a:cubicBezTo>
+                <a:cubicBezTo>
+                  <a:pt x="1811860" y="600945"/>
+                  <a:pt x="1456530" y="757357"/>
+                  <a:pt x="948964" y="665980"/>
+                </a:cubicBezTo>
+                <a:cubicBezTo>
+                  <a:pt x="406293" y="655818"/>
+                  <a:pt x="5664" y="519602"/>
+                  <a:pt x="0" y="332990"/>
+                </a:cubicBezTo>
+                <a:close/>
+              </a:path>
+            </a:pathLst>
+          </a:custGeom>
+          <a:noFill/>
+          <a:ln>
+            <a:solidFill>
+              <a:schemeClr val="bg2">
+                <a:lumMod val="90000"/>
+              </a:schemeClr>
+            </a:solidFill>
+            <a:prstDash val="sysDot"/>
+            <a:extLst>
+              <a:ext uri="{C807C97D-BFC1-408E-A445-0C87EB9F89A2}">
+                <ask:lineSketchStyleProps xmlns:ask="http://schemas.microsoft.com/office/drawing/2018/sketchyshapes" sd="1219033472">
+                  <a:prstGeom prst="ellipse">
+                    <a:avLst/>
+                  </a:prstGeom>
+                  <ask:type>
+                    <ask:lineSketchScribble/>
+                  </ask:type>
+                </ask:lineSketchStyleProps>
+              </a:ext>
+            </a:extLst>
+          </a:ln>
+        </p:spPr>
+        <p:style>
+          <a:lnRef idx="2">
+            <a:schemeClr val="accent1">
+              <a:shade val="50000"/>
+            </a:schemeClr>
+          </a:lnRef>
+          <a:fillRef idx="1">
+            <a:schemeClr val="accent1"/>
+          </a:fillRef>
+          <a:effectRef idx="0">
+            <a:schemeClr val="accent1"/>
+          </a:effectRef>
+          <a:fontRef idx="minor">
+            <a:schemeClr val="lt1"/>
+          </a:fontRef>
+        </p:style>
+        <p:txBody>
+          <a:bodyPr rtlCol="0" anchor="ctr"/>
+          <a:lstStyle/>
+          <a:p>
+            <a:pPr algn="ctr"/>
+            <a:endParaRPr lang="es-ES"/>
+          </a:p>
+        </p:txBody>
+      </p:sp>
+      <mc:AlternateContent xmlns:mc="http://schemas.openxmlformats.org/markup-compatibility/2006">
+        <mc:Choice xmlns:a14="http://schemas.microsoft.com/office/drawing/2010/main" Requires="a14">
+          <p:sp>
+            <p:nvSpPr>
+              <p:cNvPr id="21" name="CuadroTexto 20">
+                <a:extLst>
+                  <a:ext uri="{FF2B5EF4-FFF2-40B4-BE49-F238E27FC236}">
+                    <a16:creationId xmlns:a16="http://schemas.microsoft.com/office/drawing/2014/main" id="{8D300126-9127-4A65-9728-64262B753385}"/>
+                  </a:ext>
+                </a:extLst>
+              </p:cNvPr>
+              <p:cNvSpPr txBox="1"/>
+              <p:nvPr/>
+            </p:nvSpPr>
+            <p:spPr>
+              <a:xfrm flipH="1">
+                <a:off x="6202013" y="1464489"/>
+                <a:ext cx="1853248" cy="316946"/>
+              </a:xfrm>
+              <a:prstGeom prst="rect">
+                <a:avLst/>
+              </a:prstGeom>
+              <a:noFill/>
+            </p:spPr>
+            <p:txBody>
+              <a:bodyPr wrap="square" rtlCol="0">
+                <a:spAutoFit/>
+              </a:bodyPr>
+              <a:lstStyle/>
+              <a:p>
+                <a14:m>
+                  <m:oMathPara xmlns:m="http://schemas.openxmlformats.org/officeDocument/2006/math">
+                    <m:oMathParaPr>
+                      <m:jc m:val="centerGroup"/>
+                    </m:oMathParaPr>
+                    <m:oMath xmlns:m="http://schemas.openxmlformats.org/officeDocument/2006/math">
+                      <m:sSup>
+                        <m:sSupPr>
+                          <m:ctrlPr>
+                            <a:rPr lang="es-ES" sz="1200" b="1" i="1" smtClean="0">
+                              <a:solidFill>
+                                <a:srgbClr val="C00000"/>
+                              </a:solidFill>
+                              <a:latin typeface="Cambria Math" panose="02040503050406030204" pitchFamily="18" charset="0"/>
+                            </a:rPr>
+                          </m:ctrlPr>
+                        </m:sSupPr>
+                        <m:e>
+                          <m:r>
+                            <a:rPr lang="es-ES" sz="1200" b="1" i="1" smtClean="0">
+                              <a:solidFill>
+                                <a:srgbClr val="C00000"/>
+                              </a:solidFill>
+                              <a:latin typeface="Cambria Math" panose="02040503050406030204" pitchFamily="18" charset="0"/>
+                            </a:rPr>
+                            <m:t>𝒆</m:t>
+                          </m:r>
+                        </m:e>
+                        <m:sup>
+                          <m:r>
+                            <a:rPr lang="es-ES" sz="1200" b="1" i="1" smtClean="0">
+                              <a:solidFill>
+                                <a:srgbClr val="C00000"/>
+                              </a:solidFill>
+                              <a:latin typeface="Cambria Math" panose="02040503050406030204" pitchFamily="18" charset="0"/>
+                            </a:rPr>
+                            <m:t>𝒓</m:t>
+                          </m:r>
+                        </m:sup>
+                      </m:sSup>
+                      <m:r>
+                        <a:rPr lang="es-ES" sz="1200" b="1" i="1" smtClean="0">
+                          <a:solidFill>
+                            <a:srgbClr val="C00000"/>
+                          </a:solidFill>
+                          <a:latin typeface="Cambria Math" panose="02040503050406030204" pitchFamily="18" charset="0"/>
+                        </a:rPr>
+                        <m:t>, </m:t>
+                      </m:r>
+                      <m:r>
+                        <a:rPr lang="es-ES" sz="1200" b="1" i="1" smtClean="0">
+                          <a:solidFill>
+                            <a:srgbClr val="C00000"/>
+                          </a:solidFill>
+                          <a:latin typeface="Cambria Math" panose="02040503050406030204" pitchFamily="18" charset="0"/>
+                        </a:rPr>
+                        <m:t>𝒓</m:t>
+                      </m:r>
+                      <m:r>
+                        <a:rPr lang="es-ES" sz="1200" b="1" i="1" smtClean="0">
+                          <a:solidFill>
+                            <a:srgbClr val="C00000"/>
+                          </a:solidFill>
+                          <a:latin typeface="Cambria Math" panose="02040503050406030204" pitchFamily="18" charset="0"/>
+                        </a:rPr>
+                        <m:t>=</m:t>
+                      </m:r>
+                      <m:rad>
+                        <m:radPr>
+                          <m:degHide m:val="on"/>
+                          <m:ctrlPr>
+                            <a:rPr lang="es-ES" sz="1200" b="1" i="1" smtClean="0">
+                              <a:solidFill>
+                                <a:srgbClr val="C00000"/>
+                              </a:solidFill>
+                              <a:latin typeface="Cambria Math" panose="02040503050406030204" pitchFamily="18" charset="0"/>
+                            </a:rPr>
+                          </m:ctrlPr>
+                        </m:radPr>
+                        <m:deg/>
+                        <m:e>
+                          <m:sSup>
+                            <m:sSupPr>
+                              <m:ctrlPr>
+                                <a:rPr lang="es-ES" sz="1200" b="1" i="1" smtClean="0">
+                                  <a:solidFill>
+                                    <a:srgbClr val="C00000"/>
+                                  </a:solidFill>
+                                  <a:latin typeface="Cambria Math" panose="02040503050406030204" pitchFamily="18" charset="0"/>
+                                </a:rPr>
+                              </m:ctrlPr>
+                            </m:sSupPr>
+                            <m:e>
+                              <m:sSup>
+                                <m:sSupPr>
+                                  <m:ctrlPr>
+                                    <a:rPr lang="es-ES" sz="1200" b="1" i="1" smtClean="0">
+                                      <a:solidFill>
+                                        <a:srgbClr val="C00000"/>
+                                      </a:solidFill>
+                                      <a:latin typeface="Cambria Math" panose="02040503050406030204" pitchFamily="18" charset="0"/>
+                                    </a:rPr>
+                                  </m:ctrlPr>
+                                </m:sSupPr>
+                                <m:e>
+                                  <m:r>
+                                    <a:rPr lang="es-ES" sz="1200" b="1" i="1" smtClean="0">
+                                      <a:solidFill>
+                                        <a:srgbClr val="C00000"/>
+                                      </a:solidFill>
+                                      <a:latin typeface="Cambria Math" panose="02040503050406030204" pitchFamily="18" charset="0"/>
+                                    </a:rPr>
+                                    <m:t>𝒙</m:t>
+                                  </m:r>
+                                </m:e>
+                                <m:sup>
+                                  <m:r>
+                                    <a:rPr lang="es-ES" sz="1200" b="1" i="1" smtClean="0">
+                                      <a:solidFill>
+                                        <a:srgbClr val="C00000"/>
+                                      </a:solidFill>
+                                      <a:latin typeface="Cambria Math" panose="02040503050406030204" pitchFamily="18" charset="0"/>
+                                    </a:rPr>
+                                    <m:t>𝟐</m:t>
+                                  </m:r>
+                                  <m:r>
+                                    <a:rPr lang="es-ES" sz="1200" b="1" i="1" smtClean="0">
+                                      <a:solidFill>
+                                        <a:srgbClr val="C00000"/>
+                                      </a:solidFill>
+                                      <a:latin typeface="Cambria Math" panose="02040503050406030204" pitchFamily="18" charset="0"/>
+                                    </a:rPr>
+                                    <m:t>+</m:t>
+                                  </m:r>
+                                </m:sup>
+                              </m:sSup>
+                              <m:r>
+                                <a:rPr lang="es-ES" sz="1200" b="1" i="1" smtClean="0">
+                                  <a:solidFill>
+                                    <a:srgbClr val="C00000"/>
+                                  </a:solidFill>
+                                  <a:latin typeface="Cambria Math" panose="02040503050406030204" pitchFamily="18" charset="0"/>
+                                </a:rPr>
+                                <m:t>𝒚</m:t>
+                              </m:r>
+                            </m:e>
+                            <m:sup>
+                              <m:r>
+                                <a:rPr lang="es-ES" sz="1200" b="1" i="1" smtClean="0">
+                                  <a:solidFill>
+                                    <a:srgbClr val="C00000"/>
+                                  </a:solidFill>
+                                  <a:latin typeface="Cambria Math" panose="02040503050406030204" pitchFamily="18" charset="0"/>
+                                </a:rPr>
+                                <m:t>𝟐</m:t>
+                              </m:r>
+                            </m:sup>
+                          </m:sSup>
+                        </m:e>
+                      </m:rad>
+                    </m:oMath>
+                  </m:oMathPara>
+                </a14:m>
+                <a:endParaRPr lang="es-ES" sz="1200" b="1" dirty="0">
+                  <a:solidFill>
+                    <a:srgbClr val="C00000"/>
+                  </a:solidFill>
+                </a:endParaRPr>
+              </a:p>
+            </p:txBody>
+          </p:sp>
+        </mc:Choice>
+        <mc:Fallback>
+          <p:sp>
+            <p:nvSpPr>
+              <p:cNvPr id="21" name="CuadroTexto 20">
+                <a:extLst>
+                  <a:ext uri="{FF2B5EF4-FFF2-40B4-BE49-F238E27FC236}">
+                    <a16:creationId xmlns:a16="http://schemas.microsoft.com/office/drawing/2014/main" id="{8D300126-9127-4A65-9728-64262B753385}"/>
+                  </a:ext>
+                </a:extLst>
+              </p:cNvPr>
+              <p:cNvSpPr txBox="1">
+                <a:spLocks noRot="1" noChangeAspect="1" noMove="1" noResize="1" noEditPoints="1" noAdjustHandles="1" noChangeArrowheads="1" noChangeShapeType="1" noTextEdit="1"/>
+              </p:cNvSpPr>
+              <p:nvPr/>
+            </p:nvSpPr>
+            <p:spPr>
+              <a:xfrm flipH="1">
+                <a:off x="6202013" y="1464489"/>
+                <a:ext cx="1853248" cy="316946"/>
+              </a:xfrm>
+              <a:prstGeom prst="rect">
+                <a:avLst/>
+              </a:prstGeom>
+              <a:blipFill>
+                <a:blip r:embed="rId2"/>
+                <a:stretch>
+                  <a:fillRect/>
+                </a:stretch>
+              </a:blipFill>
+            </p:spPr>
+            <p:txBody>
+              <a:bodyPr/>
+              <a:lstStyle/>
+              <a:p>
+                <a:r>
+                  <a:rPr lang="es-ES">
+                    <a:noFill/>
+                  </a:rPr>
+                  <a:t> </a:t>
+                </a:r>
+              </a:p>
+            </p:txBody>
+          </p:sp>
+        </mc:Fallback>
+      </mc:AlternateContent>
+      <mc:AlternateContent xmlns:mc="http://schemas.openxmlformats.org/markup-compatibility/2006">
+        <mc:Choice xmlns:a14="http://schemas.microsoft.com/office/drawing/2010/main" Requires="a14">
+          <p:sp>
+            <p:nvSpPr>
+              <p:cNvPr id="22" name="CuadroTexto 21">
+                <a:extLst>
+                  <a:ext uri="{FF2B5EF4-FFF2-40B4-BE49-F238E27FC236}">
+                    <a16:creationId xmlns:a16="http://schemas.microsoft.com/office/drawing/2014/main" id="{1CEFC89C-66CF-4FDD-8266-0104EB3BB069}"/>
+                  </a:ext>
+                </a:extLst>
+              </p:cNvPr>
+              <p:cNvSpPr txBox="1"/>
+              <p:nvPr/>
+            </p:nvSpPr>
+            <p:spPr>
+              <a:xfrm flipH="1">
+                <a:off x="4545943" y="1592958"/>
+                <a:ext cx="1853248" cy="281167"/>
+              </a:xfrm>
+              <a:prstGeom prst="rect">
+                <a:avLst/>
+              </a:prstGeom>
+              <a:noFill/>
+            </p:spPr>
+            <p:txBody>
+              <a:bodyPr wrap="square" rtlCol="0">
+                <a:spAutoFit/>
+              </a:bodyPr>
+              <a:lstStyle/>
+              <a:p>
+                <a14:m>
+                  <m:oMathPara xmlns:m="http://schemas.openxmlformats.org/officeDocument/2006/math">
+                    <m:oMathParaPr>
+                      <m:jc m:val="centerGroup"/>
+                    </m:oMathParaPr>
+                    <m:oMath xmlns:m="http://schemas.openxmlformats.org/officeDocument/2006/math">
+                      <m:sSup>
+                        <m:sSupPr>
+                          <m:ctrlPr>
+                            <a:rPr lang="es-ES" sz="1200" b="1" i="1" smtClean="0">
+                              <a:solidFill>
+                                <a:schemeClr val="tx1">
+                                  <a:lumMod val="65000"/>
+                                  <a:lumOff val="35000"/>
+                                </a:schemeClr>
+                              </a:solidFill>
+                              <a:latin typeface="Cambria Math" panose="02040503050406030204" pitchFamily="18" charset="0"/>
+                            </a:rPr>
+                          </m:ctrlPr>
+                        </m:sSupPr>
+                        <m:e>
+                          <m:r>
+                            <a:rPr lang="es-ES" sz="1200" b="1" i="1" smtClean="0">
+                              <a:solidFill>
+                                <a:schemeClr val="tx1">
+                                  <a:lumMod val="65000"/>
+                                  <a:lumOff val="35000"/>
+                                </a:schemeClr>
+                              </a:solidFill>
+                              <a:latin typeface="Cambria Math" panose="02040503050406030204" pitchFamily="18" charset="0"/>
+                            </a:rPr>
+                            <m:t>𝒚</m:t>
+                          </m:r>
+                        </m:e>
+                        <m:sup>
+                          <m:r>
+                            <a:rPr lang="es-ES" sz="1200" b="1" i="1" smtClean="0">
+                              <a:solidFill>
+                                <a:schemeClr val="tx1">
+                                  <a:lumMod val="65000"/>
+                                  <a:lumOff val="35000"/>
+                                </a:schemeClr>
+                              </a:solidFill>
+                              <a:latin typeface="Cambria Math" panose="02040503050406030204" pitchFamily="18" charset="0"/>
+                            </a:rPr>
+                            <m:t>𝟐</m:t>
+                          </m:r>
+                        </m:sup>
+                      </m:sSup>
+                      <m:r>
+                        <a:rPr lang="es-ES" sz="1200" b="1" i="1" smtClean="0">
+                          <a:solidFill>
+                            <a:schemeClr val="tx1">
+                              <a:lumMod val="65000"/>
+                              <a:lumOff val="35000"/>
+                            </a:schemeClr>
+                          </a:solidFill>
+                          <a:latin typeface="Cambria Math" panose="02040503050406030204" pitchFamily="18" charset="0"/>
+                        </a:rPr>
+                        <m:t>+</m:t>
+                      </m:r>
+                      <m:sSup>
+                        <m:sSupPr>
+                          <m:ctrlPr>
+                            <a:rPr lang="es-ES" sz="1200" b="1" i="1" smtClean="0">
+                              <a:solidFill>
+                                <a:schemeClr val="tx1">
+                                  <a:lumMod val="65000"/>
+                                  <a:lumOff val="35000"/>
+                                </a:schemeClr>
+                              </a:solidFill>
+                              <a:latin typeface="Cambria Math" panose="02040503050406030204" pitchFamily="18" charset="0"/>
+                            </a:rPr>
+                          </m:ctrlPr>
+                        </m:sSupPr>
+                        <m:e>
+                          <m:r>
+                            <a:rPr lang="es-ES" sz="1200" b="1" i="1" smtClean="0">
+                              <a:solidFill>
+                                <a:schemeClr val="tx1">
+                                  <a:lumMod val="65000"/>
+                                  <a:lumOff val="35000"/>
+                                </a:schemeClr>
+                              </a:solidFill>
+                              <a:latin typeface="Cambria Math" panose="02040503050406030204" pitchFamily="18" charset="0"/>
+                            </a:rPr>
+                            <m:t>𝒙</m:t>
+                          </m:r>
+                        </m:e>
+                        <m:sup>
+                          <m:r>
+                            <a:rPr lang="es-ES" sz="1200" b="1" i="1" smtClean="0">
+                              <a:solidFill>
+                                <a:schemeClr val="tx1">
+                                  <a:lumMod val="65000"/>
+                                  <a:lumOff val="35000"/>
+                                </a:schemeClr>
+                              </a:solidFill>
+                              <a:latin typeface="Cambria Math" panose="02040503050406030204" pitchFamily="18" charset="0"/>
+                            </a:rPr>
+                            <m:t>𝟐</m:t>
+                          </m:r>
+                        </m:sup>
+                      </m:sSup>
+                      <m:r>
+                        <a:rPr lang="es-ES" sz="1200" b="1" i="1" smtClean="0">
+                          <a:solidFill>
+                            <a:schemeClr val="tx1">
+                              <a:lumMod val="65000"/>
+                              <a:lumOff val="35000"/>
+                            </a:schemeClr>
+                          </a:solidFill>
+                          <a:latin typeface="Cambria Math" panose="02040503050406030204" pitchFamily="18" charset="0"/>
+                        </a:rPr>
+                        <m:t>=</m:t>
+                      </m:r>
+                      <m:r>
+                        <a:rPr lang="es-ES" sz="1200" b="1" i="1" smtClean="0">
+                          <a:solidFill>
+                            <a:schemeClr val="tx1">
+                              <a:lumMod val="65000"/>
+                              <a:lumOff val="35000"/>
+                            </a:schemeClr>
+                          </a:solidFill>
+                          <a:latin typeface="Cambria Math" panose="02040503050406030204" pitchFamily="18" charset="0"/>
+                        </a:rPr>
+                        <m:t>𝟏</m:t>
+                      </m:r>
+                    </m:oMath>
+                  </m:oMathPara>
+                </a14:m>
+                <a:endParaRPr lang="es-ES" sz="1200" b="1" dirty="0">
+                  <a:solidFill>
+                    <a:schemeClr val="tx1">
+                      <a:lumMod val="65000"/>
+                      <a:lumOff val="35000"/>
+                    </a:schemeClr>
+                  </a:solidFill>
+                </a:endParaRPr>
+              </a:p>
+            </p:txBody>
+          </p:sp>
+        </mc:Choice>
+        <mc:Fallback>
+          <p:sp>
+            <p:nvSpPr>
+              <p:cNvPr id="22" name="CuadroTexto 21">
+                <a:extLst>
+                  <a:ext uri="{FF2B5EF4-FFF2-40B4-BE49-F238E27FC236}">
+                    <a16:creationId xmlns:a16="http://schemas.microsoft.com/office/drawing/2014/main" id="{1CEFC89C-66CF-4FDD-8266-0104EB3BB069}"/>
+                  </a:ext>
+                </a:extLst>
+              </p:cNvPr>
+              <p:cNvSpPr txBox="1">
+                <a:spLocks noRot="1" noChangeAspect="1" noMove="1" noResize="1" noEditPoints="1" noAdjustHandles="1" noChangeArrowheads="1" noChangeShapeType="1" noTextEdit="1"/>
+              </p:cNvSpPr>
+              <p:nvPr/>
+            </p:nvSpPr>
+            <p:spPr>
+              <a:xfrm flipH="1">
+                <a:off x="4545943" y="1592958"/>
+                <a:ext cx="1853248" cy="281167"/>
+              </a:xfrm>
+              <a:prstGeom prst="rect">
+                <a:avLst/>
+              </a:prstGeom>
+              <a:blipFill>
+                <a:blip r:embed="rId3"/>
+                <a:stretch>
+                  <a:fillRect/>
+                </a:stretch>
+              </a:blipFill>
+            </p:spPr>
+            <p:txBody>
+              <a:bodyPr/>
+              <a:lstStyle/>
+              <a:p>
+                <a:r>
+                  <a:rPr lang="es-ES">
+                    <a:noFill/>
+                  </a:rPr>
+                  <a:t> </a:t>
+                </a:r>
+              </a:p>
+            </p:txBody>
+          </p:sp>
+        </mc:Fallback>
+      </mc:AlternateContent>
+      <p:cxnSp>
+        <p:nvCxnSpPr>
+          <p:cNvPr id="3" name="Conector recto 2">
+            <a:extLst>
+              <a:ext uri="{FF2B5EF4-FFF2-40B4-BE49-F238E27FC236}">
+                <a16:creationId xmlns:a16="http://schemas.microsoft.com/office/drawing/2014/main" id="{96EE535D-1D89-4F17-BDC6-384AA98C96A0}"/>
+              </a:ext>
+            </a:extLst>
+          </p:cNvPr>
+          <p:cNvCxnSpPr>
+            <a:cxnSpLocks/>
+          </p:cNvCxnSpPr>
+          <p:nvPr/>
+        </p:nvCxnSpPr>
+        <p:spPr>
+          <a:xfrm flipH="1">
+            <a:off x="4426653" y="2142214"/>
+            <a:ext cx="34142" cy="1707026"/>
+          </a:xfrm>
+          <a:prstGeom prst="line">
+            <a:avLst/>
+          </a:prstGeom>
+          <a:ln>
+            <a:solidFill>
+              <a:srgbClr val="FF0000"/>
+            </a:solidFill>
+          </a:ln>
+        </p:spPr>
+        <p:style>
+          <a:lnRef idx="1">
+            <a:schemeClr val="accent1"/>
+          </a:lnRef>
+          <a:fillRef idx="0">
+            <a:schemeClr val="accent1"/>
+          </a:fillRef>
+          <a:effectRef idx="0">
+            <a:schemeClr val="accent1"/>
+          </a:effectRef>
+          <a:fontRef idx="minor">
+            <a:schemeClr val="tx1"/>
+          </a:fontRef>
+        </p:style>
+      </p:cxnSp>
+      <p:sp>
+        <p:nvSpPr>
+          <p:cNvPr id="23" name="CuadroTexto 22">
+            <a:extLst>
+              <a:ext uri="{FF2B5EF4-FFF2-40B4-BE49-F238E27FC236}">
+                <a16:creationId xmlns:a16="http://schemas.microsoft.com/office/drawing/2014/main" id="{B418D041-04AD-46CD-83E4-ACF4E6FAF7CF}"/>
+              </a:ext>
+            </a:extLst>
+          </p:cNvPr>
+          <p:cNvSpPr txBox="1"/>
+          <p:nvPr/>
+        </p:nvSpPr>
+        <p:spPr>
+          <a:xfrm>
+            <a:off x="3743641" y="1972455"/>
+            <a:ext cx="744114" cy="369332"/>
+          </a:xfrm>
+          <a:prstGeom prst="rect">
+            <a:avLst/>
+          </a:prstGeom>
+          <a:noFill/>
+        </p:spPr>
+        <p:txBody>
+          <a:bodyPr wrap="none" rtlCol="0">
+            <a:spAutoFit/>
+          </a:bodyPr>
+          <a:lstStyle/>
+          <a:p>
+            <a:r>
+              <a:rPr lang="es-ES" dirty="0">
+                <a:solidFill>
+                  <a:schemeClr val="bg1">
+                    <a:lumMod val="75000"/>
+                  </a:schemeClr>
+                </a:solidFill>
+              </a:rPr>
+              <a:t>(</a:t>
+            </a:r>
+            <a:r>
+              <a:rPr lang="es-ES" sz="1400" dirty="0">
+                <a:solidFill>
+                  <a:schemeClr val="bg1">
+                    <a:lumMod val="75000"/>
+                  </a:schemeClr>
+                </a:solidFill>
+              </a:rPr>
+              <a:t>-1,0,e</a:t>
+            </a:r>
+            <a:r>
+              <a:rPr lang="es-ES" dirty="0">
+                <a:solidFill>
+                  <a:schemeClr val="bg1">
+                    <a:lumMod val="75000"/>
+                  </a:schemeClr>
+                </a:solidFill>
+              </a:rPr>
+              <a:t>)</a:t>
+            </a:r>
+          </a:p>
+        </p:txBody>
+      </p:sp>
+      <p:cxnSp>
+        <p:nvCxnSpPr>
+          <p:cNvPr id="15" name="Conector recto 14">
+            <a:extLst>
+              <a:ext uri="{FF2B5EF4-FFF2-40B4-BE49-F238E27FC236}">
+                <a16:creationId xmlns:a16="http://schemas.microsoft.com/office/drawing/2014/main" id="{FE32788E-52AB-4984-8AD5-B0508961C2F9}"/>
+              </a:ext>
+            </a:extLst>
+          </p:cNvPr>
+          <p:cNvCxnSpPr/>
+          <p:nvPr/>
+        </p:nvCxnSpPr>
+        <p:spPr>
+          <a:xfrm flipH="1">
+            <a:off x="6342008" y="2168126"/>
+            <a:ext cx="34142" cy="1707026"/>
+          </a:xfrm>
+          <a:prstGeom prst="line">
+            <a:avLst/>
+          </a:prstGeom>
+          <a:ln>
+            <a:solidFill>
+              <a:srgbClr val="FF0000"/>
+            </a:solidFill>
+          </a:ln>
+        </p:spPr>
+        <p:style>
+          <a:lnRef idx="1">
+            <a:schemeClr val="accent1"/>
+          </a:lnRef>
+          <a:fillRef idx="0">
+            <a:schemeClr val="accent1"/>
+          </a:fillRef>
+          <a:effectRef idx="0">
+            <a:schemeClr val="accent1"/>
+          </a:effectRef>
+          <a:fontRef idx="minor">
+            <a:schemeClr val="tx1"/>
+          </a:fontRef>
+        </p:style>
+      </p:cxnSp>
+      <p:sp>
+        <p:nvSpPr>
+          <p:cNvPr id="19" name="CuadroTexto 18">
+            <a:extLst>
+              <a:ext uri="{FF2B5EF4-FFF2-40B4-BE49-F238E27FC236}">
+                <a16:creationId xmlns:a16="http://schemas.microsoft.com/office/drawing/2014/main" id="{38D2E3BB-317E-4C60-8A1F-B4E73BC2918C}"/>
+              </a:ext>
+            </a:extLst>
+          </p:cNvPr>
+          <p:cNvSpPr txBox="1"/>
+          <p:nvPr/>
+        </p:nvSpPr>
+        <p:spPr>
+          <a:xfrm>
+            <a:off x="6366357" y="3698059"/>
+            <a:ext cx="689612" cy="369332"/>
+          </a:xfrm>
+          <a:prstGeom prst="rect">
+            <a:avLst/>
+          </a:prstGeom>
+          <a:noFill/>
+        </p:spPr>
+        <p:txBody>
+          <a:bodyPr wrap="none" rtlCol="0">
+            <a:spAutoFit/>
+          </a:bodyPr>
+          <a:lstStyle/>
+          <a:p>
+            <a:r>
+              <a:rPr lang="es-ES" dirty="0">
+                <a:solidFill>
+                  <a:schemeClr val="bg1">
+                    <a:lumMod val="75000"/>
+                  </a:schemeClr>
+                </a:solidFill>
+              </a:rPr>
+              <a:t>(</a:t>
+            </a:r>
+            <a:r>
+              <a:rPr lang="es-ES" sz="1400" dirty="0">
+                <a:solidFill>
+                  <a:schemeClr val="bg1">
+                    <a:lumMod val="75000"/>
+                  </a:schemeClr>
+                </a:solidFill>
+              </a:rPr>
+              <a:t>1,0,0</a:t>
+            </a:r>
+            <a:r>
+              <a:rPr lang="es-ES" dirty="0">
+                <a:solidFill>
+                  <a:schemeClr val="bg1">
+                    <a:lumMod val="75000"/>
+                  </a:schemeClr>
+                </a:solidFill>
+              </a:rPr>
+              <a:t>)</a:t>
+            </a:r>
+          </a:p>
+        </p:txBody>
+      </p:sp>
+      <p:sp>
+        <p:nvSpPr>
+          <p:cNvPr id="5" name="Elipse 4">
+            <a:extLst>
+              <a:ext uri="{FF2B5EF4-FFF2-40B4-BE49-F238E27FC236}">
+                <a16:creationId xmlns:a16="http://schemas.microsoft.com/office/drawing/2014/main" id="{B909CF12-C7A0-46BB-9E24-14724F08FF0E}"/>
+              </a:ext>
+            </a:extLst>
+          </p:cNvPr>
+          <p:cNvSpPr/>
+          <p:nvPr/>
+        </p:nvSpPr>
+        <p:spPr>
+          <a:xfrm>
+            <a:off x="4491731" y="1884150"/>
+            <a:ext cx="1897927" cy="557981"/>
+          </a:xfrm>
+          <a:custGeom>
+            <a:avLst/>
+            <a:gdLst>
+              <a:gd name="connsiteX0" fmla="*/ 0 w 1897927"/>
+              <a:gd name="connsiteY0" fmla="*/ 278991 h 557981"/>
+              <a:gd name="connsiteX1" fmla="*/ 948964 w 1897927"/>
+              <a:gd name="connsiteY1" fmla="*/ 0 h 557981"/>
+              <a:gd name="connsiteX2" fmla="*/ 1897928 w 1897927"/>
+              <a:gd name="connsiteY2" fmla="*/ 278991 h 557981"/>
+              <a:gd name="connsiteX3" fmla="*/ 948964 w 1897927"/>
+              <a:gd name="connsiteY3" fmla="*/ 557982 h 557981"/>
+              <a:gd name="connsiteX4" fmla="*/ 0 w 1897927"/>
+              <a:gd name="connsiteY4" fmla="*/ 278991 h 557981"/>
+            </a:gdLst>
+            <a:ahLst/>
+            <a:cxnLst>
+              <a:cxn ang="0">
+                <a:pos x="connsiteX0" y="connsiteY0"/>
+              </a:cxn>
+              <a:cxn ang="0">
+                <a:pos x="connsiteX1" y="connsiteY1"/>
+              </a:cxn>
+              <a:cxn ang="0">
+                <a:pos x="connsiteX2" y="connsiteY2"/>
+              </a:cxn>
+              <a:cxn ang="0">
+                <a:pos x="connsiteX3" y="connsiteY3"/>
+              </a:cxn>
+              <a:cxn ang="0">
+                <a:pos x="connsiteX4" y="connsiteY4"/>
+              </a:cxn>
+            </a:cxnLst>
+            <a:rect l="l" t="t" r="r" b="b"/>
+            <a:pathLst>
+              <a:path w="1897927" h="557981" extrusionOk="0">
+                <a:moveTo>
+                  <a:pt x="0" y="278991"/>
+                </a:moveTo>
+                <a:cubicBezTo>
+                  <a:pt x="-85917" y="71914"/>
+                  <a:pt x="381687" y="16206"/>
+                  <a:pt x="948964" y="0"/>
+                </a:cubicBezTo>
+                <a:cubicBezTo>
+                  <a:pt x="1476980" y="825"/>
+                  <a:pt x="1880303" y="125469"/>
+                  <a:pt x="1897928" y="278991"/>
+                </a:cubicBezTo>
+                <a:cubicBezTo>
+                  <a:pt x="1885292" y="445413"/>
+                  <a:pt x="1465392" y="600375"/>
+                  <a:pt x="948964" y="557982"/>
+                </a:cubicBezTo>
+                <a:cubicBezTo>
+                  <a:pt x="388372" y="538015"/>
+                  <a:pt x="6685" y="436267"/>
+                  <a:pt x="0" y="278991"/>
+                </a:cubicBezTo>
+                <a:close/>
+              </a:path>
+            </a:pathLst>
+          </a:custGeom>
+          <a:solidFill>
+            <a:schemeClr val="bg1"/>
+          </a:solidFill>
+          <a:ln>
+            <a:prstDash val="sysDot"/>
+            <a:extLst>
+              <a:ext uri="{C807C97D-BFC1-408E-A445-0C87EB9F89A2}">
+                <ask:lineSketchStyleProps xmlns:ask="http://schemas.microsoft.com/office/drawing/2018/sketchyshapes" sd="1219033472">
+                  <a:prstGeom prst="ellipse">
+                    <a:avLst/>
+                  </a:prstGeom>
+                  <ask:type>
+                    <ask:lineSketchScribble/>
+                  </ask:type>
+                </ask:lineSketchStyleProps>
+              </a:ext>
+            </a:extLst>
+          </a:ln>
+        </p:spPr>
+        <p:style>
+          <a:lnRef idx="2">
+            <a:schemeClr val="accent1">
+              <a:shade val="50000"/>
+            </a:schemeClr>
+          </a:lnRef>
+          <a:fillRef idx="1">
+            <a:schemeClr val="accent1"/>
+          </a:fillRef>
+          <a:effectRef idx="0">
+            <a:schemeClr val="accent1"/>
+          </a:effectRef>
+          <a:fontRef idx="minor">
+            <a:schemeClr val="lt1"/>
+          </a:fontRef>
+        </p:style>
+        <p:txBody>
+          <a:bodyPr rtlCol="0" anchor="ctr"/>
+          <a:lstStyle/>
+          <a:p>
+            <a:pPr algn="ctr"/>
+            <a:endParaRPr lang="es-ES"/>
+          </a:p>
+        </p:txBody>
+      </p:sp>
+      <p:cxnSp>
+        <p:nvCxnSpPr>
+          <p:cNvPr id="12" name="Conector recto 11">
+            <a:extLst>
+              <a:ext uri="{FF2B5EF4-FFF2-40B4-BE49-F238E27FC236}">
+                <a16:creationId xmlns:a16="http://schemas.microsoft.com/office/drawing/2014/main" id="{77AD4ECD-18EA-43D0-9F32-3B797AEF5386}"/>
+              </a:ext>
+            </a:extLst>
+          </p:cNvPr>
+          <p:cNvCxnSpPr/>
+          <p:nvPr/>
+        </p:nvCxnSpPr>
+        <p:spPr>
+          <a:xfrm>
+            <a:off x="4482199" y="2560320"/>
+            <a:ext cx="932727" cy="449172"/>
+          </a:xfrm>
+          <a:prstGeom prst="line">
+            <a:avLst/>
+          </a:prstGeom>
+          <a:ln>
+            <a:solidFill>
+              <a:srgbClr val="FFCCFF"/>
+            </a:solidFill>
+          </a:ln>
+        </p:spPr>
+        <p:style>
+          <a:lnRef idx="1">
+            <a:schemeClr val="accent1"/>
+          </a:lnRef>
+          <a:fillRef idx="0">
+            <a:schemeClr val="accent1"/>
+          </a:fillRef>
+          <a:effectRef idx="0">
+            <a:schemeClr val="accent1"/>
+          </a:effectRef>
+          <a:fontRef idx="minor">
+            <a:schemeClr val="tx1"/>
+          </a:fontRef>
+        </p:style>
+      </p:cxnSp>
+      <p:cxnSp>
+        <p:nvCxnSpPr>
+          <p:cNvPr id="16" name="Conector recto 15">
+            <a:extLst>
+              <a:ext uri="{FF2B5EF4-FFF2-40B4-BE49-F238E27FC236}">
+                <a16:creationId xmlns:a16="http://schemas.microsoft.com/office/drawing/2014/main" id="{D3B3C2DA-F4BE-4C6B-9392-B8E58CB85330}"/>
+              </a:ext>
+            </a:extLst>
+          </p:cNvPr>
+          <p:cNvCxnSpPr/>
+          <p:nvPr/>
+        </p:nvCxnSpPr>
+        <p:spPr>
+          <a:xfrm flipV="1">
+            <a:off x="5440694" y="2607733"/>
+            <a:ext cx="908074" cy="434021"/>
+          </a:xfrm>
+          <a:prstGeom prst="line">
+            <a:avLst/>
+          </a:prstGeom>
+          <a:ln>
+            <a:solidFill>
+              <a:srgbClr val="FFCCFF"/>
+            </a:solidFill>
+          </a:ln>
+        </p:spPr>
+        <p:style>
+          <a:lnRef idx="1">
+            <a:schemeClr val="accent1"/>
+          </a:lnRef>
+          <a:fillRef idx="0">
+            <a:schemeClr val="accent1"/>
+          </a:fillRef>
+          <a:effectRef idx="0">
+            <a:schemeClr val="accent1"/>
+          </a:effectRef>
+          <a:fontRef idx="minor">
+            <a:schemeClr val="tx1"/>
+          </a:fontRef>
+        </p:style>
+      </p:cxnSp>
+      <p:sp>
+        <p:nvSpPr>
+          <p:cNvPr id="34" name="Forma libre: forma 33">
+            <a:extLst>
+              <a:ext uri="{FF2B5EF4-FFF2-40B4-BE49-F238E27FC236}">
+                <a16:creationId xmlns:a16="http://schemas.microsoft.com/office/drawing/2014/main" id="{3B78A223-2C96-4611-9424-116204C7CBF3}"/>
+              </a:ext>
+            </a:extLst>
+          </p:cNvPr>
+          <p:cNvSpPr/>
+          <p:nvPr/>
+        </p:nvSpPr>
+        <p:spPr>
+          <a:xfrm>
+            <a:off x="4434863" y="2675467"/>
+            <a:ext cx="1532444" cy="1510453"/>
+          </a:xfrm>
+          <a:custGeom>
+            <a:avLst/>
+            <a:gdLst>
+              <a:gd name="connsiteX0" fmla="*/ 8444 w 1532444"/>
+              <a:gd name="connsiteY0" fmla="*/ 0 h 1510453"/>
+              <a:gd name="connsiteX1" fmla="*/ 103270 w 1532444"/>
+              <a:gd name="connsiteY1" fmla="*/ 74506 h 1510453"/>
+              <a:gd name="connsiteX2" fmla="*/ 28764 w 1532444"/>
+              <a:gd name="connsiteY2" fmla="*/ 270933 h 1510453"/>
+              <a:gd name="connsiteX3" fmla="*/ 177777 w 1532444"/>
+              <a:gd name="connsiteY3" fmla="*/ 352213 h 1510453"/>
+              <a:gd name="connsiteX4" fmla="*/ 8444 w 1532444"/>
+              <a:gd name="connsiteY4" fmla="*/ 555413 h 1510453"/>
+              <a:gd name="connsiteX5" fmla="*/ 313244 w 1532444"/>
+              <a:gd name="connsiteY5" fmla="*/ 704426 h 1510453"/>
+              <a:gd name="connsiteX6" fmla="*/ 1670 w 1532444"/>
+              <a:gd name="connsiteY6" fmla="*/ 1029546 h 1510453"/>
+              <a:gd name="connsiteX7" fmla="*/ 482577 w 1532444"/>
+              <a:gd name="connsiteY7" fmla="*/ 1090506 h 1510453"/>
+              <a:gd name="connsiteX8" fmla="*/ 326790 w 1532444"/>
+              <a:gd name="connsiteY8" fmla="*/ 1354666 h 1510453"/>
+              <a:gd name="connsiteX9" fmla="*/ 631590 w 1532444"/>
+              <a:gd name="connsiteY9" fmla="*/ 1219200 h 1510453"/>
+              <a:gd name="connsiteX10" fmla="*/ 638364 w 1532444"/>
+              <a:gd name="connsiteY10" fmla="*/ 1449493 h 1510453"/>
+              <a:gd name="connsiteX11" fmla="*/ 719644 w 1532444"/>
+              <a:gd name="connsiteY11" fmla="*/ 1354666 h 1510453"/>
+              <a:gd name="connsiteX12" fmla="*/ 841564 w 1532444"/>
+              <a:gd name="connsiteY12" fmla="*/ 1483360 h 1510453"/>
+              <a:gd name="connsiteX13" fmla="*/ 929617 w 1532444"/>
+              <a:gd name="connsiteY13" fmla="*/ 1395306 h 1510453"/>
+              <a:gd name="connsiteX14" fmla="*/ 1044764 w 1532444"/>
+              <a:gd name="connsiteY14" fmla="*/ 1503680 h 1510453"/>
+              <a:gd name="connsiteX15" fmla="*/ 1139590 w 1532444"/>
+              <a:gd name="connsiteY15" fmla="*/ 1334346 h 1510453"/>
+              <a:gd name="connsiteX16" fmla="*/ 1532444 w 1532444"/>
+              <a:gd name="connsiteY16" fmla="*/ 1510453 h 1510453"/>
+              <a:gd name="connsiteX17" fmla="*/ 1532444 w 1532444"/>
+              <a:gd name="connsiteY17" fmla="*/ 1510453 h 1510453"/>
+            </a:gdLst>
+            <a:ahLst/>
+            <a:cxnLst>
+              <a:cxn ang="0">
+                <a:pos x="connsiteX0" y="connsiteY0"/>
+              </a:cxn>
+              <a:cxn ang="0">
+                <a:pos x="connsiteX1" y="connsiteY1"/>
+              </a:cxn>
+              <a:cxn ang="0">
+                <a:pos x="connsiteX2" y="connsiteY2"/>
+              </a:cxn>
+              <a:cxn ang="0">
+                <a:pos x="connsiteX3" y="connsiteY3"/>
+              </a:cxn>
+              <a:cxn ang="0">
+                <a:pos x="connsiteX4" y="connsiteY4"/>
+              </a:cxn>
+              <a:cxn ang="0">
+                <a:pos x="connsiteX5" y="connsiteY5"/>
+              </a:cxn>
+              <a:cxn ang="0">
+                <a:pos x="connsiteX6" y="connsiteY6"/>
+              </a:cxn>
+              <a:cxn ang="0">
+                <a:pos x="connsiteX7" y="connsiteY7"/>
+              </a:cxn>
+              <a:cxn ang="0">
+                <a:pos x="connsiteX8" y="connsiteY8"/>
+              </a:cxn>
+              <a:cxn ang="0">
+                <a:pos x="connsiteX9" y="connsiteY9"/>
+              </a:cxn>
+              <a:cxn ang="0">
+                <a:pos x="connsiteX10" y="connsiteY10"/>
+              </a:cxn>
+              <a:cxn ang="0">
+                <a:pos x="connsiteX11" y="connsiteY11"/>
+              </a:cxn>
+              <a:cxn ang="0">
+                <a:pos x="connsiteX12" y="connsiteY12"/>
+              </a:cxn>
+              <a:cxn ang="0">
+                <a:pos x="connsiteX13" y="connsiteY13"/>
+              </a:cxn>
+              <a:cxn ang="0">
+                <a:pos x="connsiteX14" y="connsiteY14"/>
+              </a:cxn>
+              <a:cxn ang="0">
+                <a:pos x="connsiteX15" y="connsiteY15"/>
+              </a:cxn>
+              <a:cxn ang="0">
+                <a:pos x="connsiteX16" y="connsiteY16"/>
+              </a:cxn>
+              <a:cxn ang="0">
+                <a:pos x="connsiteX17" y="connsiteY17"/>
+              </a:cxn>
+            </a:cxnLst>
+            <a:rect l="l" t="t" r="r" b="b"/>
+            <a:pathLst>
+              <a:path w="1532444" h="1510453">
+                <a:moveTo>
+                  <a:pt x="8444" y="0"/>
+                </a:moveTo>
+                <a:cubicBezTo>
+                  <a:pt x="54163" y="14675"/>
+                  <a:pt x="99883" y="29350"/>
+                  <a:pt x="103270" y="74506"/>
+                </a:cubicBezTo>
+                <a:cubicBezTo>
+                  <a:pt x="106657" y="119662"/>
+                  <a:pt x="16346" y="224649"/>
+                  <a:pt x="28764" y="270933"/>
+                </a:cubicBezTo>
+                <a:cubicBezTo>
+                  <a:pt x="41182" y="317217"/>
+                  <a:pt x="181164" y="304800"/>
+                  <a:pt x="177777" y="352213"/>
+                </a:cubicBezTo>
+                <a:cubicBezTo>
+                  <a:pt x="174390" y="399626"/>
+                  <a:pt x="-14134" y="496711"/>
+                  <a:pt x="8444" y="555413"/>
+                </a:cubicBezTo>
+                <a:cubicBezTo>
+                  <a:pt x="31022" y="614115"/>
+                  <a:pt x="314373" y="625404"/>
+                  <a:pt x="313244" y="704426"/>
+                </a:cubicBezTo>
+                <a:cubicBezTo>
+                  <a:pt x="312115" y="783448"/>
+                  <a:pt x="-26552" y="965199"/>
+                  <a:pt x="1670" y="1029546"/>
+                </a:cubicBezTo>
+                <a:cubicBezTo>
+                  <a:pt x="29892" y="1093893"/>
+                  <a:pt x="428390" y="1036319"/>
+                  <a:pt x="482577" y="1090506"/>
+                </a:cubicBezTo>
+                <a:cubicBezTo>
+                  <a:pt x="536764" y="1144693"/>
+                  <a:pt x="301955" y="1333217"/>
+                  <a:pt x="326790" y="1354666"/>
+                </a:cubicBezTo>
+                <a:cubicBezTo>
+                  <a:pt x="351625" y="1376115"/>
+                  <a:pt x="579661" y="1203396"/>
+                  <a:pt x="631590" y="1219200"/>
+                </a:cubicBezTo>
+                <a:cubicBezTo>
+                  <a:pt x="683519" y="1235004"/>
+                  <a:pt x="623688" y="1426915"/>
+                  <a:pt x="638364" y="1449493"/>
+                </a:cubicBezTo>
+                <a:cubicBezTo>
+                  <a:pt x="653040" y="1472071"/>
+                  <a:pt x="685777" y="1349022"/>
+                  <a:pt x="719644" y="1354666"/>
+                </a:cubicBezTo>
+                <a:cubicBezTo>
+                  <a:pt x="753511" y="1360310"/>
+                  <a:pt x="806569" y="1476587"/>
+                  <a:pt x="841564" y="1483360"/>
+                </a:cubicBezTo>
+                <a:cubicBezTo>
+                  <a:pt x="876559" y="1490133"/>
+                  <a:pt x="895750" y="1391919"/>
+                  <a:pt x="929617" y="1395306"/>
+                </a:cubicBezTo>
+                <a:cubicBezTo>
+                  <a:pt x="963484" y="1398693"/>
+                  <a:pt x="1009769" y="1513840"/>
+                  <a:pt x="1044764" y="1503680"/>
+                </a:cubicBezTo>
+                <a:cubicBezTo>
+                  <a:pt x="1079759" y="1493520"/>
+                  <a:pt x="1058310" y="1333217"/>
+                  <a:pt x="1139590" y="1334346"/>
+                </a:cubicBezTo>
+                <a:cubicBezTo>
+                  <a:pt x="1220870" y="1335475"/>
+                  <a:pt x="1532444" y="1510453"/>
+                  <a:pt x="1532444" y="1510453"/>
+                </a:cubicBezTo>
+                <a:lnTo>
+                  <a:pt x="1532444" y="1510453"/>
+                </a:lnTo>
+              </a:path>
+            </a:pathLst>
+          </a:custGeom>
+          <a:noFill/>
+          <a:ln>
+            <a:solidFill>
+              <a:srgbClr val="FFCCFF"/>
+            </a:solidFill>
+          </a:ln>
+        </p:spPr>
+        <p:style>
+          <a:lnRef idx="2">
+            <a:schemeClr val="accent1">
+              <a:shade val="50000"/>
+            </a:schemeClr>
+          </a:lnRef>
+          <a:fillRef idx="1">
+            <a:schemeClr val="accent1"/>
+          </a:fillRef>
+          <a:effectRef idx="0">
+            <a:schemeClr val="accent1"/>
+          </a:effectRef>
+          <a:fontRef idx="minor">
+            <a:schemeClr val="lt1"/>
+          </a:fontRef>
+        </p:style>
+        <p:txBody>
+          <a:bodyPr rtlCol="0" anchor="ctr"/>
+          <a:lstStyle/>
+          <a:p>
+            <a:pPr algn="ctr"/>
+            <a:endParaRPr lang="es-ES">
+              <a:solidFill>
+                <a:srgbClr val="FFCCFF"/>
+              </a:solidFill>
+            </a:endParaRPr>
+          </a:p>
+        </p:txBody>
+      </p:sp>
+      <p:sp>
+        <p:nvSpPr>
+          <p:cNvPr id="35" name="Forma libre: forma 34">
+            <a:extLst>
+              <a:ext uri="{FF2B5EF4-FFF2-40B4-BE49-F238E27FC236}">
+                <a16:creationId xmlns:a16="http://schemas.microsoft.com/office/drawing/2014/main" id="{FBFB3AEE-323E-4A16-A71D-BC2324D10EB5}"/>
+              </a:ext>
+            </a:extLst>
+          </p:cNvPr>
+          <p:cNvSpPr/>
+          <p:nvPr/>
+        </p:nvSpPr>
+        <p:spPr>
+          <a:xfrm>
+            <a:off x="5913120" y="2959947"/>
+            <a:ext cx="447040" cy="1205653"/>
+          </a:xfrm>
+          <a:custGeom>
+            <a:avLst/>
+            <a:gdLst>
+              <a:gd name="connsiteX0" fmla="*/ 0 w 447040"/>
+              <a:gd name="connsiteY0" fmla="*/ 1205653 h 1205653"/>
+              <a:gd name="connsiteX1" fmla="*/ 223520 w 447040"/>
+              <a:gd name="connsiteY1" fmla="*/ 643466 h 1205653"/>
+              <a:gd name="connsiteX2" fmla="*/ 379307 w 447040"/>
+              <a:gd name="connsiteY2" fmla="*/ 948266 h 1205653"/>
+              <a:gd name="connsiteX3" fmla="*/ 257387 w 447040"/>
+              <a:gd name="connsiteY3" fmla="*/ 277706 h 1205653"/>
+              <a:gd name="connsiteX4" fmla="*/ 399627 w 447040"/>
+              <a:gd name="connsiteY4" fmla="*/ 284480 h 1205653"/>
+              <a:gd name="connsiteX5" fmla="*/ 345440 w 447040"/>
+              <a:gd name="connsiteY5" fmla="*/ 54186 h 1205653"/>
+              <a:gd name="connsiteX6" fmla="*/ 447040 w 447040"/>
+              <a:gd name="connsiteY6" fmla="*/ 0 h 1205653"/>
+            </a:gdLst>
+            <a:ahLst/>
+            <a:cxnLst>
+              <a:cxn ang="0">
+                <a:pos x="connsiteX0" y="connsiteY0"/>
+              </a:cxn>
+              <a:cxn ang="0">
+                <a:pos x="connsiteX1" y="connsiteY1"/>
+              </a:cxn>
+              <a:cxn ang="0">
+                <a:pos x="connsiteX2" y="connsiteY2"/>
+              </a:cxn>
+              <a:cxn ang="0">
+                <a:pos x="connsiteX3" y="connsiteY3"/>
+              </a:cxn>
+              <a:cxn ang="0">
+                <a:pos x="connsiteX4" y="connsiteY4"/>
+              </a:cxn>
+              <a:cxn ang="0">
+                <a:pos x="connsiteX5" y="connsiteY5"/>
+              </a:cxn>
+              <a:cxn ang="0">
+                <a:pos x="connsiteX6" y="connsiteY6"/>
+              </a:cxn>
+            </a:cxnLst>
+            <a:rect l="l" t="t" r="r" b="b"/>
+            <a:pathLst>
+              <a:path w="447040" h="1205653">
+                <a:moveTo>
+                  <a:pt x="0" y="1205653"/>
+                </a:moveTo>
+                <a:cubicBezTo>
+                  <a:pt x="80151" y="946008"/>
+                  <a:pt x="160302" y="686364"/>
+                  <a:pt x="223520" y="643466"/>
+                </a:cubicBezTo>
+                <a:cubicBezTo>
+                  <a:pt x="286738" y="600568"/>
+                  <a:pt x="373663" y="1009226"/>
+                  <a:pt x="379307" y="948266"/>
+                </a:cubicBezTo>
+                <a:cubicBezTo>
+                  <a:pt x="384952" y="887306"/>
+                  <a:pt x="254000" y="388337"/>
+                  <a:pt x="257387" y="277706"/>
+                </a:cubicBezTo>
+                <a:cubicBezTo>
+                  <a:pt x="260774" y="167075"/>
+                  <a:pt x="384951" y="321733"/>
+                  <a:pt x="399627" y="284480"/>
+                </a:cubicBezTo>
+                <a:cubicBezTo>
+                  <a:pt x="414303" y="247227"/>
+                  <a:pt x="337538" y="101599"/>
+                  <a:pt x="345440" y="54186"/>
+                </a:cubicBezTo>
+                <a:cubicBezTo>
+                  <a:pt x="353342" y="6773"/>
+                  <a:pt x="434622" y="3387"/>
+                  <a:pt x="447040" y="0"/>
+                </a:cubicBezTo>
+              </a:path>
+            </a:pathLst>
+          </a:custGeom>
+          <a:noFill/>
+          <a:ln>
+            <a:solidFill>
+              <a:srgbClr val="FFCCFF"/>
+            </a:solidFill>
+          </a:ln>
+        </p:spPr>
+        <p:style>
+          <a:lnRef idx="2">
+            <a:schemeClr val="accent1">
+              <a:shade val="50000"/>
+            </a:schemeClr>
+          </a:lnRef>
+          <a:fillRef idx="1">
+            <a:schemeClr val="accent1"/>
+          </a:fillRef>
+          <a:effectRef idx="0">
+            <a:schemeClr val="accent1"/>
+          </a:effectRef>
+          <a:fontRef idx="minor">
+            <a:schemeClr val="lt1"/>
+          </a:fontRef>
+        </p:style>
+        <p:txBody>
+          <a:bodyPr rtlCol="0" anchor="ctr"/>
+          <a:lstStyle/>
+          <a:p>
+            <a:pPr algn="ctr"/>
+            <a:endParaRPr lang="es-ES"/>
+          </a:p>
+        </p:txBody>
+      </p:sp>
+      <p:sp>
+        <p:nvSpPr>
+          <p:cNvPr id="36" name="Elipse 35">
+            <a:extLst>
+              <a:ext uri="{FF2B5EF4-FFF2-40B4-BE49-F238E27FC236}">
+                <a16:creationId xmlns:a16="http://schemas.microsoft.com/office/drawing/2014/main" id="{DD02323A-2AF1-491A-9B68-066FBA3F91AA}"/>
+              </a:ext>
+            </a:extLst>
+          </p:cNvPr>
+          <p:cNvSpPr/>
+          <p:nvPr/>
+        </p:nvSpPr>
+        <p:spPr>
+          <a:xfrm>
+            <a:off x="6328855" y="3791105"/>
+            <a:ext cx="92611" cy="84047"/>
+          </a:xfrm>
+          <a:prstGeom prst="ellipse">
+            <a:avLst/>
+          </a:prstGeom>
+          <a:solidFill>
+            <a:srgbClr val="FFCCFF"/>
+          </a:solidFill>
+          <a:ln>
+            <a:solidFill>
+              <a:srgbClr val="FF0000"/>
+            </a:solidFill>
+          </a:ln>
+        </p:spPr>
+        <p:style>
+          <a:lnRef idx="2">
+            <a:schemeClr val="accent1">
+              <a:shade val="50000"/>
+            </a:schemeClr>
+          </a:lnRef>
+          <a:fillRef idx="1">
+            <a:schemeClr val="accent1"/>
+          </a:fillRef>
+          <a:effectRef idx="0">
+            <a:schemeClr val="accent1"/>
+          </a:effectRef>
+          <a:fontRef idx="minor">
+            <a:schemeClr val="lt1"/>
+          </a:fontRef>
+        </p:style>
+        <p:txBody>
+          <a:bodyPr rtlCol="0" anchor="ctr"/>
+          <a:lstStyle/>
+          <a:p>
+            <a:pPr algn="ctr"/>
+            <a:endParaRPr lang="es-ES"/>
+          </a:p>
+        </p:txBody>
+      </p:sp>
+      <p:sp>
+        <p:nvSpPr>
+          <p:cNvPr id="38" name="Elipse 37">
+            <a:extLst>
+              <a:ext uri="{FF2B5EF4-FFF2-40B4-BE49-F238E27FC236}">
+                <a16:creationId xmlns:a16="http://schemas.microsoft.com/office/drawing/2014/main" id="{6D751F75-CBED-48B6-820F-68E3C8A01954}"/>
+              </a:ext>
+            </a:extLst>
+          </p:cNvPr>
+          <p:cNvSpPr/>
+          <p:nvPr/>
+        </p:nvSpPr>
+        <p:spPr>
+          <a:xfrm>
+            <a:off x="4435893" y="2115097"/>
+            <a:ext cx="92611" cy="84047"/>
+          </a:xfrm>
+          <a:prstGeom prst="ellipse">
+            <a:avLst/>
+          </a:prstGeom>
+          <a:solidFill>
+            <a:srgbClr val="FFCCFF"/>
+          </a:solidFill>
+          <a:ln>
+            <a:solidFill>
+              <a:srgbClr val="FF0000"/>
+            </a:solidFill>
+          </a:ln>
+        </p:spPr>
+        <p:style>
+          <a:lnRef idx="2">
+            <a:schemeClr val="accent1">
+              <a:shade val="50000"/>
+            </a:schemeClr>
+          </a:lnRef>
+          <a:fillRef idx="1">
+            <a:schemeClr val="accent1"/>
+          </a:fillRef>
+          <a:effectRef idx="0">
+            <a:schemeClr val="accent1"/>
+          </a:effectRef>
+          <a:fontRef idx="minor">
+            <a:schemeClr val="lt1"/>
+          </a:fontRef>
+        </p:style>
+        <p:txBody>
+          <a:bodyPr rtlCol="0" anchor="ctr"/>
+          <a:lstStyle/>
+          <a:p>
+            <a:pPr algn="ctr"/>
+            <a:endParaRPr lang="es-ES"/>
+          </a:p>
+        </p:txBody>
+      </p:sp>
+    </p:spTree>
+    <p:extLst>
+      <p:ext uri="{BB962C8B-B14F-4D97-AF65-F5344CB8AC3E}">
+        <p14:creationId xmlns:p14="http://schemas.microsoft.com/office/powerpoint/2010/main" val="1410576836"/>
+      </p:ext>
+    </p:extLst>
+  </p:cSld>
+  <p:clrMapOvr>
+    <a:masterClrMapping/>
+  </p:clrMapOvr>
+</p:sld>
+</file>
+
+<file path=ppt/slides/slide6.xml><?xml version="1.0" encoding="utf-8"?>
+<p:sld xmlns:a="http://schemas.openxmlformats.org/drawingml/2006/main" xmlns:r="http://schemas.openxmlformats.org/officeDocument/2006/relationships" xmlns:p="http://schemas.openxmlformats.org/presentationml/2006/main">
+  <p:cSld>
+    <p:spTree>
+      <p:nvGrpSpPr>
+        <p:cNvPr id="1" name=""/>
+        <p:cNvGrpSpPr/>
+        <p:nvPr/>
+      </p:nvGrpSpPr>
+      <p:grpSpPr>
+        <a:xfrm>
+          <a:off x="0" y="0"/>
+          <a:ext cx="0" cy="0"/>
+          <a:chOff x="0" y="0"/>
+          <a:chExt cx="0" cy="0"/>
+        </a:xfrm>
+      </p:grpSpPr>
+      <p:sp>
+        <p:nvSpPr>
+          <p:cNvPr id="4" name="Elipse 3">
+            <a:extLst>
+              <a:ext uri="{FF2B5EF4-FFF2-40B4-BE49-F238E27FC236}">
+                <a16:creationId xmlns:a16="http://schemas.microsoft.com/office/drawing/2014/main" id="{8C955D94-8B39-410A-A874-B708000B55A4}"/>
+              </a:ext>
+            </a:extLst>
+          </p:cNvPr>
+          <p:cNvSpPr/>
+          <p:nvPr/>
+        </p:nvSpPr>
+        <p:spPr>
+          <a:xfrm>
+            <a:off x="4605107" y="2792588"/>
+            <a:ext cx="1665656" cy="343465"/>
+          </a:xfrm>
+          <a:custGeom>
+            <a:avLst/>
+            <a:gdLst>
+              <a:gd name="connsiteX0" fmla="*/ 0 w 1665656"/>
+              <a:gd name="connsiteY0" fmla="*/ 171733 h 343465"/>
+              <a:gd name="connsiteX1" fmla="*/ 832828 w 1665656"/>
+              <a:gd name="connsiteY1" fmla="*/ 0 h 343465"/>
+              <a:gd name="connsiteX2" fmla="*/ 1665656 w 1665656"/>
+              <a:gd name="connsiteY2" fmla="*/ 171733 h 343465"/>
+              <a:gd name="connsiteX3" fmla="*/ 832828 w 1665656"/>
+              <a:gd name="connsiteY3" fmla="*/ 343466 h 343465"/>
+              <a:gd name="connsiteX4" fmla="*/ 0 w 1665656"/>
+              <a:gd name="connsiteY4" fmla="*/ 171733 h 343465"/>
+            </a:gdLst>
+            <a:ahLst/>
+            <a:cxnLst>
+              <a:cxn ang="0">
+                <a:pos x="connsiteX0" y="connsiteY0"/>
+              </a:cxn>
+              <a:cxn ang="0">
+                <a:pos x="connsiteX1" y="connsiteY1"/>
+              </a:cxn>
+              <a:cxn ang="0">
+                <a:pos x="connsiteX2" y="connsiteY2"/>
+              </a:cxn>
+              <a:cxn ang="0">
+                <a:pos x="connsiteX3" y="connsiteY3"/>
+              </a:cxn>
+              <a:cxn ang="0">
+                <a:pos x="connsiteX4" y="connsiteY4"/>
+              </a:cxn>
+            </a:cxnLst>
+            <a:rect l="l" t="t" r="r" b="b"/>
+            <a:pathLst>
+              <a:path w="1665656" h="343465" extrusionOk="0">
+                <a:moveTo>
+                  <a:pt x="0" y="171733"/>
+                </a:moveTo>
+                <a:cubicBezTo>
+                  <a:pt x="-84960" y="24482"/>
+                  <a:pt x="299929" y="27376"/>
+                  <a:pt x="832828" y="0"/>
+                </a:cubicBezTo>
+                <a:cubicBezTo>
+                  <a:pt x="1309789" y="3580"/>
+                  <a:pt x="1654400" y="77245"/>
+                  <a:pt x="1665656" y="171733"/>
+                </a:cubicBezTo>
+                <a:cubicBezTo>
+                  <a:pt x="1597918" y="332728"/>
+                  <a:pt x="1281958" y="403313"/>
+                  <a:pt x="832828" y="343466"/>
+                </a:cubicBezTo>
+                <a:cubicBezTo>
+                  <a:pt x="358597" y="335657"/>
+                  <a:pt x="6213" y="269548"/>
+                  <a:pt x="0" y="171733"/>
+                </a:cubicBezTo>
+                <a:close/>
+              </a:path>
+            </a:pathLst>
+          </a:custGeom>
+          <a:noFill/>
+          <a:ln>
+            <a:prstDash val="sysDot"/>
+            <a:extLst>
+              <a:ext uri="{C807C97D-BFC1-408E-A445-0C87EB9F89A2}">
+                <ask:lineSketchStyleProps xmlns:ask="http://schemas.microsoft.com/office/drawing/2018/sketchyshapes" sd="1219033472">
+                  <a:prstGeom prst="ellipse">
+                    <a:avLst/>
+                  </a:prstGeom>
+                  <ask:type>
+                    <ask:lineSketchScribble/>
+                  </ask:type>
+                </ask:lineSketchStyleProps>
+              </a:ext>
+            </a:extLst>
+          </a:ln>
+        </p:spPr>
+        <p:style>
+          <a:lnRef idx="2">
+            <a:schemeClr val="accent1">
+              <a:shade val="50000"/>
+            </a:schemeClr>
+          </a:lnRef>
+          <a:fillRef idx="1">
+            <a:schemeClr val="accent1"/>
+          </a:fillRef>
+          <a:effectRef idx="0">
+            <a:schemeClr val="accent1"/>
+          </a:effectRef>
+          <a:fontRef idx="minor">
+            <a:schemeClr val="lt1"/>
+          </a:fontRef>
+        </p:style>
+        <p:txBody>
+          <a:bodyPr rtlCol="0" anchor="ctr"/>
+          <a:lstStyle/>
+          <a:p>
+            <a:pPr algn="ctr"/>
+            <a:endParaRPr lang="es-ES"/>
+          </a:p>
+        </p:txBody>
+      </p:sp>
+      <p:sp>
+        <p:nvSpPr>
+          <p:cNvPr id="5" name="Elipse 4">
+            <a:extLst>
+              <a:ext uri="{FF2B5EF4-FFF2-40B4-BE49-F238E27FC236}">
+                <a16:creationId xmlns:a16="http://schemas.microsoft.com/office/drawing/2014/main" id="{B909CF12-C7A0-46BB-9E24-14724F08FF0E}"/>
+              </a:ext>
+            </a:extLst>
+          </p:cNvPr>
+          <p:cNvSpPr/>
+          <p:nvPr/>
+        </p:nvSpPr>
+        <p:spPr>
+          <a:xfrm>
+            <a:off x="4488972" y="1890777"/>
+            <a:ext cx="1897927" cy="557981"/>
+          </a:xfrm>
+          <a:custGeom>
+            <a:avLst/>
+            <a:gdLst>
+              <a:gd name="connsiteX0" fmla="*/ 0 w 1897927"/>
+              <a:gd name="connsiteY0" fmla="*/ 278991 h 557981"/>
+              <a:gd name="connsiteX1" fmla="*/ 948964 w 1897927"/>
+              <a:gd name="connsiteY1" fmla="*/ 0 h 557981"/>
+              <a:gd name="connsiteX2" fmla="*/ 1897928 w 1897927"/>
+              <a:gd name="connsiteY2" fmla="*/ 278991 h 557981"/>
+              <a:gd name="connsiteX3" fmla="*/ 948964 w 1897927"/>
+              <a:gd name="connsiteY3" fmla="*/ 557982 h 557981"/>
+              <a:gd name="connsiteX4" fmla="*/ 0 w 1897927"/>
+              <a:gd name="connsiteY4" fmla="*/ 278991 h 557981"/>
+            </a:gdLst>
+            <a:ahLst/>
+            <a:cxnLst>
+              <a:cxn ang="0">
+                <a:pos x="connsiteX0" y="connsiteY0"/>
+              </a:cxn>
+              <a:cxn ang="0">
+                <a:pos x="connsiteX1" y="connsiteY1"/>
+              </a:cxn>
+              <a:cxn ang="0">
+                <a:pos x="connsiteX2" y="connsiteY2"/>
+              </a:cxn>
+              <a:cxn ang="0">
+                <a:pos x="connsiteX3" y="connsiteY3"/>
+              </a:cxn>
+              <a:cxn ang="0">
+                <a:pos x="connsiteX4" y="connsiteY4"/>
+              </a:cxn>
+            </a:cxnLst>
+            <a:rect l="l" t="t" r="r" b="b"/>
+            <a:pathLst>
+              <a:path w="1897927" h="557981" extrusionOk="0">
+                <a:moveTo>
+                  <a:pt x="0" y="278991"/>
+                </a:moveTo>
+                <a:cubicBezTo>
+                  <a:pt x="-85917" y="71914"/>
+                  <a:pt x="381687" y="16206"/>
+                  <a:pt x="948964" y="0"/>
+                </a:cubicBezTo>
+                <a:cubicBezTo>
+                  <a:pt x="1476980" y="825"/>
+                  <a:pt x="1880303" y="125469"/>
+                  <a:pt x="1897928" y="278991"/>
+                </a:cubicBezTo>
+                <a:cubicBezTo>
+                  <a:pt x="1885292" y="445413"/>
+                  <a:pt x="1465392" y="600375"/>
+                  <a:pt x="948964" y="557982"/>
+                </a:cubicBezTo>
+                <a:cubicBezTo>
+                  <a:pt x="388372" y="538015"/>
+                  <a:pt x="6685" y="436267"/>
+                  <a:pt x="0" y="278991"/>
+                </a:cubicBezTo>
+                <a:close/>
+              </a:path>
+            </a:pathLst>
+          </a:custGeom>
+          <a:noFill/>
+          <a:ln>
+            <a:prstDash val="sysDot"/>
+            <a:extLst>
+              <a:ext uri="{C807C97D-BFC1-408E-A445-0C87EB9F89A2}">
+                <ask:lineSketchStyleProps xmlns:ask="http://schemas.microsoft.com/office/drawing/2018/sketchyshapes" sd="1219033472">
+                  <a:prstGeom prst="ellipse">
+                    <a:avLst/>
+                  </a:prstGeom>
+                  <ask:type>
+                    <ask:lineSketchScribble/>
+                  </ask:type>
+                </ask:lineSketchStyleProps>
+              </a:ext>
+            </a:extLst>
+          </a:ln>
+        </p:spPr>
+        <p:style>
+          <a:lnRef idx="2">
+            <a:schemeClr val="accent1">
+              <a:shade val="50000"/>
+            </a:schemeClr>
+          </a:lnRef>
+          <a:fillRef idx="1">
+            <a:schemeClr val="accent1"/>
+          </a:fillRef>
+          <a:effectRef idx="0">
+            <a:schemeClr val="accent1"/>
+          </a:effectRef>
+          <a:fontRef idx="minor">
+            <a:schemeClr val="lt1"/>
+          </a:fontRef>
+        </p:style>
+        <p:txBody>
+          <a:bodyPr rtlCol="0" anchor="ctr"/>
+          <a:lstStyle/>
+          <a:p>
+            <a:pPr algn="ctr"/>
+            <a:endParaRPr lang="es-ES"/>
+          </a:p>
+        </p:txBody>
+      </p:sp>
+      <p:grpSp>
+        <p:nvGrpSpPr>
+          <p:cNvPr id="13" name="Grupo 12">
+            <a:extLst>
+              <a:ext uri="{FF2B5EF4-FFF2-40B4-BE49-F238E27FC236}">
+                <a16:creationId xmlns:a16="http://schemas.microsoft.com/office/drawing/2014/main" id="{A6F97A6E-ED7D-4AC3-B5AD-3EA12F8D7953}"/>
+              </a:ext>
+            </a:extLst>
+          </p:cNvPr>
+          <p:cNvGrpSpPr/>
+          <p:nvPr/>
+        </p:nvGrpSpPr>
+        <p:grpSpPr>
+          <a:xfrm>
+            <a:off x="4419484" y="-56361"/>
+            <a:ext cx="2023356" cy="4086499"/>
+            <a:chOff x="4419484" y="-56361"/>
+            <a:chExt cx="2023356" cy="4086499"/>
+          </a:xfrm>
+        </p:grpSpPr>
+        <p:sp>
+          <p:nvSpPr>
+            <p:cNvPr id="7" name="Arco 6">
+              <a:extLst>
+                <a:ext uri="{FF2B5EF4-FFF2-40B4-BE49-F238E27FC236}">
+                  <a16:creationId xmlns:a16="http://schemas.microsoft.com/office/drawing/2014/main" id="{728780AF-F89B-4CF7-9C00-3E31BCB1F69D}"/>
+                </a:ext>
+              </a:extLst>
+            </p:cNvPr>
+            <p:cNvSpPr/>
+            <p:nvPr/>
+          </p:nvSpPr>
+          <p:spPr>
+            <a:xfrm rot="5400000">
+              <a:off x="3356556" y="1006568"/>
+              <a:ext cx="4086498" cy="1960641"/>
+            </a:xfrm>
+            <a:custGeom>
+              <a:avLst/>
+              <a:gdLst>
+                <a:gd name="connsiteX0" fmla="*/ 2197092 w 4086498"/>
+                <a:gd name="connsiteY0" fmla="*/ 2783 h 1960641"/>
+                <a:gd name="connsiteX1" fmla="*/ 4085294 w 4086498"/>
+                <a:gd name="connsiteY1" fmla="*/ 946672 h 1960641"/>
+                <a:gd name="connsiteX2" fmla="*/ 2043249 w 4086498"/>
+                <a:gd name="connsiteY2" fmla="*/ 980321 h 1960641"/>
+                <a:gd name="connsiteX3" fmla="*/ 2197092 w 4086498"/>
+                <a:gd name="connsiteY3" fmla="*/ 2783 h 1960641"/>
+                <a:gd name="connsiteX0" fmla="*/ 2197092 w 4086498"/>
+                <a:gd name="connsiteY0" fmla="*/ 2783 h 1960641"/>
+                <a:gd name="connsiteX1" fmla="*/ 4085294 w 4086498"/>
+                <a:gd name="connsiteY1" fmla="*/ 946672 h 1960641"/>
+              </a:gdLst>
+              <a:ahLst/>
+              <a:cxnLst>
+                <a:cxn ang="0">
+                  <a:pos x="connsiteX0" y="connsiteY0"/>
+                </a:cxn>
+                <a:cxn ang="0">
+                  <a:pos x="connsiteX1" y="connsiteY1"/>
+                </a:cxn>
+              </a:cxnLst>
+              <a:rect l="l" t="t" r="r" b="b"/>
+              <a:pathLst>
+                <a:path w="4086498" h="1960641" stroke="0" extrusionOk="0">
+                  <a:moveTo>
+                    <a:pt x="2197092" y="2783"/>
+                  </a:moveTo>
+                  <a:cubicBezTo>
+                    <a:pt x="3192220" y="13403"/>
+                    <a:pt x="4016514" y="459477"/>
+                    <a:pt x="4085294" y="946672"/>
+                  </a:cubicBezTo>
+                  <a:cubicBezTo>
+                    <a:pt x="3464600" y="824000"/>
+                    <a:pt x="2933442" y="1050615"/>
+                    <a:pt x="2043249" y="980321"/>
+                  </a:cubicBezTo>
+                  <a:cubicBezTo>
+                    <a:pt x="2098783" y="751508"/>
+                    <a:pt x="2096971" y="151902"/>
+                    <a:pt x="2197092" y="2783"/>
+                  </a:cubicBezTo>
+                  <a:close/>
+                </a:path>
+                <a:path w="4086498" h="1960641" fill="none" extrusionOk="0">
+                  <a:moveTo>
+                    <a:pt x="2197092" y="2783"/>
+                  </a:moveTo>
+                  <a:cubicBezTo>
+                    <a:pt x="3174445" y="6731"/>
+                    <a:pt x="4057701" y="450989"/>
+                    <a:pt x="4085294" y="946672"/>
+                  </a:cubicBezTo>
+                </a:path>
+              </a:pathLst>
+            </a:custGeom>
+            <a:ln w="28575">
+              <a:solidFill>
+                <a:schemeClr val="accent6">
+                  <a:lumMod val="75000"/>
+                </a:schemeClr>
+              </a:solidFill>
+              <a:extLst>
+                <a:ext uri="{C807C97D-BFC1-408E-A445-0C87EB9F89A2}">
+                  <ask:lineSketchStyleProps xmlns:ask="http://schemas.microsoft.com/office/drawing/2018/sketchyshapes" sd="1219033472">
+                    <a:prstGeom prst="arc">
+                      <a:avLst>
+                        <a:gd name="adj1" fmla="val 16736624"/>
+                        <a:gd name="adj2" fmla="val 21543357"/>
+                      </a:avLst>
+                    </a:prstGeom>
+                    <ask:type>
+                      <ask:lineSketchCurved/>
+                    </ask:type>
+                  </ask:lineSketchStyleProps>
+                </a:ext>
+              </a:extLst>
+            </a:ln>
+          </p:spPr>
+          <p:style>
+            <a:lnRef idx="1">
+              <a:schemeClr val="accent1"/>
+            </a:lnRef>
+            <a:fillRef idx="0">
+              <a:schemeClr val="accent1"/>
+            </a:fillRef>
+            <a:effectRef idx="0">
+              <a:schemeClr val="accent1"/>
+            </a:effectRef>
+            <a:fontRef idx="minor">
+              <a:schemeClr val="tx1"/>
+            </a:fontRef>
+          </p:style>
+          <p:txBody>
+            <a:bodyPr rtlCol="0" anchor="ctr"/>
+            <a:lstStyle/>
+            <a:p>
+              <a:pPr algn="ctr"/>
+              <a:endParaRPr lang="es-ES">
+                <a:solidFill>
+                  <a:srgbClr val="00B050"/>
+                </a:solidFill>
+              </a:endParaRPr>
+            </a:p>
+          </p:txBody>
+        </p:sp>
+        <p:sp>
+          <p:nvSpPr>
+            <p:cNvPr id="8" name="Arco 7">
+              <a:extLst>
+                <a:ext uri="{FF2B5EF4-FFF2-40B4-BE49-F238E27FC236}">
+                  <a16:creationId xmlns:a16="http://schemas.microsoft.com/office/drawing/2014/main" id="{EE4D2042-E35E-492F-9480-30B84D6831AC}"/>
+                </a:ext>
+              </a:extLst>
+            </p:cNvPr>
+            <p:cNvSpPr/>
+            <p:nvPr/>
+          </p:nvSpPr>
+          <p:spPr>
+            <a:xfrm rot="16200000" flipH="1">
+              <a:off x="3419271" y="1006568"/>
+              <a:ext cx="4086497" cy="1960640"/>
+            </a:xfrm>
+            <a:custGeom>
+              <a:avLst/>
+              <a:gdLst>
+                <a:gd name="connsiteX0" fmla="*/ 2197091 w 4086497"/>
+                <a:gd name="connsiteY0" fmla="*/ 2783 h 1960640"/>
+                <a:gd name="connsiteX1" fmla="*/ 4085293 w 4086497"/>
+                <a:gd name="connsiteY1" fmla="*/ 946671 h 1960640"/>
+                <a:gd name="connsiteX2" fmla="*/ 2043249 w 4086497"/>
+                <a:gd name="connsiteY2" fmla="*/ 980320 h 1960640"/>
+                <a:gd name="connsiteX3" fmla="*/ 2197091 w 4086497"/>
+                <a:gd name="connsiteY3" fmla="*/ 2783 h 1960640"/>
+                <a:gd name="connsiteX0" fmla="*/ 2197091 w 4086497"/>
+                <a:gd name="connsiteY0" fmla="*/ 2783 h 1960640"/>
+                <a:gd name="connsiteX1" fmla="*/ 4085293 w 4086497"/>
+                <a:gd name="connsiteY1" fmla="*/ 946671 h 1960640"/>
+              </a:gdLst>
+              <a:ahLst/>
+              <a:cxnLst>
+                <a:cxn ang="0">
+                  <a:pos x="connsiteX0" y="connsiteY0"/>
+                </a:cxn>
+                <a:cxn ang="0">
+                  <a:pos x="connsiteX1" y="connsiteY1"/>
+                </a:cxn>
+              </a:cxnLst>
+              <a:rect l="l" t="t" r="r" b="b"/>
+              <a:pathLst>
+                <a:path w="4086497" h="1960640" stroke="0" extrusionOk="0">
+                  <a:moveTo>
+                    <a:pt x="2197091" y="2783"/>
+                  </a:moveTo>
+                  <a:cubicBezTo>
+                    <a:pt x="3192160" y="13367"/>
+                    <a:pt x="4016317" y="459550"/>
+                    <a:pt x="4085293" y="946671"/>
+                  </a:cubicBezTo>
+                  <a:cubicBezTo>
+                    <a:pt x="3463294" y="824020"/>
+                    <a:pt x="2931875" y="1050640"/>
+                    <a:pt x="2043249" y="980320"/>
+                  </a:cubicBezTo>
+                  <a:cubicBezTo>
+                    <a:pt x="2100910" y="749367"/>
+                    <a:pt x="2098711" y="148206"/>
+                    <a:pt x="2197091" y="2783"/>
+                  </a:cubicBezTo>
+                  <a:close/>
+                </a:path>
+                <a:path w="4086497" h="1960640" fill="none" extrusionOk="0">
+                  <a:moveTo>
+                    <a:pt x="2197091" y="2783"/>
+                  </a:moveTo>
+                  <a:cubicBezTo>
+                    <a:pt x="3174265" y="6633"/>
+                    <a:pt x="4057973" y="451118"/>
+                    <a:pt x="4085293" y="946671"/>
+                  </a:cubicBezTo>
+                </a:path>
+              </a:pathLst>
+            </a:custGeom>
+            <a:ln w="28575">
+              <a:solidFill>
+                <a:schemeClr val="accent6">
+                  <a:lumMod val="75000"/>
+                </a:schemeClr>
+              </a:solidFill>
+              <a:extLst>
+                <a:ext uri="{C807C97D-BFC1-408E-A445-0C87EB9F89A2}">
+                  <ask:lineSketchStyleProps xmlns:ask="http://schemas.microsoft.com/office/drawing/2018/sketchyshapes" sd="1219033472">
+                    <a:prstGeom prst="arc">
+                      <a:avLst>
+                        <a:gd name="adj1" fmla="val 16736624"/>
+                        <a:gd name="adj2" fmla="val 21543357"/>
+                      </a:avLst>
+                    </a:prstGeom>
+                    <ask:type>
+                      <ask:lineSketchCurved/>
+                    </ask:type>
+                  </ask:lineSketchStyleProps>
+                </a:ext>
+              </a:extLst>
+            </a:ln>
+          </p:spPr>
+          <p:style>
+            <a:lnRef idx="1">
+              <a:schemeClr val="accent1"/>
+            </a:lnRef>
+            <a:fillRef idx="0">
+              <a:schemeClr val="accent1"/>
+            </a:fillRef>
+            <a:effectRef idx="0">
+              <a:schemeClr val="accent1"/>
+            </a:effectRef>
+            <a:fontRef idx="minor">
+              <a:schemeClr val="tx1"/>
+            </a:fontRef>
+          </p:style>
+          <p:txBody>
+            <a:bodyPr rtlCol="0" anchor="ctr"/>
+            <a:lstStyle/>
+            <a:p>
+              <a:pPr algn="ctr"/>
+              <a:endParaRPr lang="es-ES" dirty="0">
+                <a:solidFill>
+                  <a:srgbClr val="00B050"/>
+                </a:solidFill>
+              </a:endParaRPr>
+            </a:p>
+          </p:txBody>
+        </p:sp>
+      </p:grpSp>
+      <p:sp>
+        <p:nvSpPr>
+          <p:cNvPr id="17" name="Rombo 16">
+            <a:extLst>
+              <a:ext uri="{FF2B5EF4-FFF2-40B4-BE49-F238E27FC236}">
+                <a16:creationId xmlns:a16="http://schemas.microsoft.com/office/drawing/2014/main" id="{D1F79DD8-ABDC-4D3E-814B-C14643562905}"/>
+              </a:ext>
+            </a:extLst>
+          </p:cNvPr>
+          <p:cNvSpPr/>
+          <p:nvPr/>
+        </p:nvSpPr>
+        <p:spPr>
+          <a:xfrm>
+            <a:off x="3608258" y="3070865"/>
+            <a:ext cx="3583092" cy="1677242"/>
+          </a:xfrm>
+          <a:custGeom>
+            <a:avLst/>
+            <a:gdLst>
+              <a:gd name="connsiteX0" fmla="*/ 0 w 3583092"/>
+              <a:gd name="connsiteY0" fmla="*/ 838621 h 1677242"/>
+              <a:gd name="connsiteX1" fmla="*/ 429971 w 3583092"/>
+              <a:gd name="connsiteY1" fmla="*/ 637352 h 1677242"/>
+              <a:gd name="connsiteX2" fmla="*/ 824111 w 3583092"/>
+              <a:gd name="connsiteY2" fmla="*/ 452855 h 1677242"/>
+              <a:gd name="connsiteX3" fmla="*/ 1307829 w 3583092"/>
+              <a:gd name="connsiteY3" fmla="*/ 226428 h 1677242"/>
+              <a:gd name="connsiteX4" fmla="*/ 1791546 w 3583092"/>
+              <a:gd name="connsiteY4" fmla="*/ 0 h 1677242"/>
+              <a:gd name="connsiteX5" fmla="*/ 2221517 w 3583092"/>
+              <a:gd name="connsiteY5" fmla="*/ 201269 h 1677242"/>
+              <a:gd name="connsiteX6" fmla="*/ 2633573 w 3583092"/>
+              <a:gd name="connsiteY6" fmla="*/ 394152 h 1677242"/>
+              <a:gd name="connsiteX7" fmla="*/ 3081459 w 3583092"/>
+              <a:gd name="connsiteY7" fmla="*/ 603807 h 1677242"/>
+              <a:gd name="connsiteX8" fmla="*/ 3583092 w 3583092"/>
+              <a:gd name="connsiteY8" fmla="*/ 838621 h 1677242"/>
+              <a:gd name="connsiteX9" fmla="*/ 3171036 w 3583092"/>
+              <a:gd name="connsiteY9" fmla="*/ 1031504 h 1677242"/>
+              <a:gd name="connsiteX10" fmla="*/ 2723150 w 3583092"/>
+              <a:gd name="connsiteY10" fmla="*/ 1241159 h 1677242"/>
+              <a:gd name="connsiteX11" fmla="*/ 2275263 w 3583092"/>
+              <a:gd name="connsiteY11" fmla="*/ 1450814 h 1677242"/>
+              <a:gd name="connsiteX12" fmla="*/ 1791546 w 3583092"/>
+              <a:gd name="connsiteY12" fmla="*/ 1677242 h 1677242"/>
+              <a:gd name="connsiteX13" fmla="*/ 1307829 w 3583092"/>
+              <a:gd name="connsiteY13" fmla="*/ 1450814 h 1677242"/>
+              <a:gd name="connsiteX14" fmla="*/ 824111 w 3583092"/>
+              <a:gd name="connsiteY14" fmla="*/ 1224387 h 1677242"/>
+              <a:gd name="connsiteX15" fmla="*/ 0 w 3583092"/>
+              <a:gd name="connsiteY15" fmla="*/ 838621 h 1677242"/>
+            </a:gdLst>
+            <a:ahLst/>
+            <a:cxnLst>
+              <a:cxn ang="0">
+                <a:pos x="connsiteX0" y="connsiteY0"/>
+              </a:cxn>
+              <a:cxn ang="0">
+                <a:pos x="connsiteX1" y="connsiteY1"/>
+              </a:cxn>
+              <a:cxn ang="0">
+                <a:pos x="connsiteX2" y="connsiteY2"/>
+              </a:cxn>
+              <a:cxn ang="0">
+                <a:pos x="connsiteX3" y="connsiteY3"/>
+              </a:cxn>
+              <a:cxn ang="0">
+                <a:pos x="connsiteX4" y="connsiteY4"/>
+              </a:cxn>
+              <a:cxn ang="0">
+                <a:pos x="connsiteX5" y="connsiteY5"/>
+              </a:cxn>
+              <a:cxn ang="0">
+                <a:pos x="connsiteX6" y="connsiteY6"/>
+              </a:cxn>
+              <a:cxn ang="0">
+                <a:pos x="connsiteX7" y="connsiteY7"/>
+              </a:cxn>
+              <a:cxn ang="0">
+                <a:pos x="connsiteX8" y="connsiteY8"/>
+              </a:cxn>
+              <a:cxn ang="0">
+                <a:pos x="connsiteX9" y="connsiteY9"/>
+              </a:cxn>
+              <a:cxn ang="0">
+                <a:pos x="connsiteX10" y="connsiteY10"/>
+              </a:cxn>
+              <a:cxn ang="0">
+                <a:pos x="connsiteX11" y="connsiteY11"/>
+              </a:cxn>
+              <a:cxn ang="0">
+                <a:pos x="connsiteX12" y="connsiteY12"/>
+              </a:cxn>
+              <a:cxn ang="0">
+                <a:pos x="connsiteX13" y="connsiteY13"/>
+              </a:cxn>
+              <a:cxn ang="0">
+                <a:pos x="connsiteX14" y="connsiteY14"/>
+              </a:cxn>
+              <a:cxn ang="0">
+                <a:pos x="connsiteX15" y="connsiteY15"/>
+              </a:cxn>
+            </a:cxnLst>
+            <a:rect l="l" t="t" r="r" b="b"/>
+            <a:pathLst>
+              <a:path w="3583092" h="1677242" extrusionOk="0">
+                <a:moveTo>
+                  <a:pt x="0" y="838621"/>
+                </a:moveTo>
+                <a:cubicBezTo>
+                  <a:pt x="180192" y="749586"/>
+                  <a:pt x="323540" y="701900"/>
+                  <a:pt x="429971" y="637352"/>
+                </a:cubicBezTo>
+                <a:cubicBezTo>
+                  <a:pt x="536401" y="572804"/>
+                  <a:pt x="643140" y="546304"/>
+                  <a:pt x="824111" y="452855"/>
+                </a:cubicBezTo>
+                <a:cubicBezTo>
+                  <a:pt x="1005083" y="359407"/>
+                  <a:pt x="1119900" y="320681"/>
+                  <a:pt x="1307829" y="226428"/>
+                </a:cubicBezTo>
+                <a:cubicBezTo>
+                  <a:pt x="1495758" y="132174"/>
+                  <a:pt x="1608343" y="141789"/>
+                  <a:pt x="1791546" y="0"/>
+                </a:cubicBezTo>
+                <a:cubicBezTo>
+                  <a:pt x="1924547" y="53362"/>
+                  <a:pt x="2066329" y="186827"/>
+                  <a:pt x="2221517" y="201269"/>
+                </a:cubicBezTo>
+                <a:cubicBezTo>
+                  <a:pt x="2376705" y="215711"/>
+                  <a:pt x="2435954" y="312649"/>
+                  <a:pt x="2633573" y="394152"/>
+                </a:cubicBezTo>
+                <a:cubicBezTo>
+                  <a:pt x="2831192" y="475655"/>
+                  <a:pt x="2975072" y="579360"/>
+                  <a:pt x="3081459" y="603807"/>
+                </a:cubicBezTo>
+                <a:cubicBezTo>
+                  <a:pt x="3187846" y="628254"/>
+                  <a:pt x="3327948" y="733409"/>
+                  <a:pt x="3583092" y="838621"/>
+                </a:cubicBezTo>
+                <a:cubicBezTo>
+                  <a:pt x="3409593" y="973269"/>
+                  <a:pt x="3314076" y="940232"/>
+                  <a:pt x="3171036" y="1031504"/>
+                </a:cubicBezTo>
+                <a:cubicBezTo>
+                  <a:pt x="3027996" y="1122776"/>
+                  <a:pt x="2811548" y="1171397"/>
+                  <a:pt x="2723150" y="1241159"/>
+                </a:cubicBezTo>
+                <a:cubicBezTo>
+                  <a:pt x="2634752" y="1310921"/>
+                  <a:pt x="2426019" y="1339527"/>
+                  <a:pt x="2275263" y="1450814"/>
+                </a:cubicBezTo>
+                <a:cubicBezTo>
+                  <a:pt x="2124507" y="1562101"/>
+                  <a:pt x="1992722" y="1540029"/>
+                  <a:pt x="1791546" y="1677242"/>
+                </a:cubicBezTo>
+                <a:cubicBezTo>
+                  <a:pt x="1608116" y="1641917"/>
+                  <a:pt x="1472753" y="1517645"/>
+                  <a:pt x="1307829" y="1450814"/>
+                </a:cubicBezTo>
+                <a:cubicBezTo>
+                  <a:pt x="1142905" y="1383983"/>
+                  <a:pt x="941964" y="1231114"/>
+                  <a:pt x="824111" y="1224387"/>
+                </a:cubicBezTo>
+                <a:cubicBezTo>
+                  <a:pt x="706258" y="1217660"/>
+                  <a:pt x="262727" y="943846"/>
+                  <a:pt x="0" y="838621"/>
+                </a:cubicBezTo>
+                <a:close/>
+              </a:path>
+            </a:pathLst>
+          </a:custGeom>
+          <a:noFill/>
+          <a:ln>
+            <a:solidFill>
+              <a:schemeClr val="tx2">
+                <a:lumMod val="20000"/>
+                <a:lumOff val="80000"/>
+              </a:schemeClr>
+            </a:solidFill>
+            <a:prstDash val="sysDot"/>
+            <a:extLst>
+              <a:ext uri="{C807C97D-BFC1-408E-A445-0C87EB9F89A2}">
+                <ask:lineSketchStyleProps xmlns:ask="http://schemas.microsoft.com/office/drawing/2018/sketchyshapes" sd="1219033472">
+                  <a:prstGeom prst="diamond">
+                    <a:avLst/>
+                  </a:prstGeom>
+                  <ask:type>
+                    <ask:lineSketchScribble/>
+                  </ask:type>
+                </ask:lineSketchStyleProps>
+              </a:ext>
+            </a:extLst>
+          </a:ln>
+        </p:spPr>
+        <p:style>
+          <a:lnRef idx="2">
+            <a:schemeClr val="accent1">
+              <a:shade val="50000"/>
+            </a:schemeClr>
+          </a:lnRef>
+          <a:fillRef idx="1">
+            <a:schemeClr val="accent1"/>
+          </a:fillRef>
+          <a:effectRef idx="0">
+            <a:schemeClr val="accent1"/>
+          </a:effectRef>
+          <a:fontRef idx="minor">
+            <a:schemeClr val="lt1"/>
+          </a:fontRef>
+        </p:style>
+        <p:txBody>
+          <a:bodyPr rtlCol="0" anchor="ctr"/>
+          <a:lstStyle/>
+          <a:p>
+            <a:pPr algn="ctr"/>
+            <a:endParaRPr lang="es-ES"/>
+          </a:p>
+        </p:txBody>
+      </p:sp>
+      <p:sp>
+        <p:nvSpPr>
+          <p:cNvPr id="18" name="Elipse 17">
+            <a:extLst>
+              <a:ext uri="{FF2B5EF4-FFF2-40B4-BE49-F238E27FC236}">
+                <a16:creationId xmlns:a16="http://schemas.microsoft.com/office/drawing/2014/main" id="{005D27F3-2808-4836-B4B6-515F3BC93E49}"/>
+              </a:ext>
+            </a:extLst>
+          </p:cNvPr>
+          <p:cNvSpPr/>
+          <p:nvPr/>
+        </p:nvSpPr>
+        <p:spPr>
+          <a:xfrm>
+            <a:off x="4450841" y="3514767"/>
+            <a:ext cx="1897927" cy="665979"/>
+          </a:xfrm>
+          <a:custGeom>
+            <a:avLst/>
+            <a:gdLst>
+              <a:gd name="connsiteX0" fmla="*/ 0 w 1897927"/>
+              <a:gd name="connsiteY0" fmla="*/ 332990 h 665979"/>
+              <a:gd name="connsiteX1" fmla="*/ 948964 w 1897927"/>
+              <a:gd name="connsiteY1" fmla="*/ 0 h 665979"/>
+              <a:gd name="connsiteX2" fmla="*/ 1897928 w 1897927"/>
+              <a:gd name="connsiteY2" fmla="*/ 332990 h 665979"/>
+              <a:gd name="connsiteX3" fmla="*/ 948964 w 1897927"/>
+              <a:gd name="connsiteY3" fmla="*/ 665980 h 665979"/>
+              <a:gd name="connsiteX4" fmla="*/ 0 w 1897927"/>
+              <a:gd name="connsiteY4" fmla="*/ 332990 h 665979"/>
+            </a:gdLst>
+            <a:ahLst/>
+            <a:cxnLst>
+              <a:cxn ang="0">
+                <a:pos x="connsiteX0" y="connsiteY0"/>
+              </a:cxn>
+              <a:cxn ang="0">
+                <a:pos x="connsiteX1" y="connsiteY1"/>
+              </a:cxn>
+              <a:cxn ang="0">
+                <a:pos x="connsiteX2" y="connsiteY2"/>
+              </a:cxn>
+              <a:cxn ang="0">
+                <a:pos x="connsiteX3" y="connsiteY3"/>
+              </a:cxn>
+              <a:cxn ang="0">
+                <a:pos x="connsiteX4" y="connsiteY4"/>
+              </a:cxn>
+            </a:cxnLst>
+            <a:rect l="l" t="t" r="r" b="b"/>
+            <a:pathLst>
+              <a:path w="1897927" h="665979" extrusionOk="0">
+                <a:moveTo>
+                  <a:pt x="0" y="332990"/>
+                </a:moveTo>
+                <a:cubicBezTo>
+                  <a:pt x="-76096" y="102147"/>
+                  <a:pt x="399776" y="9417"/>
+                  <a:pt x="948964" y="0"/>
+                </a:cubicBezTo>
+                <a:cubicBezTo>
+                  <a:pt x="1490705" y="3714"/>
+                  <a:pt x="1877466" y="149736"/>
+                  <a:pt x="1897928" y="332990"/>
+                </a:cubicBezTo>
+                <a:cubicBezTo>
+                  <a:pt x="1811860" y="600945"/>
+                  <a:pt x="1456530" y="757357"/>
+                  <a:pt x="948964" y="665980"/>
+                </a:cubicBezTo>
+                <a:cubicBezTo>
+                  <a:pt x="406293" y="655818"/>
+                  <a:pt x="5664" y="519602"/>
+                  <a:pt x="0" y="332990"/>
+                </a:cubicBezTo>
+                <a:close/>
+              </a:path>
+            </a:pathLst>
+          </a:custGeom>
+          <a:noFill/>
+          <a:ln>
+            <a:solidFill>
+              <a:schemeClr val="bg2">
+                <a:lumMod val="90000"/>
+              </a:schemeClr>
+            </a:solidFill>
+            <a:prstDash val="sysDot"/>
+            <a:extLst>
+              <a:ext uri="{C807C97D-BFC1-408E-A445-0C87EB9F89A2}">
+                <ask:lineSketchStyleProps xmlns:ask="http://schemas.microsoft.com/office/drawing/2018/sketchyshapes" sd="1219033472">
+                  <a:prstGeom prst="ellipse">
+                    <a:avLst/>
+                  </a:prstGeom>
+                  <ask:type>
+                    <ask:lineSketchScribble/>
+                  </ask:type>
+                </ask:lineSketchStyleProps>
+              </a:ext>
+            </a:extLst>
+          </a:ln>
+        </p:spPr>
+        <p:style>
+          <a:lnRef idx="2">
+            <a:schemeClr val="accent1">
+              <a:shade val="50000"/>
+            </a:schemeClr>
+          </a:lnRef>
+          <a:fillRef idx="1">
+            <a:schemeClr val="accent1"/>
+          </a:fillRef>
+          <a:effectRef idx="0">
+            <a:schemeClr val="accent1"/>
+          </a:effectRef>
+          <a:fontRef idx="minor">
+            <a:schemeClr val="lt1"/>
+          </a:fontRef>
+        </p:style>
+        <p:txBody>
+          <a:bodyPr rtlCol="0" anchor="ctr"/>
+          <a:lstStyle/>
+          <a:p>
+            <a:pPr algn="ctr"/>
+            <a:endParaRPr lang="es-ES"/>
+          </a:p>
+        </p:txBody>
+      </p:sp>
+      <mc:AlternateContent xmlns:mc="http://schemas.openxmlformats.org/markup-compatibility/2006">
+        <mc:Choice xmlns:a14="http://schemas.microsoft.com/office/drawing/2010/main" Requires="a14">
+          <p:sp>
+            <p:nvSpPr>
+              <p:cNvPr id="21" name="CuadroTexto 20">
+                <a:extLst>
+                  <a:ext uri="{FF2B5EF4-FFF2-40B4-BE49-F238E27FC236}">
+                    <a16:creationId xmlns:a16="http://schemas.microsoft.com/office/drawing/2014/main" id="{8D300126-9127-4A65-9728-64262B753385}"/>
+                  </a:ext>
+                </a:extLst>
+              </p:cNvPr>
+              <p:cNvSpPr txBox="1"/>
+              <p:nvPr/>
+            </p:nvSpPr>
+            <p:spPr>
+              <a:xfrm flipH="1">
+                <a:off x="5959708" y="2352895"/>
+                <a:ext cx="1853248" cy="316946"/>
+              </a:xfrm>
+              <a:prstGeom prst="rect">
+                <a:avLst/>
+              </a:prstGeom>
+              <a:noFill/>
+            </p:spPr>
+            <p:txBody>
+              <a:bodyPr wrap="square" rtlCol="0">
+                <a:spAutoFit/>
+              </a:bodyPr>
+              <a:lstStyle/>
+              <a:p>
+                <a14:m>
+                  <m:oMathPara xmlns:m="http://schemas.openxmlformats.org/officeDocument/2006/math">
+                    <m:oMathParaPr>
+                      <m:jc m:val="centerGroup"/>
+                    </m:oMathParaPr>
+                    <m:oMath xmlns:m="http://schemas.openxmlformats.org/officeDocument/2006/math">
+                      <m:sSup>
+                        <m:sSupPr>
+                          <m:ctrlPr>
+                            <a:rPr lang="es-ES" sz="1200" b="1" i="1" smtClean="0">
+                              <a:solidFill>
+                                <a:srgbClr val="00B050"/>
+                              </a:solidFill>
+                              <a:latin typeface="Cambria Math" panose="02040503050406030204" pitchFamily="18" charset="0"/>
+                            </a:rPr>
+                          </m:ctrlPr>
+                        </m:sSupPr>
+                        <m:e>
+                          <m:r>
+                            <a:rPr lang="es-ES" sz="1200" b="1" i="1" smtClean="0">
+                              <a:solidFill>
+                                <a:srgbClr val="00B050"/>
+                              </a:solidFill>
+                              <a:latin typeface="Cambria Math" panose="02040503050406030204" pitchFamily="18" charset="0"/>
+                            </a:rPr>
+                            <m:t>𝒆</m:t>
+                          </m:r>
+                        </m:e>
+                        <m:sup>
+                          <m:r>
+                            <a:rPr lang="es-ES" sz="1200" b="1" i="1" smtClean="0">
+                              <a:solidFill>
+                                <a:srgbClr val="00B050"/>
+                              </a:solidFill>
+                              <a:latin typeface="Cambria Math" panose="02040503050406030204" pitchFamily="18" charset="0"/>
+                            </a:rPr>
+                            <m:t>𝒓</m:t>
+                          </m:r>
+                        </m:sup>
+                      </m:sSup>
+                      <m:r>
+                        <a:rPr lang="es-ES" sz="1200" b="1" i="1" smtClean="0">
+                          <a:solidFill>
+                            <a:srgbClr val="00B050"/>
+                          </a:solidFill>
+                          <a:latin typeface="Cambria Math" panose="02040503050406030204" pitchFamily="18" charset="0"/>
+                        </a:rPr>
+                        <m:t>, </m:t>
+                      </m:r>
+                      <m:r>
+                        <a:rPr lang="es-ES" sz="1200" b="1" i="1" smtClean="0">
+                          <a:solidFill>
+                            <a:srgbClr val="00B050"/>
+                          </a:solidFill>
+                          <a:latin typeface="Cambria Math" panose="02040503050406030204" pitchFamily="18" charset="0"/>
+                        </a:rPr>
+                        <m:t>𝒓</m:t>
+                      </m:r>
+                      <m:r>
+                        <a:rPr lang="es-ES" sz="1200" b="1" i="1" smtClean="0">
+                          <a:solidFill>
+                            <a:srgbClr val="00B050"/>
+                          </a:solidFill>
+                          <a:latin typeface="Cambria Math" panose="02040503050406030204" pitchFamily="18" charset="0"/>
+                        </a:rPr>
+                        <m:t>=</m:t>
+                      </m:r>
+                      <m:rad>
+                        <m:radPr>
+                          <m:degHide m:val="on"/>
+                          <m:ctrlPr>
+                            <a:rPr lang="es-ES" sz="1200" b="1" i="1" smtClean="0">
+                              <a:solidFill>
+                                <a:srgbClr val="00B050"/>
+                              </a:solidFill>
+                              <a:latin typeface="Cambria Math" panose="02040503050406030204" pitchFamily="18" charset="0"/>
+                            </a:rPr>
+                          </m:ctrlPr>
+                        </m:radPr>
+                        <m:deg/>
+                        <m:e>
+                          <m:sSup>
+                            <m:sSupPr>
+                              <m:ctrlPr>
+                                <a:rPr lang="es-ES" sz="1200" b="1" i="1" smtClean="0">
+                                  <a:solidFill>
+                                    <a:srgbClr val="00B050"/>
+                                  </a:solidFill>
+                                  <a:latin typeface="Cambria Math" panose="02040503050406030204" pitchFamily="18" charset="0"/>
+                                </a:rPr>
+                              </m:ctrlPr>
+                            </m:sSupPr>
+                            <m:e>
+                              <m:sSup>
+                                <m:sSupPr>
+                                  <m:ctrlPr>
+                                    <a:rPr lang="es-ES" sz="1200" b="1" i="1" smtClean="0">
+                                      <a:solidFill>
+                                        <a:srgbClr val="00B050"/>
+                                      </a:solidFill>
+                                      <a:latin typeface="Cambria Math" panose="02040503050406030204" pitchFamily="18" charset="0"/>
+                                    </a:rPr>
+                                  </m:ctrlPr>
+                                </m:sSupPr>
+                                <m:e>
+                                  <m:r>
+                                    <a:rPr lang="es-ES" sz="1200" b="1" i="1" smtClean="0">
+                                      <a:solidFill>
+                                        <a:srgbClr val="00B050"/>
+                                      </a:solidFill>
+                                      <a:latin typeface="Cambria Math" panose="02040503050406030204" pitchFamily="18" charset="0"/>
+                                    </a:rPr>
+                                    <m:t>𝒙</m:t>
+                                  </m:r>
+                                </m:e>
+                                <m:sup>
+                                  <m:r>
+                                    <a:rPr lang="es-ES" sz="1200" b="1" i="1" smtClean="0">
+                                      <a:solidFill>
+                                        <a:srgbClr val="00B050"/>
+                                      </a:solidFill>
+                                      <a:latin typeface="Cambria Math" panose="02040503050406030204" pitchFamily="18" charset="0"/>
+                                    </a:rPr>
+                                    <m:t>𝟐</m:t>
+                                  </m:r>
+                                  <m:r>
+                                    <a:rPr lang="es-ES" sz="1200" b="1" i="1" smtClean="0">
+                                      <a:solidFill>
+                                        <a:srgbClr val="00B050"/>
+                                      </a:solidFill>
+                                      <a:latin typeface="Cambria Math" panose="02040503050406030204" pitchFamily="18" charset="0"/>
+                                    </a:rPr>
+                                    <m:t>+</m:t>
+                                  </m:r>
+                                </m:sup>
+                              </m:sSup>
+                              <m:r>
+                                <a:rPr lang="es-ES" sz="1200" b="1" i="1" smtClean="0">
+                                  <a:solidFill>
+                                    <a:srgbClr val="00B050"/>
+                                  </a:solidFill>
+                                  <a:latin typeface="Cambria Math" panose="02040503050406030204" pitchFamily="18" charset="0"/>
+                                </a:rPr>
+                                <m:t>𝒚</m:t>
+                              </m:r>
+                            </m:e>
+                            <m:sup>
+                              <m:r>
+                                <a:rPr lang="es-ES" sz="1200" b="1" i="1" smtClean="0">
+                                  <a:solidFill>
+                                    <a:srgbClr val="00B050"/>
+                                  </a:solidFill>
+                                  <a:latin typeface="Cambria Math" panose="02040503050406030204" pitchFamily="18" charset="0"/>
+                                </a:rPr>
+                                <m:t>𝟐</m:t>
+                              </m:r>
+                            </m:sup>
+                          </m:sSup>
+                        </m:e>
+                      </m:rad>
+                    </m:oMath>
+                  </m:oMathPara>
+                </a14:m>
+                <a:endParaRPr lang="es-ES" sz="1200" b="1" dirty="0">
+                  <a:solidFill>
+                    <a:srgbClr val="00B050"/>
+                  </a:solidFill>
+                </a:endParaRPr>
+              </a:p>
+            </p:txBody>
+          </p:sp>
+        </mc:Choice>
+        <mc:Fallback>
+          <p:sp>
+            <p:nvSpPr>
+              <p:cNvPr id="21" name="CuadroTexto 20">
+                <a:extLst>
+                  <a:ext uri="{FF2B5EF4-FFF2-40B4-BE49-F238E27FC236}">
+                    <a16:creationId xmlns:a16="http://schemas.microsoft.com/office/drawing/2014/main" id="{8D300126-9127-4A65-9728-64262B753385}"/>
+                  </a:ext>
+                </a:extLst>
+              </p:cNvPr>
+              <p:cNvSpPr txBox="1">
+                <a:spLocks noRot="1" noChangeAspect="1" noMove="1" noResize="1" noEditPoints="1" noAdjustHandles="1" noChangeArrowheads="1" noChangeShapeType="1" noTextEdit="1"/>
+              </p:cNvSpPr>
+              <p:nvPr/>
+            </p:nvSpPr>
+            <p:spPr>
+              <a:xfrm flipH="1">
+                <a:off x="5959708" y="2352895"/>
+                <a:ext cx="1853248" cy="316946"/>
+              </a:xfrm>
+              <a:prstGeom prst="rect">
+                <a:avLst/>
+              </a:prstGeom>
+              <a:blipFill>
+                <a:blip r:embed="rId2"/>
+                <a:stretch>
+                  <a:fillRect/>
+                </a:stretch>
+              </a:blipFill>
+            </p:spPr>
+            <p:txBody>
+              <a:bodyPr/>
+              <a:lstStyle/>
+              <a:p>
+                <a:r>
+                  <a:rPr lang="es-ES">
+                    <a:noFill/>
+                  </a:rPr>
+                  <a:t> </a:t>
+                </a:r>
+              </a:p>
+            </p:txBody>
+          </p:sp>
+        </mc:Fallback>
+      </mc:AlternateContent>
+      <mc:AlternateContent xmlns:mc="http://schemas.openxmlformats.org/markup-compatibility/2006">
+        <mc:Choice xmlns:a14="http://schemas.microsoft.com/office/drawing/2010/main" Requires="a14">
+          <p:sp>
+            <p:nvSpPr>
+              <p:cNvPr id="22" name="CuadroTexto 21">
+                <a:extLst>
+                  <a:ext uri="{FF2B5EF4-FFF2-40B4-BE49-F238E27FC236}">
+                    <a16:creationId xmlns:a16="http://schemas.microsoft.com/office/drawing/2014/main" id="{1CEFC89C-66CF-4FDD-8266-0104EB3BB069}"/>
+                  </a:ext>
+                </a:extLst>
+              </p:cNvPr>
+              <p:cNvSpPr txBox="1"/>
+              <p:nvPr/>
+            </p:nvSpPr>
+            <p:spPr>
+              <a:xfrm flipH="1">
+                <a:off x="4417515" y="4159363"/>
+                <a:ext cx="1853248" cy="281167"/>
+              </a:xfrm>
+              <a:prstGeom prst="rect">
+                <a:avLst/>
+              </a:prstGeom>
+              <a:noFill/>
+            </p:spPr>
+            <p:txBody>
+              <a:bodyPr wrap="square" rtlCol="0">
+                <a:spAutoFit/>
+              </a:bodyPr>
+              <a:lstStyle/>
+              <a:p>
+                <a14:m>
+                  <m:oMathPara xmlns:m="http://schemas.openxmlformats.org/officeDocument/2006/math">
+                    <m:oMathParaPr>
+                      <m:jc m:val="centerGroup"/>
+                    </m:oMathParaPr>
+                    <m:oMath xmlns:m="http://schemas.openxmlformats.org/officeDocument/2006/math">
+                      <m:sSup>
+                        <m:sSupPr>
+                          <m:ctrlPr>
+                            <a:rPr lang="es-ES" sz="1200" b="1" i="1" smtClean="0">
+                              <a:solidFill>
+                                <a:schemeClr val="tx1">
+                                  <a:lumMod val="65000"/>
+                                  <a:lumOff val="35000"/>
+                                </a:schemeClr>
+                              </a:solidFill>
+                              <a:latin typeface="Cambria Math" panose="02040503050406030204" pitchFamily="18" charset="0"/>
+                            </a:rPr>
+                          </m:ctrlPr>
+                        </m:sSupPr>
+                        <m:e>
+                          <m:r>
+                            <a:rPr lang="es-ES" sz="1200" b="1" i="1" smtClean="0">
+                              <a:solidFill>
+                                <a:schemeClr val="tx1">
+                                  <a:lumMod val="65000"/>
+                                  <a:lumOff val="35000"/>
+                                </a:schemeClr>
+                              </a:solidFill>
+                              <a:latin typeface="Cambria Math" panose="02040503050406030204" pitchFamily="18" charset="0"/>
+                            </a:rPr>
+                            <m:t>𝒚</m:t>
+                          </m:r>
+                        </m:e>
+                        <m:sup>
+                          <m:r>
+                            <a:rPr lang="es-ES" sz="1200" b="1" i="1" smtClean="0">
+                              <a:solidFill>
+                                <a:schemeClr val="tx1">
+                                  <a:lumMod val="65000"/>
+                                  <a:lumOff val="35000"/>
+                                </a:schemeClr>
+                              </a:solidFill>
+                              <a:latin typeface="Cambria Math" panose="02040503050406030204" pitchFamily="18" charset="0"/>
+                            </a:rPr>
+                            <m:t>𝟐</m:t>
+                          </m:r>
+                        </m:sup>
+                      </m:sSup>
+                      <m:r>
+                        <a:rPr lang="es-ES" sz="1200" b="1" i="1" smtClean="0">
+                          <a:solidFill>
+                            <a:schemeClr val="tx1">
+                              <a:lumMod val="65000"/>
+                              <a:lumOff val="35000"/>
+                            </a:schemeClr>
+                          </a:solidFill>
+                          <a:latin typeface="Cambria Math" panose="02040503050406030204" pitchFamily="18" charset="0"/>
+                        </a:rPr>
+                        <m:t>+</m:t>
+                      </m:r>
+                      <m:sSup>
+                        <m:sSupPr>
+                          <m:ctrlPr>
+                            <a:rPr lang="es-ES" sz="1200" b="1" i="1" smtClean="0">
+                              <a:solidFill>
+                                <a:schemeClr val="tx1">
+                                  <a:lumMod val="65000"/>
+                                  <a:lumOff val="35000"/>
+                                </a:schemeClr>
+                              </a:solidFill>
+                              <a:latin typeface="Cambria Math" panose="02040503050406030204" pitchFamily="18" charset="0"/>
+                            </a:rPr>
+                          </m:ctrlPr>
+                        </m:sSupPr>
+                        <m:e>
+                          <m:r>
+                            <a:rPr lang="es-ES" sz="1200" b="1" i="1" smtClean="0">
+                              <a:solidFill>
+                                <a:schemeClr val="tx1">
+                                  <a:lumMod val="65000"/>
+                                  <a:lumOff val="35000"/>
+                                </a:schemeClr>
+                              </a:solidFill>
+                              <a:latin typeface="Cambria Math" panose="02040503050406030204" pitchFamily="18" charset="0"/>
+                            </a:rPr>
+                            <m:t>𝒙</m:t>
+                          </m:r>
+                        </m:e>
+                        <m:sup>
+                          <m:r>
+                            <a:rPr lang="es-ES" sz="1200" b="1" i="1" smtClean="0">
+                              <a:solidFill>
+                                <a:schemeClr val="tx1">
+                                  <a:lumMod val="65000"/>
+                                  <a:lumOff val="35000"/>
+                                </a:schemeClr>
+                              </a:solidFill>
+                              <a:latin typeface="Cambria Math" panose="02040503050406030204" pitchFamily="18" charset="0"/>
+                            </a:rPr>
+                            <m:t>𝟐</m:t>
+                          </m:r>
+                        </m:sup>
+                      </m:sSup>
+                      <m:r>
+                        <a:rPr lang="es-ES" sz="1200" b="1" i="1" smtClean="0">
+                          <a:solidFill>
+                            <a:schemeClr val="tx1">
+                              <a:lumMod val="65000"/>
+                              <a:lumOff val="35000"/>
+                            </a:schemeClr>
+                          </a:solidFill>
+                          <a:latin typeface="Cambria Math" panose="02040503050406030204" pitchFamily="18" charset="0"/>
+                        </a:rPr>
+                        <m:t>=</m:t>
+                      </m:r>
+                      <m:r>
+                        <a:rPr lang="es-ES" sz="1200" b="1" i="1" smtClean="0">
+                          <a:solidFill>
+                            <a:schemeClr val="tx1">
+                              <a:lumMod val="65000"/>
+                              <a:lumOff val="35000"/>
+                            </a:schemeClr>
+                          </a:solidFill>
+                          <a:latin typeface="Cambria Math" panose="02040503050406030204" pitchFamily="18" charset="0"/>
+                        </a:rPr>
+                        <m:t>𝟏</m:t>
+                      </m:r>
+                    </m:oMath>
+                  </m:oMathPara>
+                </a14:m>
+                <a:endParaRPr lang="es-ES" sz="1200" b="1" dirty="0">
+                  <a:solidFill>
+                    <a:schemeClr val="tx1">
+                      <a:lumMod val="65000"/>
+                      <a:lumOff val="35000"/>
+                    </a:schemeClr>
+                  </a:solidFill>
+                </a:endParaRPr>
+              </a:p>
+            </p:txBody>
+          </p:sp>
+        </mc:Choice>
+        <mc:Fallback>
+          <p:sp>
+            <p:nvSpPr>
+              <p:cNvPr id="22" name="CuadroTexto 21">
+                <a:extLst>
+                  <a:ext uri="{FF2B5EF4-FFF2-40B4-BE49-F238E27FC236}">
+                    <a16:creationId xmlns:a16="http://schemas.microsoft.com/office/drawing/2014/main" id="{1CEFC89C-66CF-4FDD-8266-0104EB3BB069}"/>
+                  </a:ext>
+                </a:extLst>
+              </p:cNvPr>
+              <p:cNvSpPr txBox="1">
+                <a:spLocks noRot="1" noChangeAspect="1" noMove="1" noResize="1" noEditPoints="1" noAdjustHandles="1" noChangeArrowheads="1" noChangeShapeType="1" noTextEdit="1"/>
+              </p:cNvSpPr>
+              <p:nvPr/>
+            </p:nvSpPr>
+            <p:spPr>
+              <a:xfrm flipH="1">
+                <a:off x="4417515" y="4159363"/>
+                <a:ext cx="1853248" cy="281167"/>
+              </a:xfrm>
+              <a:prstGeom prst="rect">
+                <a:avLst/>
+              </a:prstGeom>
+              <a:blipFill>
+                <a:blip r:embed="rId3"/>
+                <a:stretch>
+                  <a:fillRect/>
+                </a:stretch>
+              </a:blipFill>
+            </p:spPr>
+            <p:txBody>
+              <a:bodyPr/>
+              <a:lstStyle/>
+              <a:p>
+                <a:r>
+                  <a:rPr lang="es-ES">
+                    <a:noFill/>
+                  </a:rPr>
+                  <a:t> </a:t>
+                </a:r>
+              </a:p>
+            </p:txBody>
+          </p:sp>
+        </mc:Fallback>
+      </mc:AlternateContent>
+      <p:sp>
+        <p:nvSpPr>
+          <p:cNvPr id="23" name="CuadroTexto 22">
+            <a:extLst>
+              <a:ext uri="{FF2B5EF4-FFF2-40B4-BE49-F238E27FC236}">
+                <a16:creationId xmlns:a16="http://schemas.microsoft.com/office/drawing/2014/main" id="{B418D041-04AD-46CD-83E4-ACF4E6FAF7CF}"/>
+              </a:ext>
+            </a:extLst>
+          </p:cNvPr>
+          <p:cNvSpPr txBox="1"/>
+          <p:nvPr/>
+        </p:nvSpPr>
+        <p:spPr>
+          <a:xfrm>
+            <a:off x="3810065" y="1890776"/>
+            <a:ext cx="744114" cy="369332"/>
+          </a:xfrm>
+          <a:prstGeom prst="rect">
+            <a:avLst/>
+          </a:prstGeom>
+          <a:noFill/>
+        </p:spPr>
+        <p:txBody>
+          <a:bodyPr wrap="none" rtlCol="0">
+            <a:spAutoFit/>
+          </a:bodyPr>
+          <a:lstStyle/>
+          <a:p>
+            <a:r>
+              <a:rPr lang="es-ES" dirty="0">
+                <a:solidFill>
+                  <a:schemeClr val="bg1">
+                    <a:lumMod val="75000"/>
+                  </a:schemeClr>
+                </a:solidFill>
+              </a:rPr>
+              <a:t>(</a:t>
+            </a:r>
+            <a:r>
+              <a:rPr lang="es-ES" sz="1400" dirty="0">
+                <a:solidFill>
+                  <a:schemeClr val="bg1">
+                    <a:lumMod val="75000"/>
+                  </a:schemeClr>
+                </a:solidFill>
+              </a:rPr>
+              <a:t>-1,0,e</a:t>
+            </a:r>
+            <a:r>
+              <a:rPr lang="es-ES" dirty="0">
+                <a:solidFill>
+                  <a:schemeClr val="bg1">
+                    <a:lumMod val="75000"/>
+                  </a:schemeClr>
+                </a:solidFill>
+              </a:rPr>
+              <a:t>)</a:t>
+            </a:r>
+          </a:p>
+        </p:txBody>
+      </p:sp>
+      <p:sp>
+        <p:nvSpPr>
+          <p:cNvPr id="24" name="Rombo 23">
+            <a:extLst>
+              <a:ext uri="{FF2B5EF4-FFF2-40B4-BE49-F238E27FC236}">
+                <a16:creationId xmlns:a16="http://schemas.microsoft.com/office/drawing/2014/main" id="{F4152B1C-B37C-4F3A-B883-88542CE36EA1}"/>
+              </a:ext>
+            </a:extLst>
+          </p:cNvPr>
+          <p:cNvSpPr/>
+          <p:nvPr/>
+        </p:nvSpPr>
+        <p:spPr>
+          <a:xfrm>
+            <a:off x="3670973" y="1332250"/>
+            <a:ext cx="3583092" cy="1677242"/>
+          </a:xfrm>
+          <a:custGeom>
+            <a:avLst/>
+            <a:gdLst>
+              <a:gd name="connsiteX0" fmla="*/ 0 w 3583092"/>
+              <a:gd name="connsiteY0" fmla="*/ 838621 h 1677242"/>
+              <a:gd name="connsiteX1" fmla="*/ 429971 w 3583092"/>
+              <a:gd name="connsiteY1" fmla="*/ 637352 h 1677242"/>
+              <a:gd name="connsiteX2" fmla="*/ 824111 w 3583092"/>
+              <a:gd name="connsiteY2" fmla="*/ 452855 h 1677242"/>
+              <a:gd name="connsiteX3" fmla="*/ 1307829 w 3583092"/>
+              <a:gd name="connsiteY3" fmla="*/ 226428 h 1677242"/>
+              <a:gd name="connsiteX4" fmla="*/ 1791546 w 3583092"/>
+              <a:gd name="connsiteY4" fmla="*/ 0 h 1677242"/>
+              <a:gd name="connsiteX5" fmla="*/ 2221517 w 3583092"/>
+              <a:gd name="connsiteY5" fmla="*/ 201269 h 1677242"/>
+              <a:gd name="connsiteX6" fmla="*/ 2633573 w 3583092"/>
+              <a:gd name="connsiteY6" fmla="*/ 394152 h 1677242"/>
+              <a:gd name="connsiteX7" fmla="*/ 3081459 w 3583092"/>
+              <a:gd name="connsiteY7" fmla="*/ 603807 h 1677242"/>
+              <a:gd name="connsiteX8" fmla="*/ 3583092 w 3583092"/>
+              <a:gd name="connsiteY8" fmla="*/ 838621 h 1677242"/>
+              <a:gd name="connsiteX9" fmla="*/ 3171036 w 3583092"/>
+              <a:gd name="connsiteY9" fmla="*/ 1031504 h 1677242"/>
+              <a:gd name="connsiteX10" fmla="*/ 2723150 w 3583092"/>
+              <a:gd name="connsiteY10" fmla="*/ 1241159 h 1677242"/>
+              <a:gd name="connsiteX11" fmla="*/ 2275263 w 3583092"/>
+              <a:gd name="connsiteY11" fmla="*/ 1450814 h 1677242"/>
+              <a:gd name="connsiteX12" fmla="*/ 1791546 w 3583092"/>
+              <a:gd name="connsiteY12" fmla="*/ 1677242 h 1677242"/>
+              <a:gd name="connsiteX13" fmla="*/ 1307829 w 3583092"/>
+              <a:gd name="connsiteY13" fmla="*/ 1450814 h 1677242"/>
+              <a:gd name="connsiteX14" fmla="*/ 824111 w 3583092"/>
+              <a:gd name="connsiteY14" fmla="*/ 1224387 h 1677242"/>
+              <a:gd name="connsiteX15" fmla="*/ 0 w 3583092"/>
+              <a:gd name="connsiteY15" fmla="*/ 838621 h 1677242"/>
+            </a:gdLst>
+            <a:ahLst/>
+            <a:cxnLst>
+              <a:cxn ang="0">
+                <a:pos x="connsiteX0" y="connsiteY0"/>
+              </a:cxn>
+              <a:cxn ang="0">
+                <a:pos x="connsiteX1" y="connsiteY1"/>
+              </a:cxn>
+              <a:cxn ang="0">
+                <a:pos x="connsiteX2" y="connsiteY2"/>
+              </a:cxn>
+              <a:cxn ang="0">
+                <a:pos x="connsiteX3" y="connsiteY3"/>
+              </a:cxn>
+              <a:cxn ang="0">
+                <a:pos x="connsiteX4" y="connsiteY4"/>
+              </a:cxn>
+              <a:cxn ang="0">
+                <a:pos x="connsiteX5" y="connsiteY5"/>
+              </a:cxn>
+              <a:cxn ang="0">
+                <a:pos x="connsiteX6" y="connsiteY6"/>
+              </a:cxn>
+              <a:cxn ang="0">
+                <a:pos x="connsiteX7" y="connsiteY7"/>
+              </a:cxn>
+              <a:cxn ang="0">
+                <a:pos x="connsiteX8" y="connsiteY8"/>
+              </a:cxn>
+              <a:cxn ang="0">
+                <a:pos x="connsiteX9" y="connsiteY9"/>
+              </a:cxn>
+              <a:cxn ang="0">
+                <a:pos x="connsiteX10" y="connsiteY10"/>
+              </a:cxn>
+              <a:cxn ang="0">
+                <a:pos x="connsiteX11" y="connsiteY11"/>
+              </a:cxn>
+              <a:cxn ang="0">
+                <a:pos x="connsiteX12" y="connsiteY12"/>
+              </a:cxn>
+              <a:cxn ang="0">
+                <a:pos x="connsiteX13" y="connsiteY13"/>
+              </a:cxn>
+              <a:cxn ang="0">
+                <a:pos x="connsiteX14" y="connsiteY14"/>
+              </a:cxn>
+              <a:cxn ang="0">
+                <a:pos x="connsiteX15" y="connsiteY15"/>
+              </a:cxn>
+            </a:cxnLst>
+            <a:rect l="l" t="t" r="r" b="b"/>
+            <a:pathLst>
+              <a:path w="3583092" h="1677242" extrusionOk="0">
+                <a:moveTo>
+                  <a:pt x="0" y="838621"/>
+                </a:moveTo>
+                <a:cubicBezTo>
+                  <a:pt x="180192" y="749586"/>
+                  <a:pt x="323540" y="701900"/>
+                  <a:pt x="429971" y="637352"/>
+                </a:cubicBezTo>
+                <a:cubicBezTo>
+                  <a:pt x="536401" y="572804"/>
+                  <a:pt x="643140" y="546304"/>
+                  <a:pt x="824111" y="452855"/>
+                </a:cubicBezTo>
+                <a:cubicBezTo>
+                  <a:pt x="1005083" y="359407"/>
+                  <a:pt x="1119900" y="320681"/>
+                  <a:pt x="1307829" y="226428"/>
+                </a:cubicBezTo>
+                <a:cubicBezTo>
+                  <a:pt x="1495758" y="132174"/>
+                  <a:pt x="1608343" y="141789"/>
+                  <a:pt x="1791546" y="0"/>
+                </a:cubicBezTo>
+                <a:cubicBezTo>
+                  <a:pt x="1924547" y="53362"/>
+                  <a:pt x="2066329" y="186827"/>
+                  <a:pt x="2221517" y="201269"/>
+                </a:cubicBezTo>
+                <a:cubicBezTo>
+                  <a:pt x="2376705" y="215711"/>
+                  <a:pt x="2435954" y="312649"/>
+                  <a:pt x="2633573" y="394152"/>
+                </a:cubicBezTo>
+                <a:cubicBezTo>
+                  <a:pt x="2831192" y="475655"/>
+                  <a:pt x="2975072" y="579360"/>
+                  <a:pt x="3081459" y="603807"/>
+                </a:cubicBezTo>
+                <a:cubicBezTo>
+                  <a:pt x="3187846" y="628254"/>
+                  <a:pt x="3327948" y="733409"/>
+                  <a:pt x="3583092" y="838621"/>
+                </a:cubicBezTo>
+                <a:cubicBezTo>
+                  <a:pt x="3409593" y="973269"/>
+                  <a:pt x="3314076" y="940232"/>
+                  <a:pt x="3171036" y="1031504"/>
+                </a:cubicBezTo>
+                <a:cubicBezTo>
+                  <a:pt x="3027996" y="1122776"/>
+                  <a:pt x="2811548" y="1171397"/>
+                  <a:pt x="2723150" y="1241159"/>
+                </a:cubicBezTo>
+                <a:cubicBezTo>
+                  <a:pt x="2634752" y="1310921"/>
+                  <a:pt x="2426019" y="1339527"/>
+                  <a:pt x="2275263" y="1450814"/>
+                </a:cubicBezTo>
+                <a:cubicBezTo>
+                  <a:pt x="2124507" y="1562101"/>
+                  <a:pt x="1992722" y="1540029"/>
+                  <a:pt x="1791546" y="1677242"/>
+                </a:cubicBezTo>
+                <a:cubicBezTo>
+                  <a:pt x="1608116" y="1641917"/>
+                  <a:pt x="1472753" y="1517645"/>
+                  <a:pt x="1307829" y="1450814"/>
+                </a:cubicBezTo>
+                <a:cubicBezTo>
+                  <a:pt x="1142905" y="1383983"/>
+                  <a:pt x="941964" y="1231114"/>
+                  <a:pt x="824111" y="1224387"/>
+                </a:cubicBezTo>
+                <a:cubicBezTo>
+                  <a:pt x="706258" y="1217660"/>
+                  <a:pt x="262727" y="943846"/>
+                  <a:pt x="0" y="838621"/>
+                </a:cubicBezTo>
+                <a:close/>
+              </a:path>
+            </a:pathLst>
+          </a:custGeom>
+          <a:noFill/>
+          <a:ln>
+            <a:solidFill>
+              <a:schemeClr val="tx2">
+                <a:lumMod val="20000"/>
+                <a:lumOff val="80000"/>
+              </a:schemeClr>
+            </a:solidFill>
+            <a:prstDash val="sysDot"/>
+            <a:extLst>
+              <a:ext uri="{C807C97D-BFC1-408E-A445-0C87EB9F89A2}">
+                <ask:lineSketchStyleProps xmlns:ask="http://schemas.microsoft.com/office/drawing/2018/sketchyshapes" sd="1219033472">
+                  <a:prstGeom prst="diamond">
+                    <a:avLst/>
+                  </a:prstGeom>
+                  <ask:type>
+                    <ask:lineSketchScribble/>
+                  </ask:type>
+                </ask:lineSketchStyleProps>
+              </a:ext>
+            </a:extLst>
+          </a:ln>
+        </p:spPr>
+        <p:style>
+          <a:lnRef idx="2">
+            <a:schemeClr val="accent1">
+              <a:shade val="50000"/>
+            </a:schemeClr>
+          </a:lnRef>
+          <a:fillRef idx="1">
+            <a:schemeClr val="accent1"/>
+          </a:fillRef>
+          <a:effectRef idx="0">
+            <a:schemeClr val="accent1"/>
+          </a:effectRef>
+          <a:fontRef idx="minor">
+            <a:schemeClr val="lt1"/>
+          </a:fontRef>
+        </p:style>
+        <p:txBody>
+          <a:bodyPr rtlCol="0" anchor="ctr"/>
+          <a:lstStyle/>
+          <a:p>
+            <a:pPr algn="ctr"/>
+            <a:endParaRPr lang="es-ES"/>
+          </a:p>
+        </p:txBody>
+      </p:sp>
+      <p:sp>
+        <p:nvSpPr>
+          <p:cNvPr id="19" name="CuadroTexto 18">
+            <a:extLst>
+              <a:ext uri="{FF2B5EF4-FFF2-40B4-BE49-F238E27FC236}">
+                <a16:creationId xmlns:a16="http://schemas.microsoft.com/office/drawing/2014/main" id="{38D2E3BB-317E-4C60-8A1F-B4E73BC2918C}"/>
+              </a:ext>
+            </a:extLst>
+          </p:cNvPr>
+          <p:cNvSpPr txBox="1"/>
+          <p:nvPr/>
+        </p:nvSpPr>
+        <p:spPr>
+          <a:xfrm>
+            <a:off x="6310781" y="3672078"/>
+            <a:ext cx="689612" cy="369332"/>
+          </a:xfrm>
+          <a:prstGeom prst="rect">
+            <a:avLst/>
+          </a:prstGeom>
+          <a:noFill/>
+        </p:spPr>
+        <p:txBody>
+          <a:bodyPr wrap="none" rtlCol="0">
+            <a:spAutoFit/>
+          </a:bodyPr>
+          <a:lstStyle/>
+          <a:p>
+            <a:r>
+              <a:rPr lang="es-ES" dirty="0">
+                <a:solidFill>
+                  <a:schemeClr val="bg1">
+                    <a:lumMod val="75000"/>
+                  </a:schemeClr>
+                </a:solidFill>
+              </a:rPr>
+              <a:t>(</a:t>
+            </a:r>
+            <a:r>
+              <a:rPr lang="es-ES" sz="1400" dirty="0">
+                <a:solidFill>
+                  <a:schemeClr val="bg1">
+                    <a:lumMod val="75000"/>
+                  </a:schemeClr>
+                </a:solidFill>
+              </a:rPr>
+              <a:t>1,0,0</a:t>
+            </a:r>
+            <a:r>
+              <a:rPr lang="es-ES" dirty="0">
+                <a:solidFill>
+                  <a:schemeClr val="bg1">
+                    <a:lumMod val="75000"/>
+                  </a:schemeClr>
+                </a:solidFill>
+              </a:rPr>
+              <a:t>)</a:t>
+            </a:r>
+          </a:p>
+        </p:txBody>
+      </p:sp>
+      <p:sp>
+        <p:nvSpPr>
+          <p:cNvPr id="2" name="Forma libre: forma 1">
+            <a:extLst>
+              <a:ext uri="{FF2B5EF4-FFF2-40B4-BE49-F238E27FC236}">
+                <a16:creationId xmlns:a16="http://schemas.microsoft.com/office/drawing/2014/main" id="{1866E9FF-DFC9-43A2-8052-57FFF77CE1C2}"/>
+              </a:ext>
+            </a:extLst>
+          </p:cNvPr>
+          <p:cNvSpPr/>
+          <p:nvPr/>
+        </p:nvSpPr>
+        <p:spPr>
+          <a:xfrm>
+            <a:off x="4497493" y="1915159"/>
+            <a:ext cx="1664020" cy="2063351"/>
+          </a:xfrm>
+          <a:custGeom>
+            <a:avLst/>
+            <a:gdLst>
+              <a:gd name="connsiteX0" fmla="*/ 0 w 1664020"/>
+              <a:gd name="connsiteY0" fmla="*/ 313268 h 2063351"/>
+              <a:gd name="connsiteX1" fmla="*/ 386080 w 1664020"/>
+              <a:gd name="connsiteY1" fmla="*/ 1694 h 2063351"/>
+              <a:gd name="connsiteX2" fmla="*/ 27094 w 1664020"/>
+              <a:gd name="connsiteY2" fmla="*/ 435188 h 2063351"/>
+              <a:gd name="connsiteX3" fmla="*/ 663787 w 1664020"/>
+              <a:gd name="connsiteY3" fmla="*/ 8468 h 2063351"/>
+              <a:gd name="connsiteX4" fmla="*/ 33867 w 1664020"/>
+              <a:gd name="connsiteY4" fmla="*/ 733214 h 2063351"/>
+              <a:gd name="connsiteX5" fmla="*/ 1009227 w 1664020"/>
+              <a:gd name="connsiteY5" fmla="*/ 42334 h 2063351"/>
+              <a:gd name="connsiteX6" fmla="*/ 331894 w 1664020"/>
+              <a:gd name="connsiteY6" fmla="*/ 1627294 h 2063351"/>
+              <a:gd name="connsiteX7" fmla="*/ 1659467 w 1664020"/>
+              <a:gd name="connsiteY7" fmla="*/ 82974 h 2063351"/>
+              <a:gd name="connsiteX8" fmla="*/ 792480 w 1664020"/>
+              <a:gd name="connsiteY8" fmla="*/ 1993054 h 2063351"/>
+              <a:gd name="connsiteX9" fmla="*/ 1510454 w 1664020"/>
+              <a:gd name="connsiteY9" fmla="*/ 1627294 h 2063351"/>
+            </a:gdLst>
+            <a:ahLst/>
+            <a:cxnLst>
+              <a:cxn ang="0">
+                <a:pos x="connsiteX0" y="connsiteY0"/>
+              </a:cxn>
+              <a:cxn ang="0">
+                <a:pos x="connsiteX1" y="connsiteY1"/>
+              </a:cxn>
+              <a:cxn ang="0">
+                <a:pos x="connsiteX2" y="connsiteY2"/>
+              </a:cxn>
+              <a:cxn ang="0">
+                <a:pos x="connsiteX3" y="connsiteY3"/>
+              </a:cxn>
+              <a:cxn ang="0">
+                <a:pos x="connsiteX4" y="connsiteY4"/>
+              </a:cxn>
+              <a:cxn ang="0">
+                <a:pos x="connsiteX5" y="connsiteY5"/>
+              </a:cxn>
+              <a:cxn ang="0">
+                <a:pos x="connsiteX6" y="connsiteY6"/>
+              </a:cxn>
+              <a:cxn ang="0">
+                <a:pos x="connsiteX7" y="connsiteY7"/>
+              </a:cxn>
+              <a:cxn ang="0">
+                <a:pos x="connsiteX8" y="connsiteY8"/>
+              </a:cxn>
+              <a:cxn ang="0">
+                <a:pos x="connsiteX9" y="connsiteY9"/>
+              </a:cxn>
+            </a:cxnLst>
+            <a:rect l="l" t="t" r="r" b="b"/>
+            <a:pathLst>
+              <a:path w="1664020" h="2063351">
+                <a:moveTo>
+                  <a:pt x="0" y="313268"/>
+                </a:moveTo>
+                <a:cubicBezTo>
+                  <a:pt x="190782" y="147321"/>
+                  <a:pt x="381564" y="-18626"/>
+                  <a:pt x="386080" y="1694"/>
+                </a:cubicBezTo>
+                <a:cubicBezTo>
+                  <a:pt x="390596" y="22014"/>
+                  <a:pt x="-19190" y="434059"/>
+                  <a:pt x="27094" y="435188"/>
+                </a:cubicBezTo>
+                <a:cubicBezTo>
+                  <a:pt x="73378" y="436317"/>
+                  <a:pt x="662658" y="-41203"/>
+                  <a:pt x="663787" y="8468"/>
+                </a:cubicBezTo>
+                <a:cubicBezTo>
+                  <a:pt x="664916" y="58139"/>
+                  <a:pt x="-23706" y="727570"/>
+                  <a:pt x="33867" y="733214"/>
+                </a:cubicBezTo>
+                <a:cubicBezTo>
+                  <a:pt x="91440" y="738858"/>
+                  <a:pt x="959556" y="-106679"/>
+                  <a:pt x="1009227" y="42334"/>
+                </a:cubicBezTo>
+                <a:cubicBezTo>
+                  <a:pt x="1058898" y="191347"/>
+                  <a:pt x="223521" y="1620521"/>
+                  <a:pt x="331894" y="1627294"/>
+                </a:cubicBezTo>
+                <a:cubicBezTo>
+                  <a:pt x="440267" y="1634067"/>
+                  <a:pt x="1582703" y="22014"/>
+                  <a:pt x="1659467" y="82974"/>
+                </a:cubicBezTo>
+                <a:cubicBezTo>
+                  <a:pt x="1736231" y="143934"/>
+                  <a:pt x="817315" y="1735667"/>
+                  <a:pt x="792480" y="1993054"/>
+                </a:cubicBezTo>
+                <a:cubicBezTo>
+                  <a:pt x="767645" y="2250441"/>
+                  <a:pt x="1378374" y="1725507"/>
+                  <a:pt x="1510454" y="1627294"/>
+                </a:cubicBezTo>
+              </a:path>
+            </a:pathLst>
+          </a:custGeom>
+          <a:noFill/>
+          <a:ln>
+            <a:solidFill>
+              <a:srgbClr val="92D050"/>
+            </a:solidFill>
+          </a:ln>
+        </p:spPr>
+        <p:style>
+          <a:lnRef idx="2">
+            <a:schemeClr val="accent1">
+              <a:shade val="50000"/>
+            </a:schemeClr>
+          </a:lnRef>
+          <a:fillRef idx="1">
+            <a:schemeClr val="accent1"/>
+          </a:fillRef>
+          <a:effectRef idx="0">
+            <a:schemeClr val="accent1"/>
+          </a:effectRef>
+          <a:fontRef idx="minor">
+            <a:schemeClr val="lt1"/>
+          </a:fontRef>
+        </p:style>
+        <p:txBody>
+          <a:bodyPr rtlCol="0" anchor="ctr"/>
+          <a:lstStyle/>
+          <a:p>
+            <a:pPr algn="ctr"/>
+            <a:endParaRPr lang="es-ES"/>
+          </a:p>
+        </p:txBody>
+      </p:sp>
+      <p:sp>
+        <p:nvSpPr>
+          <p:cNvPr id="9" name="Elipse 8">
+            <a:extLst>
+              <a:ext uri="{FF2B5EF4-FFF2-40B4-BE49-F238E27FC236}">
+                <a16:creationId xmlns:a16="http://schemas.microsoft.com/office/drawing/2014/main" id="{1EC68C1D-9A51-4BB5-A3BB-0D80475DDD8A}"/>
+              </a:ext>
+            </a:extLst>
+          </p:cNvPr>
+          <p:cNvSpPr/>
+          <p:nvPr/>
+        </p:nvSpPr>
+        <p:spPr>
+          <a:xfrm>
+            <a:off x="4452161" y="2075442"/>
+            <a:ext cx="92611" cy="84047"/>
+          </a:xfrm>
+          <a:prstGeom prst="ellipse">
+            <a:avLst/>
+          </a:prstGeom>
+          <a:solidFill>
+            <a:schemeClr val="accent6"/>
+          </a:solidFill>
+          <a:ln>
+            <a:solidFill>
+              <a:schemeClr val="accent6"/>
+            </a:solidFill>
+          </a:ln>
+        </p:spPr>
+        <p:style>
+          <a:lnRef idx="2">
+            <a:schemeClr val="accent1">
+              <a:shade val="50000"/>
+            </a:schemeClr>
+          </a:lnRef>
+          <a:fillRef idx="1">
+            <a:schemeClr val="accent1"/>
+          </a:fillRef>
+          <a:effectRef idx="0">
+            <a:schemeClr val="accent1"/>
+          </a:effectRef>
+          <a:fontRef idx="minor">
+            <a:schemeClr val="lt1"/>
+          </a:fontRef>
+        </p:style>
+        <p:txBody>
+          <a:bodyPr rtlCol="0" anchor="ctr"/>
+          <a:lstStyle/>
+          <a:p>
+            <a:pPr algn="ctr"/>
+            <a:endParaRPr lang="es-ES"/>
+          </a:p>
+        </p:txBody>
+      </p:sp>
+      <p:sp>
+        <p:nvSpPr>
+          <p:cNvPr id="20" name="Elipse 19">
+            <a:extLst>
+              <a:ext uri="{FF2B5EF4-FFF2-40B4-BE49-F238E27FC236}">
+                <a16:creationId xmlns:a16="http://schemas.microsoft.com/office/drawing/2014/main" id="{D801A850-0935-4597-AE73-EA249E3B12E7}"/>
+              </a:ext>
+            </a:extLst>
+          </p:cNvPr>
+          <p:cNvSpPr/>
+          <p:nvPr/>
+        </p:nvSpPr>
+        <p:spPr>
+          <a:xfrm>
+            <a:off x="6310781" y="3803448"/>
+            <a:ext cx="92611" cy="84047"/>
+          </a:xfrm>
+          <a:prstGeom prst="ellipse">
+            <a:avLst/>
+          </a:prstGeom>
+          <a:solidFill>
+            <a:schemeClr val="accent6"/>
+          </a:solidFill>
+          <a:ln>
+            <a:solidFill>
+              <a:schemeClr val="accent6"/>
+            </a:solidFill>
+          </a:ln>
+        </p:spPr>
+        <p:style>
+          <a:lnRef idx="2">
+            <a:schemeClr val="accent1">
+              <a:shade val="50000"/>
+            </a:schemeClr>
+          </a:lnRef>
+          <a:fillRef idx="1">
+            <a:schemeClr val="accent1"/>
+          </a:fillRef>
+          <a:effectRef idx="0">
+            <a:schemeClr val="accent1"/>
+          </a:effectRef>
+          <a:fontRef idx="minor">
+            <a:schemeClr val="lt1"/>
+          </a:fontRef>
+        </p:style>
+        <p:txBody>
+          <a:bodyPr rtlCol="0" anchor="ctr"/>
+          <a:lstStyle/>
+          <a:p>
+            <a:pPr algn="ctr"/>
+            <a:endParaRPr lang="es-ES"/>
+          </a:p>
+        </p:txBody>
+      </p:sp>
+    </p:spTree>
+    <p:extLst>
+      <p:ext uri="{BB962C8B-B14F-4D97-AF65-F5344CB8AC3E}">
+        <p14:creationId xmlns:p14="http://schemas.microsoft.com/office/powerpoint/2010/main" val="2571369673"/>
+      </p:ext>
+    </p:extLst>
+  </p:cSld>
+  <p:clrMapOvr>
+    <a:masterClrMapping/>
+  </p:clrMapOvr>
+</p:sld>
+</file>
+
 <file path=ppt/theme/theme1.xml><?xml version="1.0" encoding="utf-8"?>
 <a:theme xmlns:a="http://schemas.openxmlformats.org/drawingml/2006/main" name="Tema de Office">
   <a:themeElements>
